--- a/images/DrawingImages.pptx
+++ b/images/DrawingImages.pptx
@@ -5,10 +5,11 @@
     <p:sldMasterId id="2147483648" r:id="rId1"/>
   </p:sldMasterIdLst>
   <p:notesMasterIdLst>
-    <p:notesMasterId r:id="rId3"/>
+    <p:notesMasterId r:id="rId4"/>
   </p:notesMasterIdLst>
   <p:sldIdLst>
     <p:sldId id="258" r:id="rId2"/>
+    <p:sldId id="259" r:id="rId3"/>
   </p:sldIdLst>
   <p:sldSz cx="12192000" cy="6858000"/>
   <p:notesSz cx="6858000" cy="9144000"/>
@@ -107,6 +108,11 @@
       </a:defRPr>
     </a:lvl9pPr>
   </p:defaultTextStyle>
+  <p:extLst>
+    <p:ext uri="{EFAFB233-063F-42B5-8137-9DF3F51BA10A}">
+      <p15:sldGuideLst xmlns:p15="http://schemas.microsoft.com/office/powerpoint/2012/main"/>
+    </p:ext>
+  </p:extLst>
 </p:presentation>
 </file>
 
@@ -192,7 +198,7 @@
           <a:p>
             <a:fld id="{5099C167-FF08-4FBF-9CB6-1838149D8E98}" type="datetimeFigureOut">
               <a:rPr lang="en-US" smtClean="0"/>
-              <a:t>6/21/2018</a:t>
+              <a:t>8/21/2018</a:t>
             </a:fld>
             <a:endParaRPr lang="en-US"/>
           </a:p>
@@ -701,7 +707,7 @@
           <a:p>
             <a:fld id="{B0A27DF5-E343-4B6B-B315-5C0477F75847}" type="datetimeFigureOut">
               <a:rPr lang="en-US" smtClean="0"/>
-              <a:t>6/21/2018</a:t>
+              <a:t>8/21/2018</a:t>
             </a:fld>
             <a:endParaRPr lang="en-US"/>
           </a:p>
@@ -899,7 +905,7 @@
           <a:p>
             <a:fld id="{B0A27DF5-E343-4B6B-B315-5C0477F75847}" type="datetimeFigureOut">
               <a:rPr lang="en-US" smtClean="0"/>
-              <a:t>6/21/2018</a:t>
+              <a:t>8/21/2018</a:t>
             </a:fld>
             <a:endParaRPr lang="en-US"/>
           </a:p>
@@ -1107,7 +1113,7 @@
           <a:p>
             <a:fld id="{B0A27DF5-E343-4B6B-B315-5C0477F75847}" type="datetimeFigureOut">
               <a:rPr lang="en-US" smtClean="0"/>
-              <a:t>6/21/2018</a:t>
+              <a:t>8/21/2018</a:t>
             </a:fld>
             <a:endParaRPr lang="en-US"/>
           </a:p>
@@ -1305,7 +1311,7 @@
           <a:p>
             <a:fld id="{B0A27DF5-E343-4B6B-B315-5C0477F75847}" type="datetimeFigureOut">
               <a:rPr lang="en-US" smtClean="0"/>
-              <a:t>6/21/2018</a:t>
+              <a:t>8/21/2018</a:t>
             </a:fld>
             <a:endParaRPr lang="en-US"/>
           </a:p>
@@ -1580,7 +1586,7 @@
           <a:p>
             <a:fld id="{B0A27DF5-E343-4B6B-B315-5C0477F75847}" type="datetimeFigureOut">
               <a:rPr lang="en-US" smtClean="0"/>
-              <a:t>6/21/2018</a:t>
+              <a:t>8/21/2018</a:t>
             </a:fld>
             <a:endParaRPr lang="en-US"/>
           </a:p>
@@ -1845,7 +1851,7 @@
           <a:p>
             <a:fld id="{B0A27DF5-E343-4B6B-B315-5C0477F75847}" type="datetimeFigureOut">
               <a:rPr lang="en-US" smtClean="0"/>
-              <a:t>6/21/2018</a:t>
+              <a:t>8/21/2018</a:t>
             </a:fld>
             <a:endParaRPr lang="en-US"/>
           </a:p>
@@ -2257,7 +2263,7 @@
           <a:p>
             <a:fld id="{B0A27DF5-E343-4B6B-B315-5C0477F75847}" type="datetimeFigureOut">
               <a:rPr lang="en-US" smtClean="0"/>
-              <a:t>6/21/2018</a:t>
+              <a:t>8/21/2018</a:t>
             </a:fld>
             <a:endParaRPr lang="en-US"/>
           </a:p>
@@ -2398,7 +2404,7 @@
           <a:p>
             <a:fld id="{B0A27DF5-E343-4B6B-B315-5C0477F75847}" type="datetimeFigureOut">
               <a:rPr lang="en-US" smtClean="0"/>
-              <a:t>6/21/2018</a:t>
+              <a:t>8/21/2018</a:t>
             </a:fld>
             <a:endParaRPr lang="en-US"/>
           </a:p>
@@ -2511,7 +2517,7 @@
           <a:p>
             <a:fld id="{B0A27DF5-E343-4B6B-B315-5C0477F75847}" type="datetimeFigureOut">
               <a:rPr lang="en-US" smtClean="0"/>
-              <a:t>6/21/2018</a:t>
+              <a:t>8/21/2018</a:t>
             </a:fld>
             <a:endParaRPr lang="en-US"/>
           </a:p>
@@ -2822,7 +2828,7 @@
           <a:p>
             <a:fld id="{B0A27DF5-E343-4B6B-B315-5C0477F75847}" type="datetimeFigureOut">
               <a:rPr lang="en-US" smtClean="0"/>
-              <a:t>6/21/2018</a:t>
+              <a:t>8/21/2018</a:t>
             </a:fld>
             <a:endParaRPr lang="en-US"/>
           </a:p>
@@ -3110,7 +3116,7 @@
           <a:p>
             <a:fld id="{B0A27DF5-E343-4B6B-B315-5C0477F75847}" type="datetimeFigureOut">
               <a:rPr lang="en-US" smtClean="0"/>
-              <a:t>6/21/2018</a:t>
+              <a:t>8/21/2018</a:t>
             </a:fld>
             <a:endParaRPr lang="en-US"/>
           </a:p>
@@ -3351,7 +3357,7 @@
           <a:p>
             <a:fld id="{B0A27DF5-E343-4B6B-B315-5C0477F75847}" type="datetimeFigureOut">
               <a:rPr lang="en-US" smtClean="0"/>
-              <a:t>6/21/2018</a:t>
+              <a:t>8/21/2018</a:t>
             </a:fld>
             <a:endParaRPr lang="en-US"/>
           </a:p>
@@ -3850,8 +3856,8 @@
           </a:fontRef>
         </p:style>
       </p:cxnSp>
-      <mc:AlternateContent xmlns:mc="http://schemas.openxmlformats.org/markup-compatibility/2006">
-        <mc:Choice xmlns:a14="http://schemas.microsoft.com/office/drawing/2010/main" Requires="a14">
+      <mc:AlternateContent xmlns:mc="http://schemas.openxmlformats.org/markup-compatibility/2006" xmlns:a14="http://schemas.microsoft.com/office/drawing/2010/main">
+        <mc:Choice Requires="a14">
           <p:sp>
             <p:nvSpPr>
               <p:cNvPr id="52" name="TextBox 51">
@@ -3932,7 +3938,7 @@
             </p:txBody>
           </p:sp>
         </mc:Choice>
-        <mc:Fallback>
+        <mc:Fallback xmlns="">
           <p:sp>
             <p:nvSpPr>
               <p:cNvPr id="52" name="TextBox 51">
@@ -5407,8 +5413,8 @@
           </p:style>
         </p:cxnSp>
       </p:grpSp>
-      <mc:AlternateContent xmlns:mc="http://schemas.openxmlformats.org/markup-compatibility/2006">
-        <mc:Choice xmlns:a14="http://schemas.microsoft.com/office/drawing/2010/main" Requires="a14">
+      <mc:AlternateContent xmlns:mc="http://schemas.openxmlformats.org/markup-compatibility/2006" xmlns:a14="http://schemas.microsoft.com/office/drawing/2010/main">
+        <mc:Choice Requires="a14">
           <p:sp>
             <p:nvSpPr>
               <p:cNvPr id="106" name="TextBox 105">
@@ -5489,7 +5495,7 @@
             </p:txBody>
           </p:sp>
         </mc:Choice>
-        <mc:Fallback>
+        <mc:Fallback xmlns="">
           <p:sp>
             <p:nvSpPr>
               <p:cNvPr id="106" name="TextBox 105">
@@ -6074,8 +6080,8 @@
           </a:fontRef>
         </p:style>
       </p:cxnSp>
-      <mc:AlternateContent xmlns:mc="http://schemas.openxmlformats.org/markup-compatibility/2006">
-        <mc:Choice xmlns:a14="http://schemas.microsoft.com/office/drawing/2010/main" Requires="a14">
+      <mc:AlternateContent xmlns:mc="http://schemas.openxmlformats.org/markup-compatibility/2006" xmlns:a14="http://schemas.microsoft.com/office/drawing/2010/main">
+        <mc:Choice Requires="a14">
           <p:sp>
             <p:nvSpPr>
               <p:cNvPr id="176" name="TextBox 175">
@@ -6156,7 +6162,7 @@
             </p:txBody>
           </p:sp>
         </mc:Choice>
-        <mc:Fallback>
+        <mc:Fallback xmlns="">
           <p:sp>
             <p:nvSpPr>
               <p:cNvPr id="176" name="TextBox 175">
@@ -7587,8 +7593,8 @@
           </p:style>
         </p:cxnSp>
       </p:grpSp>
-      <mc:AlternateContent xmlns:mc="http://schemas.openxmlformats.org/markup-compatibility/2006">
-        <mc:Choice xmlns:a14="http://schemas.microsoft.com/office/drawing/2010/main" Requires="a14">
+      <mc:AlternateContent xmlns:mc="http://schemas.openxmlformats.org/markup-compatibility/2006" xmlns:a14="http://schemas.microsoft.com/office/drawing/2010/main">
+        <mc:Choice Requires="a14">
           <p:sp>
             <p:nvSpPr>
               <p:cNvPr id="210" name="TextBox 209">
@@ -7669,7 +7675,7 @@
             </p:txBody>
           </p:sp>
         </mc:Choice>
-        <mc:Fallback>
+        <mc:Fallback xmlns="">
           <p:sp>
             <p:nvSpPr>
               <p:cNvPr id="210" name="TextBox 209">
@@ -8279,6 +8285,86 @@
     <p:extLst>
       <p:ext uri="{BB962C8B-B14F-4D97-AF65-F5344CB8AC3E}">
         <p14:creationId xmlns:p14="http://schemas.microsoft.com/office/powerpoint/2010/main" val="2719580465"/>
+      </p:ext>
+    </p:extLst>
+  </p:cSld>
+  <p:clrMapOvr>
+    <a:masterClrMapping/>
+  </p:clrMapOvr>
+</p:sld>
+</file>
+
+<file path=ppt/slides/slide2.xml><?xml version="1.0" encoding="utf-8"?>
+<p:sld xmlns:a="http://schemas.openxmlformats.org/drawingml/2006/main" xmlns:r="http://schemas.openxmlformats.org/officeDocument/2006/relationships" xmlns:p="http://schemas.openxmlformats.org/presentationml/2006/main">
+  <p:cSld>
+    <p:spTree>
+      <p:nvGrpSpPr>
+        <p:cNvPr id="1" name=""/>
+        <p:cNvGrpSpPr/>
+        <p:nvPr/>
+      </p:nvGrpSpPr>
+      <p:grpSpPr>
+        <a:xfrm>
+          <a:off x="0" y="0"/>
+          <a:ext cx="0" cy="0"/>
+          <a:chOff x="0" y="0"/>
+          <a:chExt cx="0" cy="0"/>
+        </a:xfrm>
+      </p:grpSpPr>
+      <p:sp>
+        <p:nvSpPr>
+          <p:cNvPr id="2" name="Title 1">
+            <a:extLst>
+              <a:ext uri="{FF2B5EF4-FFF2-40B4-BE49-F238E27FC236}">
+                <a16:creationId xmlns:a16="http://schemas.microsoft.com/office/drawing/2014/main" id="{3F250399-4992-4CA1-A519-1027FDFA817D}"/>
+              </a:ext>
+            </a:extLst>
+          </p:cNvPr>
+          <p:cNvSpPr>
+            <a:spLocks noGrp="1"/>
+          </p:cNvSpPr>
+          <p:nvPr>
+            <p:ph type="title"/>
+          </p:nvPr>
+        </p:nvSpPr>
+        <p:spPr/>
+        <p:txBody>
+          <a:bodyPr/>
+          <a:lstStyle/>
+          <a:p>
+            <a:endParaRPr lang="en-US"/>
+          </a:p>
+        </p:txBody>
+      </p:sp>
+      <p:sp>
+        <p:nvSpPr>
+          <p:cNvPr id="3" name="Content Placeholder 2">
+            <a:extLst>
+              <a:ext uri="{FF2B5EF4-FFF2-40B4-BE49-F238E27FC236}">
+                <a16:creationId xmlns:a16="http://schemas.microsoft.com/office/drawing/2014/main" id="{428C9512-49F9-4F7D-B724-4842A0220F74}"/>
+              </a:ext>
+            </a:extLst>
+          </p:cNvPr>
+          <p:cNvSpPr>
+            <a:spLocks noGrp="1"/>
+          </p:cNvSpPr>
+          <p:nvPr>
+            <p:ph idx="1"/>
+          </p:nvPr>
+        </p:nvSpPr>
+        <p:spPr/>
+        <p:txBody>
+          <a:bodyPr/>
+          <a:lstStyle/>
+          <a:p>
+            <a:endParaRPr lang="en-US"/>
+          </a:p>
+        </p:txBody>
+      </p:sp>
+    </p:spTree>
+    <p:extLst>
+      <p:ext uri="{BB962C8B-B14F-4D97-AF65-F5344CB8AC3E}">
+        <p14:creationId xmlns:p14="http://schemas.microsoft.com/office/powerpoint/2010/main" val="2504061051"/>
       </p:ext>
     </p:extLst>
   </p:cSld>

--- a/images/DrawingImages.pptx
+++ b/images/DrawingImages.pptx
@@ -3,13 +3,14 @@
 <p:presentation xmlns:a="http://schemas.openxmlformats.org/drawingml/2006/main" xmlns:r="http://schemas.openxmlformats.org/officeDocument/2006/relationships" xmlns:p="http://schemas.openxmlformats.org/presentationml/2006/main" saveSubsetFonts="1">
   <p:sldMasterIdLst>
     <p:sldMasterId id="2147483648" r:id="rId1"/>
+    <p:sldMasterId id="2147483660" r:id="rId2"/>
   </p:sldMasterIdLst>
   <p:notesMasterIdLst>
-    <p:notesMasterId r:id="rId4"/>
+    <p:notesMasterId r:id="rId5"/>
   </p:notesMasterIdLst>
   <p:sldIdLst>
-    <p:sldId id="258" r:id="rId2"/>
-    <p:sldId id="259" r:id="rId3"/>
+    <p:sldId id="258" r:id="rId3"/>
+    <p:sldId id="288" r:id="rId4"/>
   </p:sldIdLst>
   <p:sldSz cx="12192000" cy="6858000"/>
   <p:notesSz cx="6858000" cy="9144000"/>
@@ -198,7 +199,7 @@
           <a:p>
             <a:fld id="{5099C167-FF08-4FBF-9CB6-1838149D8E98}" type="datetimeFigureOut">
               <a:rPr lang="en-US" smtClean="0"/>
-              <a:t>8/21/2018</a:t>
+              <a:t>8/22/2018</a:t>
             </a:fld>
             <a:endParaRPr lang="en-US"/>
           </a:p>
@@ -560,6 +561,153 @@
 </p:notes>
 </file>
 
+<file path=ppt/notesSlides/notesSlide2.xml><?xml version="1.0" encoding="utf-8"?>
+<p:notes xmlns:a="http://schemas.openxmlformats.org/drawingml/2006/main" xmlns:r="http://schemas.openxmlformats.org/officeDocument/2006/relationships" xmlns:p="http://schemas.openxmlformats.org/presentationml/2006/main">
+  <p:cSld>
+    <p:spTree>
+      <p:nvGrpSpPr>
+        <p:cNvPr id="1" name=""/>
+        <p:cNvGrpSpPr/>
+        <p:nvPr/>
+      </p:nvGrpSpPr>
+      <p:grpSpPr>
+        <a:xfrm>
+          <a:off x="0" y="0"/>
+          <a:ext cx="0" cy="0"/>
+          <a:chOff x="0" y="0"/>
+          <a:chExt cx="0" cy="0"/>
+        </a:xfrm>
+      </p:grpSpPr>
+      <p:sp>
+        <p:nvSpPr>
+          <p:cNvPr id="2" name="Slide Image Placeholder 1"/>
+          <p:cNvSpPr>
+            <a:spLocks noGrp="1" noRot="1" noChangeAspect="1"/>
+          </p:cNvSpPr>
+          <p:nvPr>
+            <p:ph type="sldImg"/>
+          </p:nvPr>
+        </p:nvSpPr>
+        <p:spPr/>
+      </p:sp>
+      <p:sp>
+        <p:nvSpPr>
+          <p:cNvPr id="3" name="Notes Placeholder 2"/>
+          <p:cNvSpPr>
+            <a:spLocks noGrp="1"/>
+          </p:cNvSpPr>
+          <p:nvPr>
+            <p:ph type="body" idx="1"/>
+          </p:nvPr>
+        </p:nvSpPr>
+        <p:spPr/>
+        <p:txBody>
+          <a:bodyPr/>
+          <a:lstStyle/>
+          <a:p>
+            <a:r>
+              <a:rPr lang="en-US" dirty="0"/>
+              <a:t>…this is because of the effect of doping. Under tip, we dope the sample and change band structure.  Also graphene under tip at diff electrostatic potential than at the contact. VQ because related to quantum capacitance.</a:t>
+            </a:r>
+          </a:p>
+        </p:txBody>
+      </p:sp>
+      <p:sp>
+        <p:nvSpPr>
+          <p:cNvPr id="4" name="Slide Number Placeholder 3"/>
+          <p:cNvSpPr>
+            <a:spLocks noGrp="1"/>
+          </p:cNvSpPr>
+          <p:nvPr>
+            <p:ph type="sldNum" sz="quarter" idx="10"/>
+          </p:nvPr>
+        </p:nvSpPr>
+        <p:spPr/>
+        <p:txBody>
+          <a:bodyPr/>
+          <a:lstStyle/>
+          <a:p>
+            <a:pPr marL="0" marR="0" lvl="0" indent="0" algn="r" defTabSz="914400" rtl="0" eaLnBrk="1" fontAlgn="auto" latinLnBrk="0" hangingPunct="1">
+              <a:lnSpc>
+                <a:spcPct val="100000"/>
+              </a:lnSpc>
+              <a:spcBef>
+                <a:spcPts val="0"/>
+              </a:spcBef>
+              <a:spcAft>
+                <a:spcPts val="0"/>
+              </a:spcAft>
+              <a:buClrTx/>
+              <a:buSzTx/>
+              <a:buFontTx/>
+              <a:buNone/>
+              <a:tabLst/>
+              <a:defRPr/>
+            </a:pPr>
+            <a:fld id="{2B4A2FBB-A181-4F6A-9823-5692D3BBBE5F}" type="slidenum">
+              <a:rPr kumimoji="0" lang="en-US" sz="1200" b="0" i="0" u="none" strike="noStrike" kern="1200" cap="none" spc="0" normalizeH="0" baseline="0" noProof="0" smtClean="0">
+                <a:ln>
+                  <a:noFill/>
+                </a:ln>
+                <a:solidFill>
+                  <a:prstClr val="black"/>
+                </a:solidFill>
+                <a:effectLst/>
+                <a:uLnTx/>
+                <a:uFillTx/>
+                <a:latin typeface="Calibri" panose="020F0502020204030204"/>
+                <a:ea typeface="+mn-ea"/>
+                <a:cs typeface="+mn-cs"/>
+              </a:rPr>
+              <a:pPr marL="0" marR="0" lvl="0" indent="0" algn="r" defTabSz="914400" rtl="0" eaLnBrk="1" fontAlgn="auto" latinLnBrk="0" hangingPunct="1">
+                <a:lnSpc>
+                  <a:spcPct val="100000"/>
+                </a:lnSpc>
+                <a:spcBef>
+                  <a:spcPts val="0"/>
+                </a:spcBef>
+                <a:spcAft>
+                  <a:spcPts val="0"/>
+                </a:spcAft>
+                <a:buClrTx/>
+                <a:buSzTx/>
+                <a:buFontTx/>
+                <a:buNone/>
+                <a:tabLst/>
+                <a:defRPr/>
+              </a:pPr>
+              <a:t>2</a:t>
+            </a:fld>
+            <a:endParaRPr kumimoji="0" lang="en-US" sz="1200" b="0" i="0" u="none" strike="noStrike" kern="1200" cap="none" spc="0" normalizeH="0" baseline="0" noProof="0">
+              <a:ln>
+                <a:noFill/>
+              </a:ln>
+              <a:solidFill>
+                <a:prstClr val="black"/>
+              </a:solidFill>
+              <a:effectLst/>
+              <a:uLnTx/>
+              <a:uFillTx/>
+              <a:latin typeface="Calibri" panose="020F0502020204030204"/>
+              <a:ea typeface="+mn-ea"/>
+              <a:cs typeface="+mn-cs"/>
+            </a:endParaRPr>
+          </a:p>
+        </p:txBody>
+      </p:sp>
+    </p:spTree>
+    <p:extLst>
+      <p:ext uri="{BB962C8B-B14F-4D97-AF65-F5344CB8AC3E}">
+        <p14:creationId xmlns:p14="http://schemas.microsoft.com/office/powerpoint/2010/main" val="1045179471"/>
+      </p:ext>
+    </p:extLst>
+  </p:cSld>
+  <p:clrMapOvr>
+    <a:masterClrMapping/>
+  </p:clrMapOvr>
+</p:notes>
+</file>
+
 <file path=ppt/slideLayouts/slideLayout1.xml><?xml version="1.0" encoding="utf-8"?>
 <p:sldLayout xmlns:a="http://schemas.openxmlformats.org/drawingml/2006/main" xmlns:r="http://schemas.openxmlformats.org/officeDocument/2006/relationships" xmlns:p="http://schemas.openxmlformats.org/presentationml/2006/main" type="title" preserve="1">
   <p:cSld name="Title Slide">
@@ -707,7 +855,7 @@
           <a:p>
             <a:fld id="{B0A27DF5-E343-4B6B-B315-5C0477F75847}" type="datetimeFigureOut">
               <a:rPr lang="en-US" smtClean="0"/>
-              <a:t>8/21/2018</a:t>
+              <a:t>8/22/2018</a:t>
             </a:fld>
             <a:endParaRPr lang="en-US"/>
           </a:p>
@@ -905,7 +1053,7 @@
           <a:p>
             <a:fld id="{B0A27DF5-E343-4B6B-B315-5C0477F75847}" type="datetimeFigureOut">
               <a:rPr lang="en-US" smtClean="0"/>
-              <a:t>8/21/2018</a:t>
+              <a:t>8/22/2018</a:t>
             </a:fld>
             <a:endParaRPr lang="en-US"/>
           </a:p>
@@ -1113,7 +1261,7 @@
           <a:p>
             <a:fld id="{B0A27DF5-E343-4B6B-B315-5C0477F75847}" type="datetimeFigureOut">
               <a:rPr lang="en-US" smtClean="0"/>
-              <a:t>8/21/2018</a:t>
+              <a:t>8/22/2018</a:t>
             </a:fld>
             <a:endParaRPr lang="en-US"/>
           </a:p>
@@ -1186,7 +1334,227 @@
 </p:sldLayout>
 </file>
 
-<file path=ppt/slideLayouts/slideLayout2.xml><?xml version="1.0" encoding="utf-8"?>
+<file path=ppt/slideLayouts/slideLayout12.xml><?xml version="1.0" encoding="utf-8"?>
+<p:sldLayout xmlns:a="http://schemas.openxmlformats.org/drawingml/2006/main" xmlns:r="http://schemas.openxmlformats.org/officeDocument/2006/relationships" xmlns:p="http://schemas.openxmlformats.org/presentationml/2006/main" type="title" preserve="1">
+  <p:cSld name="Title Slide">
+    <p:spTree>
+      <p:nvGrpSpPr>
+        <p:cNvPr id="1" name=""/>
+        <p:cNvGrpSpPr/>
+        <p:nvPr/>
+      </p:nvGrpSpPr>
+      <p:grpSpPr>
+        <a:xfrm>
+          <a:off x="0" y="0"/>
+          <a:ext cx="0" cy="0"/>
+          <a:chOff x="0" y="0"/>
+          <a:chExt cx="0" cy="0"/>
+        </a:xfrm>
+      </p:grpSpPr>
+      <p:sp>
+        <p:nvSpPr>
+          <p:cNvPr id="2" name="Title 1">
+            <a:extLst>
+              <a:ext uri="{FF2B5EF4-FFF2-40B4-BE49-F238E27FC236}">
+                <a16:creationId xmlns:a16="http://schemas.microsoft.com/office/drawing/2014/main" id="{A94A15A6-9D95-4492-BE2B-8A8433CBC73D}"/>
+              </a:ext>
+            </a:extLst>
+          </p:cNvPr>
+          <p:cNvSpPr>
+            <a:spLocks noGrp="1"/>
+          </p:cNvSpPr>
+          <p:nvPr>
+            <p:ph type="ctrTitle"/>
+          </p:nvPr>
+        </p:nvSpPr>
+        <p:spPr>
+          <a:xfrm>
+            <a:off x="1524000" y="1122363"/>
+            <a:ext cx="9144000" cy="2387600"/>
+          </a:xfrm>
+        </p:spPr>
+        <p:txBody>
+          <a:bodyPr anchor="b"/>
+          <a:lstStyle>
+            <a:lvl1pPr algn="ctr">
+              <a:defRPr sz="6000"/>
+            </a:lvl1pPr>
+          </a:lstStyle>
+          <a:p>
+            <a:r>
+              <a:rPr lang="en-US"/>
+              <a:t>Click to edit Master title style</a:t>
+            </a:r>
+          </a:p>
+        </p:txBody>
+      </p:sp>
+      <p:sp>
+        <p:nvSpPr>
+          <p:cNvPr id="3" name="Subtitle 2">
+            <a:extLst>
+              <a:ext uri="{FF2B5EF4-FFF2-40B4-BE49-F238E27FC236}">
+                <a16:creationId xmlns:a16="http://schemas.microsoft.com/office/drawing/2014/main" id="{968D0095-28AA-43E8-BEC2-72928B4DEC96}"/>
+              </a:ext>
+            </a:extLst>
+          </p:cNvPr>
+          <p:cNvSpPr>
+            <a:spLocks noGrp="1"/>
+          </p:cNvSpPr>
+          <p:nvPr>
+            <p:ph type="subTitle" idx="1"/>
+          </p:nvPr>
+        </p:nvSpPr>
+        <p:spPr>
+          <a:xfrm>
+            <a:off x="1524000" y="3602038"/>
+            <a:ext cx="9144000" cy="1655762"/>
+          </a:xfrm>
+        </p:spPr>
+        <p:txBody>
+          <a:bodyPr/>
+          <a:lstStyle>
+            <a:lvl1pPr marL="0" indent="0" algn="ctr">
+              <a:buNone/>
+              <a:defRPr sz="2400"/>
+            </a:lvl1pPr>
+            <a:lvl2pPr marL="457200" indent="0" algn="ctr">
+              <a:buNone/>
+              <a:defRPr sz="2000"/>
+            </a:lvl2pPr>
+            <a:lvl3pPr marL="914400" indent="0" algn="ctr">
+              <a:buNone/>
+              <a:defRPr sz="1800"/>
+            </a:lvl3pPr>
+            <a:lvl4pPr marL="1371600" indent="0" algn="ctr">
+              <a:buNone/>
+              <a:defRPr sz="1600"/>
+            </a:lvl4pPr>
+            <a:lvl5pPr marL="1828800" indent="0" algn="ctr">
+              <a:buNone/>
+              <a:defRPr sz="1600"/>
+            </a:lvl5pPr>
+            <a:lvl6pPr marL="2286000" indent="0" algn="ctr">
+              <a:buNone/>
+              <a:defRPr sz="1600"/>
+            </a:lvl6pPr>
+            <a:lvl7pPr marL="2743200" indent="0" algn="ctr">
+              <a:buNone/>
+              <a:defRPr sz="1600"/>
+            </a:lvl7pPr>
+            <a:lvl8pPr marL="3200400" indent="0" algn="ctr">
+              <a:buNone/>
+              <a:defRPr sz="1600"/>
+            </a:lvl8pPr>
+            <a:lvl9pPr marL="3657600" indent="0" algn="ctr">
+              <a:buNone/>
+              <a:defRPr sz="1600"/>
+            </a:lvl9pPr>
+          </a:lstStyle>
+          <a:p>
+            <a:r>
+              <a:rPr lang="en-US"/>
+              <a:t>Click to edit Master subtitle style</a:t>
+            </a:r>
+          </a:p>
+        </p:txBody>
+      </p:sp>
+      <p:sp>
+        <p:nvSpPr>
+          <p:cNvPr id="4" name="Date Placeholder 3">
+            <a:extLst>
+              <a:ext uri="{FF2B5EF4-FFF2-40B4-BE49-F238E27FC236}">
+                <a16:creationId xmlns:a16="http://schemas.microsoft.com/office/drawing/2014/main" id="{F83DB3FF-8A19-4C6C-B277-47C0D5D4DB23}"/>
+              </a:ext>
+            </a:extLst>
+          </p:cNvPr>
+          <p:cNvSpPr>
+            <a:spLocks noGrp="1"/>
+          </p:cNvSpPr>
+          <p:nvPr>
+            <p:ph type="dt" sz="half" idx="10"/>
+          </p:nvPr>
+        </p:nvSpPr>
+        <p:spPr/>
+        <p:txBody>
+          <a:bodyPr/>
+          <a:lstStyle/>
+          <a:p>
+            <a:fld id="{5FE59410-9D11-40E6-8C40-E0AA19D6FBBE}" type="datetime1">
+              <a:rPr lang="en-US" smtClean="0"/>
+              <a:t>8/22/2018</a:t>
+            </a:fld>
+            <a:endParaRPr lang="en-US"/>
+          </a:p>
+        </p:txBody>
+      </p:sp>
+      <p:sp>
+        <p:nvSpPr>
+          <p:cNvPr id="5" name="Footer Placeholder 4">
+            <a:extLst>
+              <a:ext uri="{FF2B5EF4-FFF2-40B4-BE49-F238E27FC236}">
+                <a16:creationId xmlns:a16="http://schemas.microsoft.com/office/drawing/2014/main" id="{10D7F8EA-4C63-4EDC-8AD9-6C5591989CAE}"/>
+              </a:ext>
+            </a:extLst>
+          </p:cNvPr>
+          <p:cNvSpPr>
+            <a:spLocks noGrp="1"/>
+          </p:cNvSpPr>
+          <p:nvPr>
+            <p:ph type="ftr" sz="quarter" idx="11"/>
+          </p:nvPr>
+        </p:nvSpPr>
+        <p:spPr/>
+        <p:txBody>
+          <a:bodyPr/>
+          <a:lstStyle/>
+          <a:p>
+            <a:endParaRPr lang="en-US"/>
+          </a:p>
+        </p:txBody>
+      </p:sp>
+      <p:sp>
+        <p:nvSpPr>
+          <p:cNvPr id="6" name="Slide Number Placeholder 5">
+            <a:extLst>
+              <a:ext uri="{FF2B5EF4-FFF2-40B4-BE49-F238E27FC236}">
+                <a16:creationId xmlns:a16="http://schemas.microsoft.com/office/drawing/2014/main" id="{C5881256-E4EA-4CDE-94CC-3D77B4C678B8}"/>
+              </a:ext>
+            </a:extLst>
+          </p:cNvPr>
+          <p:cNvSpPr>
+            <a:spLocks noGrp="1"/>
+          </p:cNvSpPr>
+          <p:nvPr>
+            <p:ph type="sldNum" sz="quarter" idx="12"/>
+          </p:nvPr>
+        </p:nvSpPr>
+        <p:spPr/>
+        <p:txBody>
+          <a:bodyPr/>
+          <a:lstStyle/>
+          <a:p>
+            <a:fld id="{A7AC3516-8C24-49AA-86FA-AE97094E310F}" type="slidenum">
+              <a:rPr lang="en-US" smtClean="0"/>
+              <a:t>‹#›</a:t>
+            </a:fld>
+            <a:endParaRPr lang="en-US"/>
+          </a:p>
+        </p:txBody>
+      </p:sp>
+    </p:spTree>
+    <p:extLst>
+      <p:ext uri="{BB962C8B-B14F-4D97-AF65-F5344CB8AC3E}">
+        <p14:creationId xmlns:p14="http://schemas.microsoft.com/office/powerpoint/2010/main" val="2569322956"/>
+      </p:ext>
+    </p:extLst>
+  </p:cSld>
+  <p:clrMapOvr>
+    <a:masterClrMapping/>
+  </p:clrMapOvr>
+</p:sldLayout>
+</file>
+
+<file path=ppt/slideLayouts/slideLayout13.xml><?xml version="1.0" encoding="utf-8"?>
 <p:sldLayout xmlns:a="http://schemas.openxmlformats.org/drawingml/2006/main" xmlns:r="http://schemas.openxmlformats.org/officeDocument/2006/relationships" xmlns:p="http://schemas.openxmlformats.org/presentationml/2006/main" type="obj" preserve="1">
   <p:cSld name="Title and Content">
     <p:spTree>
@@ -1208,7 +1576,7 @@
           <p:cNvPr id="2" name="Title 1">
             <a:extLst>
               <a:ext uri="{FF2B5EF4-FFF2-40B4-BE49-F238E27FC236}">
-                <a16:creationId xmlns:a16="http://schemas.microsoft.com/office/drawing/2014/main" id="{82EA8E33-5A99-45F0-9D13-C5DB6F34DDD1}"/>
+                <a16:creationId xmlns:a16="http://schemas.microsoft.com/office/drawing/2014/main" id="{D3985672-773E-49F2-A83E-77A1A5BE8B25}"/>
               </a:ext>
             </a:extLst>
           </p:cNvPr>
@@ -1236,7 +1604,7 @@
           <p:cNvPr id="3" name="Content Placeholder 2">
             <a:extLst>
               <a:ext uri="{FF2B5EF4-FFF2-40B4-BE49-F238E27FC236}">
-                <a16:creationId xmlns:a16="http://schemas.microsoft.com/office/drawing/2014/main" id="{03D58C19-0428-4FC3-A3B8-2A622D312C0C}"/>
+                <a16:creationId xmlns:a16="http://schemas.microsoft.com/office/drawing/2014/main" id="{99B01983-66EB-401E-87F2-73CBAD404B96}"/>
               </a:ext>
             </a:extLst>
           </p:cNvPr>
@@ -1293,7 +1661,7 @@
           <p:cNvPr id="4" name="Date Placeholder 3">
             <a:extLst>
               <a:ext uri="{FF2B5EF4-FFF2-40B4-BE49-F238E27FC236}">
-                <a16:creationId xmlns:a16="http://schemas.microsoft.com/office/drawing/2014/main" id="{EEFD12FD-30E2-4D6C-97CC-19DA36830F09}"/>
+                <a16:creationId xmlns:a16="http://schemas.microsoft.com/office/drawing/2014/main" id="{E1D7338A-E1A2-44CF-989C-9E2ACC384E71}"/>
               </a:ext>
             </a:extLst>
           </p:cNvPr>
@@ -1309,9 +1677,9 @@
           <a:bodyPr/>
           <a:lstStyle/>
           <a:p>
-            <a:fld id="{B0A27DF5-E343-4B6B-B315-5C0477F75847}" type="datetimeFigureOut">
+            <a:fld id="{727F438E-B783-4A49-B497-1BA9E91D77E5}" type="datetime1">
               <a:rPr lang="en-US" smtClean="0"/>
-              <a:t>8/21/2018</a:t>
+              <a:t>8/22/2018</a:t>
             </a:fld>
             <a:endParaRPr lang="en-US"/>
           </a:p>
@@ -1322,7 +1690,7 @@
           <p:cNvPr id="5" name="Footer Placeholder 4">
             <a:extLst>
               <a:ext uri="{FF2B5EF4-FFF2-40B4-BE49-F238E27FC236}">
-                <a16:creationId xmlns:a16="http://schemas.microsoft.com/office/drawing/2014/main" id="{89C4A4E9-1A4F-4559-9EDC-B303F49C855B}"/>
+                <a16:creationId xmlns:a16="http://schemas.microsoft.com/office/drawing/2014/main" id="{D1BDB858-9DBA-4A91-B873-43B412A43AA3}"/>
               </a:ext>
             </a:extLst>
           </p:cNvPr>
@@ -1347,7 +1715,7 @@
           <p:cNvPr id="6" name="Slide Number Placeholder 5">
             <a:extLst>
               <a:ext uri="{FF2B5EF4-FFF2-40B4-BE49-F238E27FC236}">
-                <a16:creationId xmlns:a16="http://schemas.microsoft.com/office/drawing/2014/main" id="{684C1A39-B9A3-41C0-8264-579E96E026FC}"/>
+                <a16:creationId xmlns:a16="http://schemas.microsoft.com/office/drawing/2014/main" id="{9F5F1DFF-DF72-4A8C-BF67-FD870DFA00AE}"/>
               </a:ext>
             </a:extLst>
           </p:cNvPr>
@@ -1363,7 +1731,7 @@
           <a:bodyPr/>
           <a:lstStyle/>
           <a:p>
-            <a:fld id="{B2DFBBB8-428B-4EB2-ADC8-3BD2339AF25D}" type="slidenum">
+            <a:fld id="{A7AC3516-8C24-49AA-86FA-AE97094E310F}" type="slidenum">
               <a:rPr lang="en-US" smtClean="0"/>
               <a:t>‹#›</a:t>
             </a:fld>
@@ -1374,7 +1742,7 @@
     </p:spTree>
     <p:extLst>
       <p:ext uri="{BB962C8B-B14F-4D97-AF65-F5344CB8AC3E}">
-        <p14:creationId xmlns:p14="http://schemas.microsoft.com/office/powerpoint/2010/main" val="3556004489"/>
+        <p14:creationId xmlns:p14="http://schemas.microsoft.com/office/powerpoint/2010/main" val="3433834615"/>
       </p:ext>
     </p:extLst>
   </p:cSld>
@@ -1384,7 +1752,7 @@
 </p:sldLayout>
 </file>
 
-<file path=ppt/slideLayouts/slideLayout3.xml><?xml version="1.0" encoding="utf-8"?>
+<file path=ppt/slideLayouts/slideLayout14.xml><?xml version="1.0" encoding="utf-8"?>
 <p:sldLayout xmlns:a="http://schemas.openxmlformats.org/drawingml/2006/main" xmlns:r="http://schemas.openxmlformats.org/officeDocument/2006/relationships" xmlns:p="http://schemas.openxmlformats.org/presentationml/2006/main" type="secHead" preserve="1">
   <p:cSld name="Section Header">
     <p:spTree>
@@ -1406,7 +1774,7 @@
           <p:cNvPr id="2" name="Title 1">
             <a:extLst>
               <a:ext uri="{FF2B5EF4-FFF2-40B4-BE49-F238E27FC236}">
-                <a16:creationId xmlns:a16="http://schemas.microsoft.com/office/drawing/2014/main" id="{8EEEE4FF-A699-4B64-9731-35F1300C3B93}"/>
+                <a16:creationId xmlns:a16="http://schemas.microsoft.com/office/drawing/2014/main" id="{ED83CB95-CD92-4AF9-9211-0A70D4DE1A4F}"/>
               </a:ext>
             </a:extLst>
           </p:cNvPr>
@@ -1443,7 +1811,7 @@
           <p:cNvPr id="3" name="Text Placeholder 2">
             <a:extLst>
               <a:ext uri="{FF2B5EF4-FFF2-40B4-BE49-F238E27FC236}">
-                <a16:creationId xmlns:a16="http://schemas.microsoft.com/office/drawing/2014/main" id="{1DC1DF76-4397-4E44-89A9-2A0C18CAC1EE}"/>
+                <a16:creationId xmlns:a16="http://schemas.microsoft.com/office/drawing/2014/main" id="{1BDB471A-5470-4C4B-A0E9-32D08EF9F328}"/>
               </a:ext>
             </a:extLst>
           </p:cNvPr>
@@ -1568,7 +1936,7 @@
           <p:cNvPr id="4" name="Date Placeholder 3">
             <a:extLst>
               <a:ext uri="{FF2B5EF4-FFF2-40B4-BE49-F238E27FC236}">
-                <a16:creationId xmlns:a16="http://schemas.microsoft.com/office/drawing/2014/main" id="{78307DF2-620C-495C-9979-6539D0E251EC}"/>
+                <a16:creationId xmlns:a16="http://schemas.microsoft.com/office/drawing/2014/main" id="{0D40AEFB-F076-4403-9852-548461678133}"/>
               </a:ext>
             </a:extLst>
           </p:cNvPr>
@@ -1584,9 +1952,9 @@
           <a:bodyPr/>
           <a:lstStyle/>
           <a:p>
-            <a:fld id="{B0A27DF5-E343-4B6B-B315-5C0477F75847}" type="datetimeFigureOut">
+            <a:fld id="{6FE0AA79-CA64-4991-9CC9-BFEDC342187A}" type="datetime1">
               <a:rPr lang="en-US" smtClean="0"/>
-              <a:t>8/21/2018</a:t>
+              <a:t>8/22/2018</a:t>
             </a:fld>
             <a:endParaRPr lang="en-US"/>
           </a:p>
@@ -1597,7 +1965,7 @@
           <p:cNvPr id="5" name="Footer Placeholder 4">
             <a:extLst>
               <a:ext uri="{FF2B5EF4-FFF2-40B4-BE49-F238E27FC236}">
-                <a16:creationId xmlns:a16="http://schemas.microsoft.com/office/drawing/2014/main" id="{E7E851F9-4248-4C4E-BD84-CC8E12899C32}"/>
+                <a16:creationId xmlns:a16="http://schemas.microsoft.com/office/drawing/2014/main" id="{05F63A20-06D4-4213-9D78-59F7C8E2699F}"/>
               </a:ext>
             </a:extLst>
           </p:cNvPr>
@@ -1622,7 +1990,7 @@
           <p:cNvPr id="6" name="Slide Number Placeholder 5">
             <a:extLst>
               <a:ext uri="{FF2B5EF4-FFF2-40B4-BE49-F238E27FC236}">
-                <a16:creationId xmlns:a16="http://schemas.microsoft.com/office/drawing/2014/main" id="{4367B730-E91B-4062-8061-0040321C065C}"/>
+                <a16:creationId xmlns:a16="http://schemas.microsoft.com/office/drawing/2014/main" id="{ED21F007-D298-47CA-945A-55A912364C60}"/>
               </a:ext>
             </a:extLst>
           </p:cNvPr>
@@ -1638,7 +2006,7 @@
           <a:bodyPr/>
           <a:lstStyle/>
           <a:p>
-            <a:fld id="{B2DFBBB8-428B-4EB2-ADC8-3BD2339AF25D}" type="slidenum">
+            <a:fld id="{A7AC3516-8C24-49AA-86FA-AE97094E310F}" type="slidenum">
               <a:rPr lang="en-US" smtClean="0"/>
               <a:t>‹#›</a:t>
             </a:fld>
@@ -1649,7 +2017,7 @@
     </p:spTree>
     <p:extLst>
       <p:ext uri="{BB962C8B-B14F-4D97-AF65-F5344CB8AC3E}">
-        <p14:creationId xmlns:p14="http://schemas.microsoft.com/office/powerpoint/2010/main" val="2746066916"/>
+        <p14:creationId xmlns:p14="http://schemas.microsoft.com/office/powerpoint/2010/main" val="3068370616"/>
       </p:ext>
     </p:extLst>
   </p:cSld>
@@ -1659,7 +2027,7 @@
 </p:sldLayout>
 </file>
 
-<file path=ppt/slideLayouts/slideLayout4.xml><?xml version="1.0" encoding="utf-8"?>
+<file path=ppt/slideLayouts/slideLayout15.xml><?xml version="1.0" encoding="utf-8"?>
 <p:sldLayout xmlns:a="http://schemas.openxmlformats.org/drawingml/2006/main" xmlns:r="http://schemas.openxmlformats.org/officeDocument/2006/relationships" xmlns:p="http://schemas.openxmlformats.org/presentationml/2006/main" type="twoObj" preserve="1">
   <p:cSld name="Two Content">
     <p:spTree>
@@ -1681,7 +2049,7 @@
           <p:cNvPr id="2" name="Title 1">
             <a:extLst>
               <a:ext uri="{FF2B5EF4-FFF2-40B4-BE49-F238E27FC236}">
-                <a16:creationId xmlns:a16="http://schemas.microsoft.com/office/drawing/2014/main" id="{36B8668D-0EAB-4DD7-B2D1-D9722EC92EB3}"/>
+                <a16:creationId xmlns:a16="http://schemas.microsoft.com/office/drawing/2014/main" id="{EB815DB7-34E3-42FF-A517-3B5226EFC3D8}"/>
               </a:ext>
             </a:extLst>
           </p:cNvPr>
@@ -1709,7 +2077,7 @@
           <p:cNvPr id="3" name="Content Placeholder 2">
             <a:extLst>
               <a:ext uri="{FF2B5EF4-FFF2-40B4-BE49-F238E27FC236}">
-                <a16:creationId xmlns:a16="http://schemas.microsoft.com/office/drawing/2014/main" id="{504C6F6D-053A-4DF2-9452-CA1CE5A7BCFF}"/>
+                <a16:creationId xmlns:a16="http://schemas.microsoft.com/office/drawing/2014/main" id="{1099695E-BF0A-4361-AF45-EB339B5707E2}"/>
               </a:ext>
             </a:extLst>
           </p:cNvPr>
@@ -1771,7 +2139,7 @@
           <p:cNvPr id="4" name="Content Placeholder 3">
             <a:extLst>
               <a:ext uri="{FF2B5EF4-FFF2-40B4-BE49-F238E27FC236}">
-                <a16:creationId xmlns:a16="http://schemas.microsoft.com/office/drawing/2014/main" id="{EBE9A7D0-23E9-4910-90D7-23EC0766F0F2}"/>
+                <a16:creationId xmlns:a16="http://schemas.microsoft.com/office/drawing/2014/main" id="{0EC0D70B-CFAD-47AE-B696-7E88240B95A9}"/>
               </a:ext>
             </a:extLst>
           </p:cNvPr>
@@ -1833,7 +2201,7 @@
           <p:cNvPr id="5" name="Date Placeholder 4">
             <a:extLst>
               <a:ext uri="{FF2B5EF4-FFF2-40B4-BE49-F238E27FC236}">
-                <a16:creationId xmlns:a16="http://schemas.microsoft.com/office/drawing/2014/main" id="{4DC654FE-E712-4FD2-9E4D-23C3961FE95C}"/>
+                <a16:creationId xmlns:a16="http://schemas.microsoft.com/office/drawing/2014/main" id="{0A7EB009-2E68-4CEE-9F28-CB085AE58A80}"/>
               </a:ext>
             </a:extLst>
           </p:cNvPr>
@@ -1849,9 +2217,9 @@
           <a:bodyPr/>
           <a:lstStyle/>
           <a:p>
-            <a:fld id="{B0A27DF5-E343-4B6B-B315-5C0477F75847}" type="datetimeFigureOut">
+            <a:fld id="{581F43D4-AF6B-4218-B5FA-CFC26E5A1E96}" type="datetime1">
               <a:rPr lang="en-US" smtClean="0"/>
-              <a:t>8/21/2018</a:t>
+              <a:t>8/22/2018</a:t>
             </a:fld>
             <a:endParaRPr lang="en-US"/>
           </a:p>
@@ -1862,7 +2230,7 @@
           <p:cNvPr id="6" name="Footer Placeholder 5">
             <a:extLst>
               <a:ext uri="{FF2B5EF4-FFF2-40B4-BE49-F238E27FC236}">
-                <a16:creationId xmlns:a16="http://schemas.microsoft.com/office/drawing/2014/main" id="{EC753BE4-FD1C-4F9E-A663-16AB08E537CE}"/>
+                <a16:creationId xmlns:a16="http://schemas.microsoft.com/office/drawing/2014/main" id="{C136ED82-5519-45EC-896C-808E1FA5DE7E}"/>
               </a:ext>
             </a:extLst>
           </p:cNvPr>
@@ -1887,7 +2255,7 @@
           <p:cNvPr id="7" name="Slide Number Placeholder 6">
             <a:extLst>
               <a:ext uri="{FF2B5EF4-FFF2-40B4-BE49-F238E27FC236}">
-                <a16:creationId xmlns:a16="http://schemas.microsoft.com/office/drawing/2014/main" id="{24482D4E-CF6F-4FB6-8F51-5813796BFEA7}"/>
+                <a16:creationId xmlns:a16="http://schemas.microsoft.com/office/drawing/2014/main" id="{F9B7377B-4FF1-46C6-AE8D-E121274CBE7D}"/>
               </a:ext>
             </a:extLst>
           </p:cNvPr>
@@ -1903,7 +2271,7 @@
           <a:bodyPr/>
           <a:lstStyle/>
           <a:p>
-            <a:fld id="{B2DFBBB8-428B-4EB2-ADC8-3BD2339AF25D}" type="slidenum">
+            <a:fld id="{A7AC3516-8C24-49AA-86FA-AE97094E310F}" type="slidenum">
               <a:rPr lang="en-US" smtClean="0"/>
               <a:t>‹#›</a:t>
             </a:fld>
@@ -1914,7 +2282,7 @@
     </p:spTree>
     <p:extLst>
       <p:ext uri="{BB962C8B-B14F-4D97-AF65-F5344CB8AC3E}">
-        <p14:creationId xmlns:p14="http://schemas.microsoft.com/office/powerpoint/2010/main" val="520136961"/>
+        <p14:creationId xmlns:p14="http://schemas.microsoft.com/office/powerpoint/2010/main" val="4046724893"/>
       </p:ext>
     </p:extLst>
   </p:cSld>
@@ -1924,7 +2292,7 @@
 </p:sldLayout>
 </file>
 
-<file path=ppt/slideLayouts/slideLayout5.xml><?xml version="1.0" encoding="utf-8"?>
+<file path=ppt/slideLayouts/slideLayout16.xml><?xml version="1.0" encoding="utf-8"?>
 <p:sldLayout xmlns:a="http://schemas.openxmlformats.org/drawingml/2006/main" xmlns:r="http://schemas.openxmlformats.org/officeDocument/2006/relationships" xmlns:p="http://schemas.openxmlformats.org/presentationml/2006/main" type="twoTxTwoObj" preserve="1">
   <p:cSld name="Comparison">
     <p:spTree>
@@ -1946,7 +2314,7 @@
           <p:cNvPr id="2" name="Title 1">
             <a:extLst>
               <a:ext uri="{FF2B5EF4-FFF2-40B4-BE49-F238E27FC236}">
-                <a16:creationId xmlns:a16="http://schemas.microsoft.com/office/drawing/2014/main" id="{61462421-EFD7-4299-9BFD-02723EBD49AD}"/>
+                <a16:creationId xmlns:a16="http://schemas.microsoft.com/office/drawing/2014/main" id="{1092AF98-22AB-446D-BE31-DE88CAF66876}"/>
               </a:ext>
             </a:extLst>
           </p:cNvPr>
@@ -1979,7 +2347,7 @@
           <p:cNvPr id="3" name="Text Placeholder 2">
             <a:extLst>
               <a:ext uri="{FF2B5EF4-FFF2-40B4-BE49-F238E27FC236}">
-                <a16:creationId xmlns:a16="http://schemas.microsoft.com/office/drawing/2014/main" id="{353EA016-5D1F-40DE-851F-1E07B00C8766}"/>
+                <a16:creationId xmlns:a16="http://schemas.microsoft.com/office/drawing/2014/main" id="{53AF3479-EA0D-4A46-AF78-78863E0621E8}"/>
               </a:ext>
             </a:extLst>
           </p:cNvPr>
@@ -2050,7 +2418,7 @@
           <p:cNvPr id="4" name="Content Placeholder 3">
             <a:extLst>
               <a:ext uri="{FF2B5EF4-FFF2-40B4-BE49-F238E27FC236}">
-                <a16:creationId xmlns:a16="http://schemas.microsoft.com/office/drawing/2014/main" id="{853614F3-7203-470A-AC02-324851A80B26}"/>
+                <a16:creationId xmlns:a16="http://schemas.microsoft.com/office/drawing/2014/main" id="{264A6395-DE96-4C0C-8A27-80FC270B89EC}"/>
               </a:ext>
             </a:extLst>
           </p:cNvPr>
@@ -2112,7 +2480,7 @@
           <p:cNvPr id="5" name="Text Placeholder 4">
             <a:extLst>
               <a:ext uri="{FF2B5EF4-FFF2-40B4-BE49-F238E27FC236}">
-                <a16:creationId xmlns:a16="http://schemas.microsoft.com/office/drawing/2014/main" id="{36B02DD2-D635-4055-985F-58265C04B781}"/>
+                <a16:creationId xmlns:a16="http://schemas.microsoft.com/office/drawing/2014/main" id="{8F50D5C8-2E04-4E50-8B69-3C3E7505F4A3}"/>
               </a:ext>
             </a:extLst>
           </p:cNvPr>
@@ -2183,7 +2551,7 @@
           <p:cNvPr id="6" name="Content Placeholder 5">
             <a:extLst>
               <a:ext uri="{FF2B5EF4-FFF2-40B4-BE49-F238E27FC236}">
-                <a16:creationId xmlns:a16="http://schemas.microsoft.com/office/drawing/2014/main" id="{3BDFBE8E-4BEA-4714-974F-56FD6B9CC230}"/>
+                <a16:creationId xmlns:a16="http://schemas.microsoft.com/office/drawing/2014/main" id="{7112ABCA-E84C-4507-A0DF-B90B323B68E1}"/>
               </a:ext>
             </a:extLst>
           </p:cNvPr>
@@ -2245,7 +2613,7 @@
           <p:cNvPr id="7" name="Date Placeholder 6">
             <a:extLst>
               <a:ext uri="{FF2B5EF4-FFF2-40B4-BE49-F238E27FC236}">
-                <a16:creationId xmlns:a16="http://schemas.microsoft.com/office/drawing/2014/main" id="{9BBA373E-6730-42DB-B309-B075DE533858}"/>
+                <a16:creationId xmlns:a16="http://schemas.microsoft.com/office/drawing/2014/main" id="{7FBC3965-6BB0-49BC-913D-9E3E6209291D}"/>
               </a:ext>
             </a:extLst>
           </p:cNvPr>
@@ -2261,9 +2629,9 @@
           <a:bodyPr/>
           <a:lstStyle/>
           <a:p>
-            <a:fld id="{B0A27DF5-E343-4B6B-B315-5C0477F75847}" type="datetimeFigureOut">
+            <a:fld id="{A4870FF7-32F3-414E-BF45-6249340C54CC}" type="datetime1">
               <a:rPr lang="en-US" smtClean="0"/>
-              <a:t>8/21/2018</a:t>
+              <a:t>8/22/2018</a:t>
             </a:fld>
             <a:endParaRPr lang="en-US"/>
           </a:p>
@@ -2274,7 +2642,7 @@
           <p:cNvPr id="8" name="Footer Placeholder 7">
             <a:extLst>
               <a:ext uri="{FF2B5EF4-FFF2-40B4-BE49-F238E27FC236}">
-                <a16:creationId xmlns:a16="http://schemas.microsoft.com/office/drawing/2014/main" id="{E9C05F59-531E-43DC-B29A-52B618D148E9}"/>
+                <a16:creationId xmlns:a16="http://schemas.microsoft.com/office/drawing/2014/main" id="{4F0A9FE0-5B6D-4387-97FE-51B7679EB5CF}"/>
               </a:ext>
             </a:extLst>
           </p:cNvPr>
@@ -2299,7 +2667,7 @@
           <p:cNvPr id="9" name="Slide Number Placeholder 8">
             <a:extLst>
               <a:ext uri="{FF2B5EF4-FFF2-40B4-BE49-F238E27FC236}">
-                <a16:creationId xmlns:a16="http://schemas.microsoft.com/office/drawing/2014/main" id="{D50EC97B-D88C-48C1-968B-F1A25F3FBAA2}"/>
+                <a16:creationId xmlns:a16="http://schemas.microsoft.com/office/drawing/2014/main" id="{F7456888-F990-46BA-A479-62FB0DDE2B9B}"/>
               </a:ext>
             </a:extLst>
           </p:cNvPr>
@@ -2315,7 +2683,7 @@
           <a:bodyPr/>
           <a:lstStyle/>
           <a:p>
-            <a:fld id="{B2DFBBB8-428B-4EB2-ADC8-3BD2339AF25D}" type="slidenum">
+            <a:fld id="{A7AC3516-8C24-49AA-86FA-AE97094E310F}" type="slidenum">
               <a:rPr lang="en-US" smtClean="0"/>
               <a:t>‹#›</a:t>
             </a:fld>
@@ -2326,7 +2694,7 @@
     </p:spTree>
     <p:extLst>
       <p:ext uri="{BB962C8B-B14F-4D97-AF65-F5344CB8AC3E}">
-        <p14:creationId xmlns:p14="http://schemas.microsoft.com/office/powerpoint/2010/main" val="3326652565"/>
+        <p14:creationId xmlns:p14="http://schemas.microsoft.com/office/powerpoint/2010/main" val="4163263702"/>
       </p:ext>
     </p:extLst>
   </p:cSld>
@@ -2336,7 +2704,7 @@
 </p:sldLayout>
 </file>
 
-<file path=ppt/slideLayouts/slideLayout6.xml><?xml version="1.0" encoding="utf-8"?>
+<file path=ppt/slideLayouts/slideLayout17.xml><?xml version="1.0" encoding="utf-8"?>
 <p:sldLayout xmlns:a="http://schemas.openxmlformats.org/drawingml/2006/main" xmlns:r="http://schemas.openxmlformats.org/officeDocument/2006/relationships" xmlns:p="http://schemas.openxmlformats.org/presentationml/2006/main" type="titleOnly" preserve="1">
   <p:cSld name="Title Only">
     <p:spTree>
@@ -2358,7 +2726,7 @@
           <p:cNvPr id="2" name="Title 1">
             <a:extLst>
               <a:ext uri="{FF2B5EF4-FFF2-40B4-BE49-F238E27FC236}">
-                <a16:creationId xmlns:a16="http://schemas.microsoft.com/office/drawing/2014/main" id="{34D9BECE-D295-4001-B117-5B9211600FA8}"/>
+                <a16:creationId xmlns:a16="http://schemas.microsoft.com/office/drawing/2014/main" id="{72CC1F87-79DE-4A55-B43F-6A426D868BA8}"/>
               </a:ext>
             </a:extLst>
           </p:cNvPr>
@@ -2386,7 +2754,7 @@
           <p:cNvPr id="3" name="Date Placeholder 2">
             <a:extLst>
               <a:ext uri="{FF2B5EF4-FFF2-40B4-BE49-F238E27FC236}">
-                <a16:creationId xmlns:a16="http://schemas.microsoft.com/office/drawing/2014/main" id="{B842977E-A693-4920-960C-7976ED981000}"/>
+                <a16:creationId xmlns:a16="http://schemas.microsoft.com/office/drawing/2014/main" id="{CEB3E208-F735-401C-A03B-A5D0E91371CA}"/>
               </a:ext>
             </a:extLst>
           </p:cNvPr>
@@ -2402,9 +2770,9 @@
           <a:bodyPr/>
           <a:lstStyle/>
           <a:p>
-            <a:fld id="{B0A27DF5-E343-4B6B-B315-5C0477F75847}" type="datetimeFigureOut">
+            <a:fld id="{CD39F277-2D76-4210-936C-9061A1433E18}" type="datetime1">
               <a:rPr lang="en-US" smtClean="0"/>
-              <a:t>8/21/2018</a:t>
+              <a:t>8/22/2018</a:t>
             </a:fld>
             <a:endParaRPr lang="en-US"/>
           </a:p>
@@ -2415,7 +2783,7 @@
           <p:cNvPr id="4" name="Footer Placeholder 3">
             <a:extLst>
               <a:ext uri="{FF2B5EF4-FFF2-40B4-BE49-F238E27FC236}">
-                <a16:creationId xmlns:a16="http://schemas.microsoft.com/office/drawing/2014/main" id="{23EA0B63-96A3-40CD-B77F-37CDE416CA07}"/>
+                <a16:creationId xmlns:a16="http://schemas.microsoft.com/office/drawing/2014/main" id="{32DE76A9-C7F7-43FA-96DF-CE2B4263C3CA}"/>
               </a:ext>
             </a:extLst>
           </p:cNvPr>
@@ -2440,7 +2808,7 @@
           <p:cNvPr id="5" name="Slide Number Placeholder 4">
             <a:extLst>
               <a:ext uri="{FF2B5EF4-FFF2-40B4-BE49-F238E27FC236}">
-                <a16:creationId xmlns:a16="http://schemas.microsoft.com/office/drawing/2014/main" id="{F17CEC2C-3777-4CF4-82D2-92197474077B}"/>
+                <a16:creationId xmlns:a16="http://schemas.microsoft.com/office/drawing/2014/main" id="{86C54A95-EACF-412C-B59A-0429B761E758}"/>
               </a:ext>
             </a:extLst>
           </p:cNvPr>
@@ -2456,7 +2824,7 @@
           <a:bodyPr/>
           <a:lstStyle/>
           <a:p>
-            <a:fld id="{B2DFBBB8-428B-4EB2-ADC8-3BD2339AF25D}" type="slidenum">
+            <a:fld id="{A7AC3516-8C24-49AA-86FA-AE97094E310F}" type="slidenum">
               <a:rPr lang="en-US" smtClean="0"/>
               <a:t>‹#›</a:t>
             </a:fld>
@@ -2467,7 +2835,7 @@
     </p:spTree>
     <p:extLst>
       <p:ext uri="{BB962C8B-B14F-4D97-AF65-F5344CB8AC3E}">
-        <p14:creationId xmlns:p14="http://schemas.microsoft.com/office/powerpoint/2010/main" val="4163649019"/>
+        <p14:creationId xmlns:p14="http://schemas.microsoft.com/office/powerpoint/2010/main" val="1545611247"/>
       </p:ext>
     </p:extLst>
   </p:cSld>
@@ -2477,7 +2845,7 @@
 </p:sldLayout>
 </file>
 
-<file path=ppt/slideLayouts/slideLayout7.xml><?xml version="1.0" encoding="utf-8"?>
+<file path=ppt/slideLayouts/slideLayout18.xml><?xml version="1.0" encoding="utf-8"?>
 <p:sldLayout xmlns:a="http://schemas.openxmlformats.org/drawingml/2006/main" xmlns:r="http://schemas.openxmlformats.org/officeDocument/2006/relationships" xmlns:p="http://schemas.openxmlformats.org/presentationml/2006/main" type="blank" preserve="1">
   <p:cSld name="Blank">
     <p:spTree>
@@ -2499,7 +2867,7 @@
           <p:cNvPr id="2" name="Date Placeholder 1">
             <a:extLst>
               <a:ext uri="{FF2B5EF4-FFF2-40B4-BE49-F238E27FC236}">
-                <a16:creationId xmlns:a16="http://schemas.microsoft.com/office/drawing/2014/main" id="{CBC2D9A1-EE28-4D24-92A6-CB2A21401BF2}"/>
+                <a16:creationId xmlns:a16="http://schemas.microsoft.com/office/drawing/2014/main" id="{59A9046E-687D-4E7E-AE8A-4D7299314BF6}"/>
               </a:ext>
             </a:extLst>
           </p:cNvPr>
@@ -2515,9 +2883,9 @@
           <a:bodyPr/>
           <a:lstStyle/>
           <a:p>
-            <a:fld id="{B0A27DF5-E343-4B6B-B315-5C0477F75847}" type="datetimeFigureOut">
+            <a:fld id="{0CD7D084-8572-4317-8B68-9E7F229B636C}" type="datetime1">
               <a:rPr lang="en-US" smtClean="0"/>
-              <a:t>8/21/2018</a:t>
+              <a:t>8/22/2018</a:t>
             </a:fld>
             <a:endParaRPr lang="en-US"/>
           </a:p>
@@ -2528,7 +2896,7 @@
           <p:cNvPr id="3" name="Footer Placeholder 2">
             <a:extLst>
               <a:ext uri="{FF2B5EF4-FFF2-40B4-BE49-F238E27FC236}">
-                <a16:creationId xmlns:a16="http://schemas.microsoft.com/office/drawing/2014/main" id="{7757DFD0-EF4A-4165-BC1D-2293F9A7B349}"/>
+                <a16:creationId xmlns:a16="http://schemas.microsoft.com/office/drawing/2014/main" id="{3EFE68BF-7507-473E-8294-3AAE794FE0F7}"/>
               </a:ext>
             </a:extLst>
           </p:cNvPr>
@@ -2553,7 +2921,7 @@
           <p:cNvPr id="4" name="Slide Number Placeholder 3">
             <a:extLst>
               <a:ext uri="{FF2B5EF4-FFF2-40B4-BE49-F238E27FC236}">
-                <a16:creationId xmlns:a16="http://schemas.microsoft.com/office/drawing/2014/main" id="{53263EA8-AE7F-4E21-9D05-5AB608962AF5}"/>
+                <a16:creationId xmlns:a16="http://schemas.microsoft.com/office/drawing/2014/main" id="{6CCB0B81-420E-463D-8077-43FC841E35AA}"/>
               </a:ext>
             </a:extLst>
           </p:cNvPr>
@@ -2569,7 +2937,7 @@
           <a:bodyPr/>
           <a:lstStyle/>
           <a:p>
-            <a:fld id="{B2DFBBB8-428B-4EB2-ADC8-3BD2339AF25D}" type="slidenum">
+            <a:fld id="{A7AC3516-8C24-49AA-86FA-AE97094E310F}" type="slidenum">
               <a:rPr lang="en-US" smtClean="0"/>
               <a:t>‹#›</a:t>
             </a:fld>
@@ -2580,7 +2948,7 @@
     </p:spTree>
     <p:extLst>
       <p:ext uri="{BB962C8B-B14F-4D97-AF65-F5344CB8AC3E}">
-        <p14:creationId xmlns:p14="http://schemas.microsoft.com/office/powerpoint/2010/main" val="2514180439"/>
+        <p14:creationId xmlns:p14="http://schemas.microsoft.com/office/powerpoint/2010/main" val="1780311511"/>
       </p:ext>
     </p:extLst>
   </p:cSld>
@@ -2590,7 +2958,7 @@
 </p:sldLayout>
 </file>
 
-<file path=ppt/slideLayouts/slideLayout8.xml><?xml version="1.0" encoding="utf-8"?>
+<file path=ppt/slideLayouts/slideLayout19.xml><?xml version="1.0" encoding="utf-8"?>
 <p:sldLayout xmlns:a="http://schemas.openxmlformats.org/drawingml/2006/main" xmlns:r="http://schemas.openxmlformats.org/officeDocument/2006/relationships" xmlns:p="http://schemas.openxmlformats.org/presentationml/2006/main" type="objTx" preserve="1">
   <p:cSld name="Content with Caption">
     <p:spTree>
@@ -2612,7 +2980,7 @@
           <p:cNvPr id="2" name="Title 1">
             <a:extLst>
               <a:ext uri="{FF2B5EF4-FFF2-40B4-BE49-F238E27FC236}">
-                <a16:creationId xmlns:a16="http://schemas.microsoft.com/office/drawing/2014/main" id="{B6FA3BBF-5F38-41A7-9FD7-B9200A6EB426}"/>
+                <a16:creationId xmlns:a16="http://schemas.microsoft.com/office/drawing/2014/main" id="{B112B2E2-773B-40A6-8E80-0AB1F4684420}"/>
               </a:ext>
             </a:extLst>
           </p:cNvPr>
@@ -2649,7 +3017,7 @@
           <p:cNvPr id="3" name="Content Placeholder 2">
             <a:extLst>
               <a:ext uri="{FF2B5EF4-FFF2-40B4-BE49-F238E27FC236}">
-                <a16:creationId xmlns:a16="http://schemas.microsoft.com/office/drawing/2014/main" id="{1F43E6BB-7AC4-4482-99CC-B4871EDB82B9}"/>
+                <a16:creationId xmlns:a16="http://schemas.microsoft.com/office/drawing/2014/main" id="{81D6FB15-EAA8-421B-A1E8-B331EC8905C2}"/>
               </a:ext>
             </a:extLst>
           </p:cNvPr>
@@ -2739,7 +3107,7 @@
           <p:cNvPr id="4" name="Text Placeholder 3">
             <a:extLst>
               <a:ext uri="{FF2B5EF4-FFF2-40B4-BE49-F238E27FC236}">
-                <a16:creationId xmlns:a16="http://schemas.microsoft.com/office/drawing/2014/main" id="{E301E655-D20F-49F7-898E-8A999586D77F}"/>
+                <a16:creationId xmlns:a16="http://schemas.microsoft.com/office/drawing/2014/main" id="{26F0535D-ACA3-44F9-AB29-2A07FC20CF0B}"/>
               </a:ext>
             </a:extLst>
           </p:cNvPr>
@@ -2810,7 +3178,7 @@
           <p:cNvPr id="5" name="Date Placeholder 4">
             <a:extLst>
               <a:ext uri="{FF2B5EF4-FFF2-40B4-BE49-F238E27FC236}">
-                <a16:creationId xmlns:a16="http://schemas.microsoft.com/office/drawing/2014/main" id="{20F54907-19A7-4DB2-A688-3A58CE284E72}"/>
+                <a16:creationId xmlns:a16="http://schemas.microsoft.com/office/drawing/2014/main" id="{19AADDA3-180D-453B-9904-C3EFE2944FBE}"/>
               </a:ext>
             </a:extLst>
           </p:cNvPr>
@@ -2826,9 +3194,9 @@
           <a:bodyPr/>
           <a:lstStyle/>
           <a:p>
-            <a:fld id="{B0A27DF5-E343-4B6B-B315-5C0477F75847}" type="datetimeFigureOut">
+            <a:fld id="{79D3351D-6A7D-425F-A81F-66DDD302E69D}" type="datetime1">
               <a:rPr lang="en-US" smtClean="0"/>
-              <a:t>8/21/2018</a:t>
+              <a:t>8/22/2018</a:t>
             </a:fld>
             <a:endParaRPr lang="en-US"/>
           </a:p>
@@ -2839,7 +3207,7 @@
           <p:cNvPr id="6" name="Footer Placeholder 5">
             <a:extLst>
               <a:ext uri="{FF2B5EF4-FFF2-40B4-BE49-F238E27FC236}">
-                <a16:creationId xmlns:a16="http://schemas.microsoft.com/office/drawing/2014/main" id="{362007CA-1B85-4F17-8141-D38EBAA32FAB}"/>
+                <a16:creationId xmlns:a16="http://schemas.microsoft.com/office/drawing/2014/main" id="{78BA2BF3-D0A3-4CEF-B812-8F9DCED078BB}"/>
               </a:ext>
             </a:extLst>
           </p:cNvPr>
@@ -2864,7 +3232,7 @@
           <p:cNvPr id="7" name="Slide Number Placeholder 6">
             <a:extLst>
               <a:ext uri="{FF2B5EF4-FFF2-40B4-BE49-F238E27FC236}">
-                <a16:creationId xmlns:a16="http://schemas.microsoft.com/office/drawing/2014/main" id="{115613CD-00DB-4602-AFA7-5D86A7F2CA03}"/>
+                <a16:creationId xmlns:a16="http://schemas.microsoft.com/office/drawing/2014/main" id="{BDA4BD1F-A30F-46EE-80CB-8CBD924C7985}"/>
               </a:ext>
             </a:extLst>
           </p:cNvPr>
@@ -2880,7 +3248,7 @@
           <a:bodyPr/>
           <a:lstStyle/>
           <a:p>
-            <a:fld id="{B2DFBBB8-428B-4EB2-ADC8-3BD2339AF25D}" type="slidenum">
+            <a:fld id="{A7AC3516-8C24-49AA-86FA-AE97094E310F}" type="slidenum">
               <a:rPr lang="en-US" smtClean="0"/>
               <a:t>‹#›</a:t>
             </a:fld>
@@ -2891,7 +3259,7 @@
     </p:spTree>
     <p:extLst>
       <p:ext uri="{BB962C8B-B14F-4D97-AF65-F5344CB8AC3E}">
-        <p14:creationId xmlns:p14="http://schemas.microsoft.com/office/powerpoint/2010/main" val="1039559793"/>
+        <p14:creationId xmlns:p14="http://schemas.microsoft.com/office/powerpoint/2010/main" val="760753658"/>
       </p:ext>
     </p:extLst>
   </p:cSld>
@@ -2901,7 +3269,205 @@
 </p:sldLayout>
 </file>
 
-<file path=ppt/slideLayouts/slideLayout9.xml><?xml version="1.0" encoding="utf-8"?>
+<file path=ppt/slideLayouts/slideLayout2.xml><?xml version="1.0" encoding="utf-8"?>
+<p:sldLayout xmlns:a="http://schemas.openxmlformats.org/drawingml/2006/main" xmlns:r="http://schemas.openxmlformats.org/officeDocument/2006/relationships" xmlns:p="http://schemas.openxmlformats.org/presentationml/2006/main" type="obj" preserve="1">
+  <p:cSld name="Title and Content">
+    <p:spTree>
+      <p:nvGrpSpPr>
+        <p:cNvPr id="1" name=""/>
+        <p:cNvGrpSpPr/>
+        <p:nvPr/>
+      </p:nvGrpSpPr>
+      <p:grpSpPr>
+        <a:xfrm>
+          <a:off x="0" y="0"/>
+          <a:ext cx="0" cy="0"/>
+          <a:chOff x="0" y="0"/>
+          <a:chExt cx="0" cy="0"/>
+        </a:xfrm>
+      </p:grpSpPr>
+      <p:sp>
+        <p:nvSpPr>
+          <p:cNvPr id="2" name="Title 1">
+            <a:extLst>
+              <a:ext uri="{FF2B5EF4-FFF2-40B4-BE49-F238E27FC236}">
+                <a16:creationId xmlns:a16="http://schemas.microsoft.com/office/drawing/2014/main" id="{82EA8E33-5A99-45F0-9D13-C5DB6F34DDD1}"/>
+              </a:ext>
+            </a:extLst>
+          </p:cNvPr>
+          <p:cNvSpPr>
+            <a:spLocks noGrp="1"/>
+          </p:cNvSpPr>
+          <p:nvPr>
+            <p:ph type="title"/>
+          </p:nvPr>
+        </p:nvSpPr>
+        <p:spPr/>
+        <p:txBody>
+          <a:bodyPr/>
+          <a:lstStyle/>
+          <a:p>
+            <a:r>
+              <a:rPr lang="en-US"/>
+              <a:t>Click to edit Master title style</a:t>
+            </a:r>
+          </a:p>
+        </p:txBody>
+      </p:sp>
+      <p:sp>
+        <p:nvSpPr>
+          <p:cNvPr id="3" name="Content Placeholder 2">
+            <a:extLst>
+              <a:ext uri="{FF2B5EF4-FFF2-40B4-BE49-F238E27FC236}">
+                <a16:creationId xmlns:a16="http://schemas.microsoft.com/office/drawing/2014/main" id="{03D58C19-0428-4FC3-A3B8-2A622D312C0C}"/>
+              </a:ext>
+            </a:extLst>
+          </p:cNvPr>
+          <p:cNvSpPr>
+            <a:spLocks noGrp="1"/>
+          </p:cNvSpPr>
+          <p:nvPr>
+            <p:ph idx="1"/>
+          </p:nvPr>
+        </p:nvSpPr>
+        <p:spPr/>
+        <p:txBody>
+          <a:bodyPr/>
+          <a:lstStyle/>
+          <a:p>
+            <a:pPr lvl="0"/>
+            <a:r>
+              <a:rPr lang="en-US"/>
+              <a:t>Edit Master text styles</a:t>
+            </a:r>
+          </a:p>
+          <a:p>
+            <a:pPr lvl="1"/>
+            <a:r>
+              <a:rPr lang="en-US"/>
+              <a:t>Second level</a:t>
+            </a:r>
+          </a:p>
+          <a:p>
+            <a:pPr lvl="2"/>
+            <a:r>
+              <a:rPr lang="en-US"/>
+              <a:t>Third level</a:t>
+            </a:r>
+          </a:p>
+          <a:p>
+            <a:pPr lvl="3"/>
+            <a:r>
+              <a:rPr lang="en-US"/>
+              <a:t>Fourth level</a:t>
+            </a:r>
+          </a:p>
+          <a:p>
+            <a:pPr lvl="4"/>
+            <a:r>
+              <a:rPr lang="en-US"/>
+              <a:t>Fifth level</a:t>
+            </a:r>
+          </a:p>
+        </p:txBody>
+      </p:sp>
+      <p:sp>
+        <p:nvSpPr>
+          <p:cNvPr id="4" name="Date Placeholder 3">
+            <a:extLst>
+              <a:ext uri="{FF2B5EF4-FFF2-40B4-BE49-F238E27FC236}">
+                <a16:creationId xmlns:a16="http://schemas.microsoft.com/office/drawing/2014/main" id="{EEFD12FD-30E2-4D6C-97CC-19DA36830F09}"/>
+              </a:ext>
+            </a:extLst>
+          </p:cNvPr>
+          <p:cNvSpPr>
+            <a:spLocks noGrp="1"/>
+          </p:cNvSpPr>
+          <p:nvPr>
+            <p:ph type="dt" sz="half" idx="10"/>
+          </p:nvPr>
+        </p:nvSpPr>
+        <p:spPr/>
+        <p:txBody>
+          <a:bodyPr/>
+          <a:lstStyle/>
+          <a:p>
+            <a:fld id="{B0A27DF5-E343-4B6B-B315-5C0477F75847}" type="datetimeFigureOut">
+              <a:rPr lang="en-US" smtClean="0"/>
+              <a:t>8/22/2018</a:t>
+            </a:fld>
+            <a:endParaRPr lang="en-US"/>
+          </a:p>
+        </p:txBody>
+      </p:sp>
+      <p:sp>
+        <p:nvSpPr>
+          <p:cNvPr id="5" name="Footer Placeholder 4">
+            <a:extLst>
+              <a:ext uri="{FF2B5EF4-FFF2-40B4-BE49-F238E27FC236}">
+                <a16:creationId xmlns:a16="http://schemas.microsoft.com/office/drawing/2014/main" id="{89C4A4E9-1A4F-4559-9EDC-B303F49C855B}"/>
+              </a:ext>
+            </a:extLst>
+          </p:cNvPr>
+          <p:cNvSpPr>
+            <a:spLocks noGrp="1"/>
+          </p:cNvSpPr>
+          <p:nvPr>
+            <p:ph type="ftr" sz="quarter" idx="11"/>
+          </p:nvPr>
+        </p:nvSpPr>
+        <p:spPr/>
+        <p:txBody>
+          <a:bodyPr/>
+          <a:lstStyle/>
+          <a:p>
+            <a:endParaRPr lang="en-US"/>
+          </a:p>
+        </p:txBody>
+      </p:sp>
+      <p:sp>
+        <p:nvSpPr>
+          <p:cNvPr id="6" name="Slide Number Placeholder 5">
+            <a:extLst>
+              <a:ext uri="{FF2B5EF4-FFF2-40B4-BE49-F238E27FC236}">
+                <a16:creationId xmlns:a16="http://schemas.microsoft.com/office/drawing/2014/main" id="{684C1A39-B9A3-41C0-8264-579E96E026FC}"/>
+              </a:ext>
+            </a:extLst>
+          </p:cNvPr>
+          <p:cNvSpPr>
+            <a:spLocks noGrp="1"/>
+          </p:cNvSpPr>
+          <p:nvPr>
+            <p:ph type="sldNum" sz="quarter" idx="12"/>
+          </p:nvPr>
+        </p:nvSpPr>
+        <p:spPr/>
+        <p:txBody>
+          <a:bodyPr/>
+          <a:lstStyle/>
+          <a:p>
+            <a:fld id="{B2DFBBB8-428B-4EB2-ADC8-3BD2339AF25D}" type="slidenum">
+              <a:rPr lang="en-US" smtClean="0"/>
+              <a:t>‹#›</a:t>
+            </a:fld>
+            <a:endParaRPr lang="en-US"/>
+          </a:p>
+        </p:txBody>
+      </p:sp>
+    </p:spTree>
+    <p:extLst>
+      <p:ext uri="{BB962C8B-B14F-4D97-AF65-F5344CB8AC3E}">
+        <p14:creationId xmlns:p14="http://schemas.microsoft.com/office/powerpoint/2010/main" val="3556004489"/>
+      </p:ext>
+    </p:extLst>
+  </p:cSld>
+  <p:clrMapOvr>
+    <a:masterClrMapping/>
+  </p:clrMapOvr>
+</p:sldLayout>
+</file>
+
+<file path=ppt/slideLayouts/slideLayout20.xml><?xml version="1.0" encoding="utf-8"?>
 <p:sldLayout xmlns:a="http://schemas.openxmlformats.org/drawingml/2006/main" xmlns:r="http://schemas.openxmlformats.org/officeDocument/2006/relationships" xmlns:p="http://schemas.openxmlformats.org/presentationml/2006/main" type="picTx" preserve="1">
   <p:cSld name="Picture with Caption">
     <p:spTree>
@@ -2923,7 +3489,7 @@
           <p:cNvPr id="2" name="Title 1">
             <a:extLst>
               <a:ext uri="{FF2B5EF4-FFF2-40B4-BE49-F238E27FC236}">
-                <a16:creationId xmlns:a16="http://schemas.microsoft.com/office/drawing/2014/main" id="{218B1806-B760-4B2F-B136-9A00271D7BB1}"/>
+                <a16:creationId xmlns:a16="http://schemas.microsoft.com/office/drawing/2014/main" id="{473C0836-C304-4398-9524-71760FA1FFBE}"/>
               </a:ext>
             </a:extLst>
           </p:cNvPr>
@@ -2960,7 +3526,7 @@
           <p:cNvPr id="3" name="Picture Placeholder 2">
             <a:extLst>
               <a:ext uri="{FF2B5EF4-FFF2-40B4-BE49-F238E27FC236}">
-                <a16:creationId xmlns:a16="http://schemas.microsoft.com/office/drawing/2014/main" id="{552BD2B5-A33D-4870-A1B9-2254B0508B93}"/>
+                <a16:creationId xmlns:a16="http://schemas.microsoft.com/office/drawing/2014/main" id="{3AC42418-463B-4AE9-A38C-97FF15726E7D}"/>
               </a:ext>
             </a:extLst>
           </p:cNvPr>
@@ -3027,7 +3593,7 @@
           <p:cNvPr id="4" name="Text Placeholder 3">
             <a:extLst>
               <a:ext uri="{FF2B5EF4-FFF2-40B4-BE49-F238E27FC236}">
-                <a16:creationId xmlns:a16="http://schemas.microsoft.com/office/drawing/2014/main" id="{404B1F73-E7E7-4B89-B13C-5678B6B0439B}"/>
+                <a16:creationId xmlns:a16="http://schemas.microsoft.com/office/drawing/2014/main" id="{38776258-3B70-4222-AB34-C24EED414CCB}"/>
               </a:ext>
             </a:extLst>
           </p:cNvPr>
@@ -3098,7 +3664,7 @@
           <p:cNvPr id="5" name="Date Placeholder 4">
             <a:extLst>
               <a:ext uri="{FF2B5EF4-FFF2-40B4-BE49-F238E27FC236}">
-                <a16:creationId xmlns:a16="http://schemas.microsoft.com/office/drawing/2014/main" id="{5CDF9D5D-597A-47E8-BA65-5292A720FACB}"/>
+                <a16:creationId xmlns:a16="http://schemas.microsoft.com/office/drawing/2014/main" id="{76DBBB17-1EA0-4262-B0A7-E8770BB13324}"/>
               </a:ext>
             </a:extLst>
           </p:cNvPr>
@@ -3114,9 +3680,2220 @@
           <a:bodyPr/>
           <a:lstStyle/>
           <a:p>
+            <a:fld id="{EFF9ED29-39B6-465F-A93F-190A7FF56E18}" type="datetime1">
+              <a:rPr lang="en-US" smtClean="0"/>
+              <a:t>8/22/2018</a:t>
+            </a:fld>
+            <a:endParaRPr lang="en-US"/>
+          </a:p>
+        </p:txBody>
+      </p:sp>
+      <p:sp>
+        <p:nvSpPr>
+          <p:cNvPr id="6" name="Footer Placeholder 5">
+            <a:extLst>
+              <a:ext uri="{FF2B5EF4-FFF2-40B4-BE49-F238E27FC236}">
+                <a16:creationId xmlns:a16="http://schemas.microsoft.com/office/drawing/2014/main" id="{D03AE69F-C70C-4A5A-9CFB-17344F239BE1}"/>
+              </a:ext>
+            </a:extLst>
+          </p:cNvPr>
+          <p:cNvSpPr>
+            <a:spLocks noGrp="1"/>
+          </p:cNvSpPr>
+          <p:nvPr>
+            <p:ph type="ftr" sz="quarter" idx="11"/>
+          </p:nvPr>
+        </p:nvSpPr>
+        <p:spPr/>
+        <p:txBody>
+          <a:bodyPr/>
+          <a:lstStyle/>
+          <a:p>
+            <a:endParaRPr lang="en-US"/>
+          </a:p>
+        </p:txBody>
+      </p:sp>
+      <p:sp>
+        <p:nvSpPr>
+          <p:cNvPr id="7" name="Slide Number Placeholder 6">
+            <a:extLst>
+              <a:ext uri="{FF2B5EF4-FFF2-40B4-BE49-F238E27FC236}">
+                <a16:creationId xmlns:a16="http://schemas.microsoft.com/office/drawing/2014/main" id="{1C2CECC2-EDFD-4877-93CB-36C2E06FABC2}"/>
+              </a:ext>
+            </a:extLst>
+          </p:cNvPr>
+          <p:cNvSpPr>
+            <a:spLocks noGrp="1"/>
+          </p:cNvSpPr>
+          <p:nvPr>
+            <p:ph type="sldNum" sz="quarter" idx="12"/>
+          </p:nvPr>
+        </p:nvSpPr>
+        <p:spPr/>
+        <p:txBody>
+          <a:bodyPr/>
+          <a:lstStyle/>
+          <a:p>
+            <a:fld id="{A7AC3516-8C24-49AA-86FA-AE97094E310F}" type="slidenum">
+              <a:rPr lang="en-US" smtClean="0"/>
+              <a:t>‹#›</a:t>
+            </a:fld>
+            <a:endParaRPr lang="en-US"/>
+          </a:p>
+        </p:txBody>
+      </p:sp>
+    </p:spTree>
+    <p:extLst>
+      <p:ext uri="{BB962C8B-B14F-4D97-AF65-F5344CB8AC3E}">
+        <p14:creationId xmlns:p14="http://schemas.microsoft.com/office/powerpoint/2010/main" val="861793037"/>
+      </p:ext>
+    </p:extLst>
+  </p:cSld>
+  <p:clrMapOvr>
+    <a:masterClrMapping/>
+  </p:clrMapOvr>
+</p:sldLayout>
+</file>
+
+<file path=ppt/slideLayouts/slideLayout21.xml><?xml version="1.0" encoding="utf-8"?>
+<p:sldLayout xmlns:a="http://schemas.openxmlformats.org/drawingml/2006/main" xmlns:r="http://schemas.openxmlformats.org/officeDocument/2006/relationships" xmlns:p="http://schemas.openxmlformats.org/presentationml/2006/main" type="vertTx" preserve="1">
+  <p:cSld name="Title and Vertical Text">
+    <p:spTree>
+      <p:nvGrpSpPr>
+        <p:cNvPr id="1" name=""/>
+        <p:cNvGrpSpPr/>
+        <p:nvPr/>
+      </p:nvGrpSpPr>
+      <p:grpSpPr>
+        <a:xfrm>
+          <a:off x="0" y="0"/>
+          <a:ext cx="0" cy="0"/>
+          <a:chOff x="0" y="0"/>
+          <a:chExt cx="0" cy="0"/>
+        </a:xfrm>
+      </p:grpSpPr>
+      <p:sp>
+        <p:nvSpPr>
+          <p:cNvPr id="2" name="Title 1">
+            <a:extLst>
+              <a:ext uri="{FF2B5EF4-FFF2-40B4-BE49-F238E27FC236}">
+                <a16:creationId xmlns:a16="http://schemas.microsoft.com/office/drawing/2014/main" id="{0AA38741-2FDA-4A2E-BAAD-11CCD2853265}"/>
+              </a:ext>
+            </a:extLst>
+          </p:cNvPr>
+          <p:cNvSpPr>
+            <a:spLocks noGrp="1"/>
+          </p:cNvSpPr>
+          <p:nvPr>
+            <p:ph type="title"/>
+          </p:nvPr>
+        </p:nvSpPr>
+        <p:spPr/>
+        <p:txBody>
+          <a:bodyPr/>
+          <a:lstStyle/>
+          <a:p>
+            <a:r>
+              <a:rPr lang="en-US"/>
+              <a:t>Click to edit Master title style</a:t>
+            </a:r>
+          </a:p>
+        </p:txBody>
+      </p:sp>
+      <p:sp>
+        <p:nvSpPr>
+          <p:cNvPr id="3" name="Vertical Text Placeholder 2">
+            <a:extLst>
+              <a:ext uri="{FF2B5EF4-FFF2-40B4-BE49-F238E27FC236}">
+                <a16:creationId xmlns:a16="http://schemas.microsoft.com/office/drawing/2014/main" id="{919074AF-861A-4C68-8A1C-2B64DC5D0F33}"/>
+              </a:ext>
+            </a:extLst>
+          </p:cNvPr>
+          <p:cNvSpPr>
+            <a:spLocks noGrp="1"/>
+          </p:cNvSpPr>
+          <p:nvPr>
+            <p:ph type="body" orient="vert" idx="1"/>
+          </p:nvPr>
+        </p:nvSpPr>
+        <p:spPr/>
+        <p:txBody>
+          <a:bodyPr vert="eaVert"/>
+          <a:lstStyle/>
+          <a:p>
+            <a:pPr lvl="0"/>
+            <a:r>
+              <a:rPr lang="en-US"/>
+              <a:t>Edit Master text styles</a:t>
+            </a:r>
+          </a:p>
+          <a:p>
+            <a:pPr lvl="1"/>
+            <a:r>
+              <a:rPr lang="en-US"/>
+              <a:t>Second level</a:t>
+            </a:r>
+          </a:p>
+          <a:p>
+            <a:pPr lvl="2"/>
+            <a:r>
+              <a:rPr lang="en-US"/>
+              <a:t>Third level</a:t>
+            </a:r>
+          </a:p>
+          <a:p>
+            <a:pPr lvl="3"/>
+            <a:r>
+              <a:rPr lang="en-US"/>
+              <a:t>Fourth level</a:t>
+            </a:r>
+          </a:p>
+          <a:p>
+            <a:pPr lvl="4"/>
+            <a:r>
+              <a:rPr lang="en-US"/>
+              <a:t>Fifth level</a:t>
+            </a:r>
+          </a:p>
+        </p:txBody>
+      </p:sp>
+      <p:sp>
+        <p:nvSpPr>
+          <p:cNvPr id="4" name="Date Placeholder 3">
+            <a:extLst>
+              <a:ext uri="{FF2B5EF4-FFF2-40B4-BE49-F238E27FC236}">
+                <a16:creationId xmlns:a16="http://schemas.microsoft.com/office/drawing/2014/main" id="{99522E69-0DD2-4840-92C7-70111276756F}"/>
+              </a:ext>
+            </a:extLst>
+          </p:cNvPr>
+          <p:cNvSpPr>
+            <a:spLocks noGrp="1"/>
+          </p:cNvSpPr>
+          <p:nvPr>
+            <p:ph type="dt" sz="half" idx="10"/>
+          </p:nvPr>
+        </p:nvSpPr>
+        <p:spPr/>
+        <p:txBody>
+          <a:bodyPr/>
+          <a:lstStyle/>
+          <a:p>
+            <a:fld id="{CFE310B6-C7D4-4487-8CB2-75BA2E9A9E2C}" type="datetime1">
+              <a:rPr lang="en-US" smtClean="0"/>
+              <a:t>8/22/2018</a:t>
+            </a:fld>
+            <a:endParaRPr lang="en-US"/>
+          </a:p>
+        </p:txBody>
+      </p:sp>
+      <p:sp>
+        <p:nvSpPr>
+          <p:cNvPr id="5" name="Footer Placeholder 4">
+            <a:extLst>
+              <a:ext uri="{FF2B5EF4-FFF2-40B4-BE49-F238E27FC236}">
+                <a16:creationId xmlns:a16="http://schemas.microsoft.com/office/drawing/2014/main" id="{4F457282-730B-4713-824F-2E2CF773C7C5}"/>
+              </a:ext>
+            </a:extLst>
+          </p:cNvPr>
+          <p:cNvSpPr>
+            <a:spLocks noGrp="1"/>
+          </p:cNvSpPr>
+          <p:nvPr>
+            <p:ph type="ftr" sz="quarter" idx="11"/>
+          </p:nvPr>
+        </p:nvSpPr>
+        <p:spPr/>
+        <p:txBody>
+          <a:bodyPr/>
+          <a:lstStyle/>
+          <a:p>
+            <a:endParaRPr lang="en-US"/>
+          </a:p>
+        </p:txBody>
+      </p:sp>
+      <p:sp>
+        <p:nvSpPr>
+          <p:cNvPr id="6" name="Slide Number Placeholder 5">
+            <a:extLst>
+              <a:ext uri="{FF2B5EF4-FFF2-40B4-BE49-F238E27FC236}">
+                <a16:creationId xmlns:a16="http://schemas.microsoft.com/office/drawing/2014/main" id="{81BA93DA-8CCD-4564-85CC-4BF302C4E3DA}"/>
+              </a:ext>
+            </a:extLst>
+          </p:cNvPr>
+          <p:cNvSpPr>
+            <a:spLocks noGrp="1"/>
+          </p:cNvSpPr>
+          <p:nvPr>
+            <p:ph type="sldNum" sz="quarter" idx="12"/>
+          </p:nvPr>
+        </p:nvSpPr>
+        <p:spPr/>
+        <p:txBody>
+          <a:bodyPr/>
+          <a:lstStyle/>
+          <a:p>
+            <a:fld id="{A7AC3516-8C24-49AA-86FA-AE97094E310F}" type="slidenum">
+              <a:rPr lang="en-US" smtClean="0"/>
+              <a:t>‹#›</a:t>
+            </a:fld>
+            <a:endParaRPr lang="en-US"/>
+          </a:p>
+        </p:txBody>
+      </p:sp>
+    </p:spTree>
+    <p:extLst>
+      <p:ext uri="{BB962C8B-B14F-4D97-AF65-F5344CB8AC3E}">
+        <p14:creationId xmlns:p14="http://schemas.microsoft.com/office/powerpoint/2010/main" val="3436550542"/>
+      </p:ext>
+    </p:extLst>
+  </p:cSld>
+  <p:clrMapOvr>
+    <a:masterClrMapping/>
+  </p:clrMapOvr>
+</p:sldLayout>
+</file>
+
+<file path=ppt/slideLayouts/slideLayout22.xml><?xml version="1.0" encoding="utf-8"?>
+<p:sldLayout xmlns:a="http://schemas.openxmlformats.org/drawingml/2006/main" xmlns:r="http://schemas.openxmlformats.org/officeDocument/2006/relationships" xmlns:p="http://schemas.openxmlformats.org/presentationml/2006/main" type="vertTitleAndTx" preserve="1">
+  <p:cSld name="Vertical Title and Text">
+    <p:spTree>
+      <p:nvGrpSpPr>
+        <p:cNvPr id="1" name=""/>
+        <p:cNvGrpSpPr/>
+        <p:nvPr/>
+      </p:nvGrpSpPr>
+      <p:grpSpPr>
+        <a:xfrm>
+          <a:off x="0" y="0"/>
+          <a:ext cx="0" cy="0"/>
+          <a:chOff x="0" y="0"/>
+          <a:chExt cx="0" cy="0"/>
+        </a:xfrm>
+      </p:grpSpPr>
+      <p:sp>
+        <p:nvSpPr>
+          <p:cNvPr id="2" name="Vertical Title 1">
+            <a:extLst>
+              <a:ext uri="{FF2B5EF4-FFF2-40B4-BE49-F238E27FC236}">
+                <a16:creationId xmlns:a16="http://schemas.microsoft.com/office/drawing/2014/main" id="{84F59D0D-F30B-46B1-9C99-30C43BDF05FF}"/>
+              </a:ext>
+            </a:extLst>
+          </p:cNvPr>
+          <p:cNvSpPr>
+            <a:spLocks noGrp="1"/>
+          </p:cNvSpPr>
+          <p:nvPr>
+            <p:ph type="title" orient="vert"/>
+          </p:nvPr>
+        </p:nvSpPr>
+        <p:spPr>
+          <a:xfrm>
+            <a:off x="8724900" y="365125"/>
+            <a:ext cx="2628900" cy="5811838"/>
+          </a:xfrm>
+        </p:spPr>
+        <p:txBody>
+          <a:bodyPr vert="eaVert"/>
+          <a:lstStyle/>
+          <a:p>
+            <a:r>
+              <a:rPr lang="en-US"/>
+              <a:t>Click to edit Master title style</a:t>
+            </a:r>
+          </a:p>
+        </p:txBody>
+      </p:sp>
+      <p:sp>
+        <p:nvSpPr>
+          <p:cNvPr id="3" name="Vertical Text Placeholder 2">
+            <a:extLst>
+              <a:ext uri="{FF2B5EF4-FFF2-40B4-BE49-F238E27FC236}">
+                <a16:creationId xmlns:a16="http://schemas.microsoft.com/office/drawing/2014/main" id="{47B888D1-DB87-466B-9AF5-4E75F3C57DAD}"/>
+              </a:ext>
+            </a:extLst>
+          </p:cNvPr>
+          <p:cNvSpPr>
+            <a:spLocks noGrp="1"/>
+          </p:cNvSpPr>
+          <p:nvPr>
+            <p:ph type="body" orient="vert" idx="1"/>
+          </p:nvPr>
+        </p:nvSpPr>
+        <p:spPr>
+          <a:xfrm>
+            <a:off x="838200" y="365125"/>
+            <a:ext cx="7734300" cy="5811838"/>
+          </a:xfrm>
+        </p:spPr>
+        <p:txBody>
+          <a:bodyPr vert="eaVert"/>
+          <a:lstStyle/>
+          <a:p>
+            <a:pPr lvl="0"/>
+            <a:r>
+              <a:rPr lang="en-US"/>
+              <a:t>Edit Master text styles</a:t>
+            </a:r>
+          </a:p>
+          <a:p>
+            <a:pPr lvl="1"/>
+            <a:r>
+              <a:rPr lang="en-US"/>
+              <a:t>Second level</a:t>
+            </a:r>
+          </a:p>
+          <a:p>
+            <a:pPr lvl="2"/>
+            <a:r>
+              <a:rPr lang="en-US"/>
+              <a:t>Third level</a:t>
+            </a:r>
+          </a:p>
+          <a:p>
+            <a:pPr lvl="3"/>
+            <a:r>
+              <a:rPr lang="en-US"/>
+              <a:t>Fourth level</a:t>
+            </a:r>
+          </a:p>
+          <a:p>
+            <a:pPr lvl="4"/>
+            <a:r>
+              <a:rPr lang="en-US"/>
+              <a:t>Fifth level</a:t>
+            </a:r>
+          </a:p>
+        </p:txBody>
+      </p:sp>
+      <p:sp>
+        <p:nvSpPr>
+          <p:cNvPr id="4" name="Date Placeholder 3">
+            <a:extLst>
+              <a:ext uri="{FF2B5EF4-FFF2-40B4-BE49-F238E27FC236}">
+                <a16:creationId xmlns:a16="http://schemas.microsoft.com/office/drawing/2014/main" id="{1298EFDE-BA39-4C88-AF1D-63DB4E0BAEF7}"/>
+              </a:ext>
+            </a:extLst>
+          </p:cNvPr>
+          <p:cNvSpPr>
+            <a:spLocks noGrp="1"/>
+          </p:cNvSpPr>
+          <p:nvPr>
+            <p:ph type="dt" sz="half" idx="10"/>
+          </p:nvPr>
+        </p:nvSpPr>
+        <p:spPr/>
+        <p:txBody>
+          <a:bodyPr/>
+          <a:lstStyle/>
+          <a:p>
+            <a:fld id="{4F763F9D-B850-47DB-8F4F-972DEBE444D1}" type="datetime1">
+              <a:rPr lang="en-US" smtClean="0"/>
+              <a:t>8/22/2018</a:t>
+            </a:fld>
+            <a:endParaRPr lang="en-US"/>
+          </a:p>
+        </p:txBody>
+      </p:sp>
+      <p:sp>
+        <p:nvSpPr>
+          <p:cNvPr id="5" name="Footer Placeholder 4">
+            <a:extLst>
+              <a:ext uri="{FF2B5EF4-FFF2-40B4-BE49-F238E27FC236}">
+                <a16:creationId xmlns:a16="http://schemas.microsoft.com/office/drawing/2014/main" id="{C5D96363-310C-4618-8BBD-A56DEA10C4F8}"/>
+              </a:ext>
+            </a:extLst>
+          </p:cNvPr>
+          <p:cNvSpPr>
+            <a:spLocks noGrp="1"/>
+          </p:cNvSpPr>
+          <p:nvPr>
+            <p:ph type="ftr" sz="quarter" idx="11"/>
+          </p:nvPr>
+        </p:nvSpPr>
+        <p:spPr/>
+        <p:txBody>
+          <a:bodyPr/>
+          <a:lstStyle/>
+          <a:p>
+            <a:endParaRPr lang="en-US"/>
+          </a:p>
+        </p:txBody>
+      </p:sp>
+      <p:sp>
+        <p:nvSpPr>
+          <p:cNvPr id="6" name="Slide Number Placeholder 5">
+            <a:extLst>
+              <a:ext uri="{FF2B5EF4-FFF2-40B4-BE49-F238E27FC236}">
+                <a16:creationId xmlns:a16="http://schemas.microsoft.com/office/drawing/2014/main" id="{4A8D2B50-692E-4CCB-B472-084D6F4A319A}"/>
+              </a:ext>
+            </a:extLst>
+          </p:cNvPr>
+          <p:cNvSpPr>
+            <a:spLocks noGrp="1"/>
+          </p:cNvSpPr>
+          <p:nvPr>
+            <p:ph type="sldNum" sz="quarter" idx="12"/>
+          </p:nvPr>
+        </p:nvSpPr>
+        <p:spPr/>
+        <p:txBody>
+          <a:bodyPr/>
+          <a:lstStyle/>
+          <a:p>
+            <a:fld id="{A7AC3516-8C24-49AA-86FA-AE97094E310F}" type="slidenum">
+              <a:rPr lang="en-US" smtClean="0"/>
+              <a:t>‹#›</a:t>
+            </a:fld>
+            <a:endParaRPr lang="en-US"/>
+          </a:p>
+        </p:txBody>
+      </p:sp>
+    </p:spTree>
+    <p:extLst>
+      <p:ext uri="{BB962C8B-B14F-4D97-AF65-F5344CB8AC3E}">
+        <p14:creationId xmlns:p14="http://schemas.microsoft.com/office/powerpoint/2010/main" val="1064842760"/>
+      </p:ext>
+    </p:extLst>
+  </p:cSld>
+  <p:clrMapOvr>
+    <a:masterClrMapping/>
+  </p:clrMapOvr>
+</p:sldLayout>
+</file>
+
+<file path=ppt/slideLayouts/slideLayout3.xml><?xml version="1.0" encoding="utf-8"?>
+<p:sldLayout xmlns:a="http://schemas.openxmlformats.org/drawingml/2006/main" xmlns:r="http://schemas.openxmlformats.org/officeDocument/2006/relationships" xmlns:p="http://schemas.openxmlformats.org/presentationml/2006/main" type="secHead" preserve="1">
+  <p:cSld name="Section Header">
+    <p:spTree>
+      <p:nvGrpSpPr>
+        <p:cNvPr id="1" name=""/>
+        <p:cNvGrpSpPr/>
+        <p:nvPr/>
+      </p:nvGrpSpPr>
+      <p:grpSpPr>
+        <a:xfrm>
+          <a:off x="0" y="0"/>
+          <a:ext cx="0" cy="0"/>
+          <a:chOff x="0" y="0"/>
+          <a:chExt cx="0" cy="0"/>
+        </a:xfrm>
+      </p:grpSpPr>
+      <p:sp>
+        <p:nvSpPr>
+          <p:cNvPr id="2" name="Title 1">
+            <a:extLst>
+              <a:ext uri="{FF2B5EF4-FFF2-40B4-BE49-F238E27FC236}">
+                <a16:creationId xmlns:a16="http://schemas.microsoft.com/office/drawing/2014/main" id="{8EEEE4FF-A699-4B64-9731-35F1300C3B93}"/>
+              </a:ext>
+            </a:extLst>
+          </p:cNvPr>
+          <p:cNvSpPr>
+            <a:spLocks noGrp="1"/>
+          </p:cNvSpPr>
+          <p:nvPr>
+            <p:ph type="title"/>
+          </p:nvPr>
+        </p:nvSpPr>
+        <p:spPr>
+          <a:xfrm>
+            <a:off x="831850" y="1709738"/>
+            <a:ext cx="10515600" cy="2852737"/>
+          </a:xfrm>
+        </p:spPr>
+        <p:txBody>
+          <a:bodyPr anchor="b"/>
+          <a:lstStyle>
+            <a:lvl1pPr>
+              <a:defRPr sz="6000"/>
+            </a:lvl1pPr>
+          </a:lstStyle>
+          <a:p>
+            <a:r>
+              <a:rPr lang="en-US"/>
+              <a:t>Click to edit Master title style</a:t>
+            </a:r>
+          </a:p>
+        </p:txBody>
+      </p:sp>
+      <p:sp>
+        <p:nvSpPr>
+          <p:cNvPr id="3" name="Text Placeholder 2">
+            <a:extLst>
+              <a:ext uri="{FF2B5EF4-FFF2-40B4-BE49-F238E27FC236}">
+                <a16:creationId xmlns:a16="http://schemas.microsoft.com/office/drawing/2014/main" id="{1DC1DF76-4397-4E44-89A9-2A0C18CAC1EE}"/>
+              </a:ext>
+            </a:extLst>
+          </p:cNvPr>
+          <p:cNvSpPr>
+            <a:spLocks noGrp="1"/>
+          </p:cNvSpPr>
+          <p:nvPr>
+            <p:ph type="body" idx="1"/>
+          </p:nvPr>
+        </p:nvSpPr>
+        <p:spPr>
+          <a:xfrm>
+            <a:off x="831850" y="4589463"/>
+            <a:ext cx="10515600" cy="1500187"/>
+          </a:xfrm>
+        </p:spPr>
+        <p:txBody>
+          <a:bodyPr/>
+          <a:lstStyle>
+            <a:lvl1pPr marL="0" indent="0">
+              <a:buNone/>
+              <a:defRPr sz="2400">
+                <a:solidFill>
+                  <a:schemeClr val="tx1">
+                    <a:tint val="75000"/>
+                  </a:schemeClr>
+                </a:solidFill>
+              </a:defRPr>
+            </a:lvl1pPr>
+            <a:lvl2pPr marL="457200" indent="0">
+              <a:buNone/>
+              <a:defRPr sz="2000">
+                <a:solidFill>
+                  <a:schemeClr val="tx1">
+                    <a:tint val="75000"/>
+                  </a:schemeClr>
+                </a:solidFill>
+              </a:defRPr>
+            </a:lvl2pPr>
+            <a:lvl3pPr marL="914400" indent="0">
+              <a:buNone/>
+              <a:defRPr sz="1800">
+                <a:solidFill>
+                  <a:schemeClr val="tx1">
+                    <a:tint val="75000"/>
+                  </a:schemeClr>
+                </a:solidFill>
+              </a:defRPr>
+            </a:lvl3pPr>
+            <a:lvl4pPr marL="1371600" indent="0">
+              <a:buNone/>
+              <a:defRPr sz="1600">
+                <a:solidFill>
+                  <a:schemeClr val="tx1">
+                    <a:tint val="75000"/>
+                  </a:schemeClr>
+                </a:solidFill>
+              </a:defRPr>
+            </a:lvl4pPr>
+            <a:lvl5pPr marL="1828800" indent="0">
+              <a:buNone/>
+              <a:defRPr sz="1600">
+                <a:solidFill>
+                  <a:schemeClr val="tx1">
+                    <a:tint val="75000"/>
+                  </a:schemeClr>
+                </a:solidFill>
+              </a:defRPr>
+            </a:lvl5pPr>
+            <a:lvl6pPr marL="2286000" indent="0">
+              <a:buNone/>
+              <a:defRPr sz="1600">
+                <a:solidFill>
+                  <a:schemeClr val="tx1">
+                    <a:tint val="75000"/>
+                  </a:schemeClr>
+                </a:solidFill>
+              </a:defRPr>
+            </a:lvl6pPr>
+            <a:lvl7pPr marL="2743200" indent="0">
+              <a:buNone/>
+              <a:defRPr sz="1600">
+                <a:solidFill>
+                  <a:schemeClr val="tx1">
+                    <a:tint val="75000"/>
+                  </a:schemeClr>
+                </a:solidFill>
+              </a:defRPr>
+            </a:lvl7pPr>
+            <a:lvl8pPr marL="3200400" indent="0">
+              <a:buNone/>
+              <a:defRPr sz="1600">
+                <a:solidFill>
+                  <a:schemeClr val="tx1">
+                    <a:tint val="75000"/>
+                  </a:schemeClr>
+                </a:solidFill>
+              </a:defRPr>
+            </a:lvl8pPr>
+            <a:lvl9pPr marL="3657600" indent="0">
+              <a:buNone/>
+              <a:defRPr sz="1600">
+                <a:solidFill>
+                  <a:schemeClr val="tx1">
+                    <a:tint val="75000"/>
+                  </a:schemeClr>
+                </a:solidFill>
+              </a:defRPr>
+            </a:lvl9pPr>
+          </a:lstStyle>
+          <a:p>
+            <a:pPr lvl="0"/>
+            <a:r>
+              <a:rPr lang="en-US"/>
+              <a:t>Edit Master text styles</a:t>
+            </a:r>
+          </a:p>
+        </p:txBody>
+      </p:sp>
+      <p:sp>
+        <p:nvSpPr>
+          <p:cNvPr id="4" name="Date Placeholder 3">
+            <a:extLst>
+              <a:ext uri="{FF2B5EF4-FFF2-40B4-BE49-F238E27FC236}">
+                <a16:creationId xmlns:a16="http://schemas.microsoft.com/office/drawing/2014/main" id="{78307DF2-620C-495C-9979-6539D0E251EC}"/>
+              </a:ext>
+            </a:extLst>
+          </p:cNvPr>
+          <p:cNvSpPr>
+            <a:spLocks noGrp="1"/>
+          </p:cNvSpPr>
+          <p:nvPr>
+            <p:ph type="dt" sz="half" idx="10"/>
+          </p:nvPr>
+        </p:nvSpPr>
+        <p:spPr/>
+        <p:txBody>
+          <a:bodyPr/>
+          <a:lstStyle/>
+          <a:p>
             <a:fld id="{B0A27DF5-E343-4B6B-B315-5C0477F75847}" type="datetimeFigureOut">
               <a:rPr lang="en-US" smtClean="0"/>
-              <a:t>8/21/2018</a:t>
+              <a:t>8/22/2018</a:t>
+            </a:fld>
+            <a:endParaRPr lang="en-US"/>
+          </a:p>
+        </p:txBody>
+      </p:sp>
+      <p:sp>
+        <p:nvSpPr>
+          <p:cNvPr id="5" name="Footer Placeholder 4">
+            <a:extLst>
+              <a:ext uri="{FF2B5EF4-FFF2-40B4-BE49-F238E27FC236}">
+                <a16:creationId xmlns:a16="http://schemas.microsoft.com/office/drawing/2014/main" id="{E7E851F9-4248-4C4E-BD84-CC8E12899C32}"/>
+              </a:ext>
+            </a:extLst>
+          </p:cNvPr>
+          <p:cNvSpPr>
+            <a:spLocks noGrp="1"/>
+          </p:cNvSpPr>
+          <p:nvPr>
+            <p:ph type="ftr" sz="quarter" idx="11"/>
+          </p:nvPr>
+        </p:nvSpPr>
+        <p:spPr/>
+        <p:txBody>
+          <a:bodyPr/>
+          <a:lstStyle/>
+          <a:p>
+            <a:endParaRPr lang="en-US"/>
+          </a:p>
+        </p:txBody>
+      </p:sp>
+      <p:sp>
+        <p:nvSpPr>
+          <p:cNvPr id="6" name="Slide Number Placeholder 5">
+            <a:extLst>
+              <a:ext uri="{FF2B5EF4-FFF2-40B4-BE49-F238E27FC236}">
+                <a16:creationId xmlns:a16="http://schemas.microsoft.com/office/drawing/2014/main" id="{4367B730-E91B-4062-8061-0040321C065C}"/>
+              </a:ext>
+            </a:extLst>
+          </p:cNvPr>
+          <p:cNvSpPr>
+            <a:spLocks noGrp="1"/>
+          </p:cNvSpPr>
+          <p:nvPr>
+            <p:ph type="sldNum" sz="quarter" idx="12"/>
+          </p:nvPr>
+        </p:nvSpPr>
+        <p:spPr/>
+        <p:txBody>
+          <a:bodyPr/>
+          <a:lstStyle/>
+          <a:p>
+            <a:fld id="{B2DFBBB8-428B-4EB2-ADC8-3BD2339AF25D}" type="slidenum">
+              <a:rPr lang="en-US" smtClean="0"/>
+              <a:t>‹#›</a:t>
+            </a:fld>
+            <a:endParaRPr lang="en-US"/>
+          </a:p>
+        </p:txBody>
+      </p:sp>
+    </p:spTree>
+    <p:extLst>
+      <p:ext uri="{BB962C8B-B14F-4D97-AF65-F5344CB8AC3E}">
+        <p14:creationId xmlns:p14="http://schemas.microsoft.com/office/powerpoint/2010/main" val="2746066916"/>
+      </p:ext>
+    </p:extLst>
+  </p:cSld>
+  <p:clrMapOvr>
+    <a:masterClrMapping/>
+  </p:clrMapOvr>
+</p:sldLayout>
+</file>
+
+<file path=ppt/slideLayouts/slideLayout4.xml><?xml version="1.0" encoding="utf-8"?>
+<p:sldLayout xmlns:a="http://schemas.openxmlformats.org/drawingml/2006/main" xmlns:r="http://schemas.openxmlformats.org/officeDocument/2006/relationships" xmlns:p="http://schemas.openxmlformats.org/presentationml/2006/main" type="twoObj" preserve="1">
+  <p:cSld name="Two Content">
+    <p:spTree>
+      <p:nvGrpSpPr>
+        <p:cNvPr id="1" name=""/>
+        <p:cNvGrpSpPr/>
+        <p:nvPr/>
+      </p:nvGrpSpPr>
+      <p:grpSpPr>
+        <a:xfrm>
+          <a:off x="0" y="0"/>
+          <a:ext cx="0" cy="0"/>
+          <a:chOff x="0" y="0"/>
+          <a:chExt cx="0" cy="0"/>
+        </a:xfrm>
+      </p:grpSpPr>
+      <p:sp>
+        <p:nvSpPr>
+          <p:cNvPr id="2" name="Title 1">
+            <a:extLst>
+              <a:ext uri="{FF2B5EF4-FFF2-40B4-BE49-F238E27FC236}">
+                <a16:creationId xmlns:a16="http://schemas.microsoft.com/office/drawing/2014/main" id="{36B8668D-0EAB-4DD7-B2D1-D9722EC92EB3}"/>
+              </a:ext>
+            </a:extLst>
+          </p:cNvPr>
+          <p:cNvSpPr>
+            <a:spLocks noGrp="1"/>
+          </p:cNvSpPr>
+          <p:nvPr>
+            <p:ph type="title"/>
+          </p:nvPr>
+        </p:nvSpPr>
+        <p:spPr/>
+        <p:txBody>
+          <a:bodyPr/>
+          <a:lstStyle/>
+          <a:p>
+            <a:r>
+              <a:rPr lang="en-US"/>
+              <a:t>Click to edit Master title style</a:t>
+            </a:r>
+          </a:p>
+        </p:txBody>
+      </p:sp>
+      <p:sp>
+        <p:nvSpPr>
+          <p:cNvPr id="3" name="Content Placeholder 2">
+            <a:extLst>
+              <a:ext uri="{FF2B5EF4-FFF2-40B4-BE49-F238E27FC236}">
+                <a16:creationId xmlns:a16="http://schemas.microsoft.com/office/drawing/2014/main" id="{504C6F6D-053A-4DF2-9452-CA1CE5A7BCFF}"/>
+              </a:ext>
+            </a:extLst>
+          </p:cNvPr>
+          <p:cNvSpPr>
+            <a:spLocks noGrp="1"/>
+          </p:cNvSpPr>
+          <p:nvPr>
+            <p:ph sz="half" idx="1"/>
+          </p:nvPr>
+        </p:nvSpPr>
+        <p:spPr>
+          <a:xfrm>
+            <a:off x="838200" y="1825625"/>
+            <a:ext cx="5181600" cy="4351338"/>
+          </a:xfrm>
+        </p:spPr>
+        <p:txBody>
+          <a:bodyPr/>
+          <a:lstStyle/>
+          <a:p>
+            <a:pPr lvl="0"/>
+            <a:r>
+              <a:rPr lang="en-US"/>
+              <a:t>Edit Master text styles</a:t>
+            </a:r>
+          </a:p>
+          <a:p>
+            <a:pPr lvl="1"/>
+            <a:r>
+              <a:rPr lang="en-US"/>
+              <a:t>Second level</a:t>
+            </a:r>
+          </a:p>
+          <a:p>
+            <a:pPr lvl="2"/>
+            <a:r>
+              <a:rPr lang="en-US"/>
+              <a:t>Third level</a:t>
+            </a:r>
+          </a:p>
+          <a:p>
+            <a:pPr lvl="3"/>
+            <a:r>
+              <a:rPr lang="en-US"/>
+              <a:t>Fourth level</a:t>
+            </a:r>
+          </a:p>
+          <a:p>
+            <a:pPr lvl="4"/>
+            <a:r>
+              <a:rPr lang="en-US"/>
+              <a:t>Fifth level</a:t>
+            </a:r>
+          </a:p>
+        </p:txBody>
+      </p:sp>
+      <p:sp>
+        <p:nvSpPr>
+          <p:cNvPr id="4" name="Content Placeholder 3">
+            <a:extLst>
+              <a:ext uri="{FF2B5EF4-FFF2-40B4-BE49-F238E27FC236}">
+                <a16:creationId xmlns:a16="http://schemas.microsoft.com/office/drawing/2014/main" id="{EBE9A7D0-23E9-4910-90D7-23EC0766F0F2}"/>
+              </a:ext>
+            </a:extLst>
+          </p:cNvPr>
+          <p:cNvSpPr>
+            <a:spLocks noGrp="1"/>
+          </p:cNvSpPr>
+          <p:nvPr>
+            <p:ph sz="half" idx="2"/>
+          </p:nvPr>
+        </p:nvSpPr>
+        <p:spPr>
+          <a:xfrm>
+            <a:off x="6172200" y="1825625"/>
+            <a:ext cx="5181600" cy="4351338"/>
+          </a:xfrm>
+        </p:spPr>
+        <p:txBody>
+          <a:bodyPr/>
+          <a:lstStyle/>
+          <a:p>
+            <a:pPr lvl="0"/>
+            <a:r>
+              <a:rPr lang="en-US"/>
+              <a:t>Edit Master text styles</a:t>
+            </a:r>
+          </a:p>
+          <a:p>
+            <a:pPr lvl="1"/>
+            <a:r>
+              <a:rPr lang="en-US"/>
+              <a:t>Second level</a:t>
+            </a:r>
+          </a:p>
+          <a:p>
+            <a:pPr lvl="2"/>
+            <a:r>
+              <a:rPr lang="en-US"/>
+              <a:t>Third level</a:t>
+            </a:r>
+          </a:p>
+          <a:p>
+            <a:pPr lvl="3"/>
+            <a:r>
+              <a:rPr lang="en-US"/>
+              <a:t>Fourth level</a:t>
+            </a:r>
+          </a:p>
+          <a:p>
+            <a:pPr lvl="4"/>
+            <a:r>
+              <a:rPr lang="en-US"/>
+              <a:t>Fifth level</a:t>
+            </a:r>
+          </a:p>
+        </p:txBody>
+      </p:sp>
+      <p:sp>
+        <p:nvSpPr>
+          <p:cNvPr id="5" name="Date Placeholder 4">
+            <a:extLst>
+              <a:ext uri="{FF2B5EF4-FFF2-40B4-BE49-F238E27FC236}">
+                <a16:creationId xmlns:a16="http://schemas.microsoft.com/office/drawing/2014/main" id="{4DC654FE-E712-4FD2-9E4D-23C3961FE95C}"/>
+              </a:ext>
+            </a:extLst>
+          </p:cNvPr>
+          <p:cNvSpPr>
+            <a:spLocks noGrp="1"/>
+          </p:cNvSpPr>
+          <p:nvPr>
+            <p:ph type="dt" sz="half" idx="10"/>
+          </p:nvPr>
+        </p:nvSpPr>
+        <p:spPr/>
+        <p:txBody>
+          <a:bodyPr/>
+          <a:lstStyle/>
+          <a:p>
+            <a:fld id="{B0A27DF5-E343-4B6B-B315-5C0477F75847}" type="datetimeFigureOut">
+              <a:rPr lang="en-US" smtClean="0"/>
+              <a:t>8/22/2018</a:t>
+            </a:fld>
+            <a:endParaRPr lang="en-US"/>
+          </a:p>
+        </p:txBody>
+      </p:sp>
+      <p:sp>
+        <p:nvSpPr>
+          <p:cNvPr id="6" name="Footer Placeholder 5">
+            <a:extLst>
+              <a:ext uri="{FF2B5EF4-FFF2-40B4-BE49-F238E27FC236}">
+                <a16:creationId xmlns:a16="http://schemas.microsoft.com/office/drawing/2014/main" id="{EC753BE4-FD1C-4F9E-A663-16AB08E537CE}"/>
+              </a:ext>
+            </a:extLst>
+          </p:cNvPr>
+          <p:cNvSpPr>
+            <a:spLocks noGrp="1"/>
+          </p:cNvSpPr>
+          <p:nvPr>
+            <p:ph type="ftr" sz="quarter" idx="11"/>
+          </p:nvPr>
+        </p:nvSpPr>
+        <p:spPr/>
+        <p:txBody>
+          <a:bodyPr/>
+          <a:lstStyle/>
+          <a:p>
+            <a:endParaRPr lang="en-US"/>
+          </a:p>
+        </p:txBody>
+      </p:sp>
+      <p:sp>
+        <p:nvSpPr>
+          <p:cNvPr id="7" name="Slide Number Placeholder 6">
+            <a:extLst>
+              <a:ext uri="{FF2B5EF4-FFF2-40B4-BE49-F238E27FC236}">
+                <a16:creationId xmlns:a16="http://schemas.microsoft.com/office/drawing/2014/main" id="{24482D4E-CF6F-4FB6-8F51-5813796BFEA7}"/>
+              </a:ext>
+            </a:extLst>
+          </p:cNvPr>
+          <p:cNvSpPr>
+            <a:spLocks noGrp="1"/>
+          </p:cNvSpPr>
+          <p:nvPr>
+            <p:ph type="sldNum" sz="quarter" idx="12"/>
+          </p:nvPr>
+        </p:nvSpPr>
+        <p:spPr/>
+        <p:txBody>
+          <a:bodyPr/>
+          <a:lstStyle/>
+          <a:p>
+            <a:fld id="{B2DFBBB8-428B-4EB2-ADC8-3BD2339AF25D}" type="slidenum">
+              <a:rPr lang="en-US" smtClean="0"/>
+              <a:t>‹#›</a:t>
+            </a:fld>
+            <a:endParaRPr lang="en-US"/>
+          </a:p>
+        </p:txBody>
+      </p:sp>
+    </p:spTree>
+    <p:extLst>
+      <p:ext uri="{BB962C8B-B14F-4D97-AF65-F5344CB8AC3E}">
+        <p14:creationId xmlns:p14="http://schemas.microsoft.com/office/powerpoint/2010/main" val="520136961"/>
+      </p:ext>
+    </p:extLst>
+  </p:cSld>
+  <p:clrMapOvr>
+    <a:masterClrMapping/>
+  </p:clrMapOvr>
+</p:sldLayout>
+</file>
+
+<file path=ppt/slideLayouts/slideLayout5.xml><?xml version="1.0" encoding="utf-8"?>
+<p:sldLayout xmlns:a="http://schemas.openxmlformats.org/drawingml/2006/main" xmlns:r="http://schemas.openxmlformats.org/officeDocument/2006/relationships" xmlns:p="http://schemas.openxmlformats.org/presentationml/2006/main" type="twoTxTwoObj" preserve="1">
+  <p:cSld name="Comparison">
+    <p:spTree>
+      <p:nvGrpSpPr>
+        <p:cNvPr id="1" name=""/>
+        <p:cNvGrpSpPr/>
+        <p:nvPr/>
+      </p:nvGrpSpPr>
+      <p:grpSpPr>
+        <a:xfrm>
+          <a:off x="0" y="0"/>
+          <a:ext cx="0" cy="0"/>
+          <a:chOff x="0" y="0"/>
+          <a:chExt cx="0" cy="0"/>
+        </a:xfrm>
+      </p:grpSpPr>
+      <p:sp>
+        <p:nvSpPr>
+          <p:cNvPr id="2" name="Title 1">
+            <a:extLst>
+              <a:ext uri="{FF2B5EF4-FFF2-40B4-BE49-F238E27FC236}">
+                <a16:creationId xmlns:a16="http://schemas.microsoft.com/office/drawing/2014/main" id="{61462421-EFD7-4299-9BFD-02723EBD49AD}"/>
+              </a:ext>
+            </a:extLst>
+          </p:cNvPr>
+          <p:cNvSpPr>
+            <a:spLocks noGrp="1"/>
+          </p:cNvSpPr>
+          <p:nvPr>
+            <p:ph type="title"/>
+          </p:nvPr>
+        </p:nvSpPr>
+        <p:spPr>
+          <a:xfrm>
+            <a:off x="839788" y="365125"/>
+            <a:ext cx="10515600" cy="1325563"/>
+          </a:xfrm>
+        </p:spPr>
+        <p:txBody>
+          <a:bodyPr/>
+          <a:lstStyle/>
+          <a:p>
+            <a:r>
+              <a:rPr lang="en-US"/>
+              <a:t>Click to edit Master title style</a:t>
+            </a:r>
+          </a:p>
+        </p:txBody>
+      </p:sp>
+      <p:sp>
+        <p:nvSpPr>
+          <p:cNvPr id="3" name="Text Placeholder 2">
+            <a:extLst>
+              <a:ext uri="{FF2B5EF4-FFF2-40B4-BE49-F238E27FC236}">
+                <a16:creationId xmlns:a16="http://schemas.microsoft.com/office/drawing/2014/main" id="{353EA016-5D1F-40DE-851F-1E07B00C8766}"/>
+              </a:ext>
+            </a:extLst>
+          </p:cNvPr>
+          <p:cNvSpPr>
+            <a:spLocks noGrp="1"/>
+          </p:cNvSpPr>
+          <p:nvPr>
+            <p:ph type="body" idx="1"/>
+          </p:nvPr>
+        </p:nvSpPr>
+        <p:spPr>
+          <a:xfrm>
+            <a:off x="839788" y="1681163"/>
+            <a:ext cx="5157787" cy="823912"/>
+          </a:xfrm>
+        </p:spPr>
+        <p:txBody>
+          <a:bodyPr anchor="b"/>
+          <a:lstStyle>
+            <a:lvl1pPr marL="0" indent="0">
+              <a:buNone/>
+              <a:defRPr sz="2400" b="1"/>
+            </a:lvl1pPr>
+            <a:lvl2pPr marL="457200" indent="0">
+              <a:buNone/>
+              <a:defRPr sz="2000" b="1"/>
+            </a:lvl2pPr>
+            <a:lvl3pPr marL="914400" indent="0">
+              <a:buNone/>
+              <a:defRPr sz="1800" b="1"/>
+            </a:lvl3pPr>
+            <a:lvl4pPr marL="1371600" indent="0">
+              <a:buNone/>
+              <a:defRPr sz="1600" b="1"/>
+            </a:lvl4pPr>
+            <a:lvl5pPr marL="1828800" indent="0">
+              <a:buNone/>
+              <a:defRPr sz="1600" b="1"/>
+            </a:lvl5pPr>
+            <a:lvl6pPr marL="2286000" indent="0">
+              <a:buNone/>
+              <a:defRPr sz="1600" b="1"/>
+            </a:lvl6pPr>
+            <a:lvl7pPr marL="2743200" indent="0">
+              <a:buNone/>
+              <a:defRPr sz="1600" b="1"/>
+            </a:lvl7pPr>
+            <a:lvl8pPr marL="3200400" indent="0">
+              <a:buNone/>
+              <a:defRPr sz="1600" b="1"/>
+            </a:lvl8pPr>
+            <a:lvl9pPr marL="3657600" indent="0">
+              <a:buNone/>
+              <a:defRPr sz="1600" b="1"/>
+            </a:lvl9pPr>
+          </a:lstStyle>
+          <a:p>
+            <a:pPr lvl="0"/>
+            <a:r>
+              <a:rPr lang="en-US"/>
+              <a:t>Edit Master text styles</a:t>
+            </a:r>
+          </a:p>
+        </p:txBody>
+      </p:sp>
+      <p:sp>
+        <p:nvSpPr>
+          <p:cNvPr id="4" name="Content Placeholder 3">
+            <a:extLst>
+              <a:ext uri="{FF2B5EF4-FFF2-40B4-BE49-F238E27FC236}">
+                <a16:creationId xmlns:a16="http://schemas.microsoft.com/office/drawing/2014/main" id="{853614F3-7203-470A-AC02-324851A80B26}"/>
+              </a:ext>
+            </a:extLst>
+          </p:cNvPr>
+          <p:cNvSpPr>
+            <a:spLocks noGrp="1"/>
+          </p:cNvSpPr>
+          <p:nvPr>
+            <p:ph sz="half" idx="2"/>
+          </p:nvPr>
+        </p:nvSpPr>
+        <p:spPr>
+          <a:xfrm>
+            <a:off x="839788" y="2505075"/>
+            <a:ext cx="5157787" cy="3684588"/>
+          </a:xfrm>
+        </p:spPr>
+        <p:txBody>
+          <a:bodyPr/>
+          <a:lstStyle/>
+          <a:p>
+            <a:pPr lvl="0"/>
+            <a:r>
+              <a:rPr lang="en-US"/>
+              <a:t>Edit Master text styles</a:t>
+            </a:r>
+          </a:p>
+          <a:p>
+            <a:pPr lvl="1"/>
+            <a:r>
+              <a:rPr lang="en-US"/>
+              <a:t>Second level</a:t>
+            </a:r>
+          </a:p>
+          <a:p>
+            <a:pPr lvl="2"/>
+            <a:r>
+              <a:rPr lang="en-US"/>
+              <a:t>Third level</a:t>
+            </a:r>
+          </a:p>
+          <a:p>
+            <a:pPr lvl="3"/>
+            <a:r>
+              <a:rPr lang="en-US"/>
+              <a:t>Fourth level</a:t>
+            </a:r>
+          </a:p>
+          <a:p>
+            <a:pPr lvl="4"/>
+            <a:r>
+              <a:rPr lang="en-US"/>
+              <a:t>Fifth level</a:t>
+            </a:r>
+          </a:p>
+        </p:txBody>
+      </p:sp>
+      <p:sp>
+        <p:nvSpPr>
+          <p:cNvPr id="5" name="Text Placeholder 4">
+            <a:extLst>
+              <a:ext uri="{FF2B5EF4-FFF2-40B4-BE49-F238E27FC236}">
+                <a16:creationId xmlns:a16="http://schemas.microsoft.com/office/drawing/2014/main" id="{36B02DD2-D635-4055-985F-58265C04B781}"/>
+              </a:ext>
+            </a:extLst>
+          </p:cNvPr>
+          <p:cNvSpPr>
+            <a:spLocks noGrp="1"/>
+          </p:cNvSpPr>
+          <p:nvPr>
+            <p:ph type="body" sz="quarter" idx="3"/>
+          </p:nvPr>
+        </p:nvSpPr>
+        <p:spPr>
+          <a:xfrm>
+            <a:off x="6172200" y="1681163"/>
+            <a:ext cx="5183188" cy="823912"/>
+          </a:xfrm>
+        </p:spPr>
+        <p:txBody>
+          <a:bodyPr anchor="b"/>
+          <a:lstStyle>
+            <a:lvl1pPr marL="0" indent="0">
+              <a:buNone/>
+              <a:defRPr sz="2400" b="1"/>
+            </a:lvl1pPr>
+            <a:lvl2pPr marL="457200" indent="0">
+              <a:buNone/>
+              <a:defRPr sz="2000" b="1"/>
+            </a:lvl2pPr>
+            <a:lvl3pPr marL="914400" indent="0">
+              <a:buNone/>
+              <a:defRPr sz="1800" b="1"/>
+            </a:lvl3pPr>
+            <a:lvl4pPr marL="1371600" indent="0">
+              <a:buNone/>
+              <a:defRPr sz="1600" b="1"/>
+            </a:lvl4pPr>
+            <a:lvl5pPr marL="1828800" indent="0">
+              <a:buNone/>
+              <a:defRPr sz="1600" b="1"/>
+            </a:lvl5pPr>
+            <a:lvl6pPr marL="2286000" indent="0">
+              <a:buNone/>
+              <a:defRPr sz="1600" b="1"/>
+            </a:lvl6pPr>
+            <a:lvl7pPr marL="2743200" indent="0">
+              <a:buNone/>
+              <a:defRPr sz="1600" b="1"/>
+            </a:lvl7pPr>
+            <a:lvl8pPr marL="3200400" indent="0">
+              <a:buNone/>
+              <a:defRPr sz="1600" b="1"/>
+            </a:lvl8pPr>
+            <a:lvl9pPr marL="3657600" indent="0">
+              <a:buNone/>
+              <a:defRPr sz="1600" b="1"/>
+            </a:lvl9pPr>
+          </a:lstStyle>
+          <a:p>
+            <a:pPr lvl="0"/>
+            <a:r>
+              <a:rPr lang="en-US"/>
+              <a:t>Edit Master text styles</a:t>
+            </a:r>
+          </a:p>
+        </p:txBody>
+      </p:sp>
+      <p:sp>
+        <p:nvSpPr>
+          <p:cNvPr id="6" name="Content Placeholder 5">
+            <a:extLst>
+              <a:ext uri="{FF2B5EF4-FFF2-40B4-BE49-F238E27FC236}">
+                <a16:creationId xmlns:a16="http://schemas.microsoft.com/office/drawing/2014/main" id="{3BDFBE8E-4BEA-4714-974F-56FD6B9CC230}"/>
+              </a:ext>
+            </a:extLst>
+          </p:cNvPr>
+          <p:cNvSpPr>
+            <a:spLocks noGrp="1"/>
+          </p:cNvSpPr>
+          <p:nvPr>
+            <p:ph sz="quarter" idx="4"/>
+          </p:nvPr>
+        </p:nvSpPr>
+        <p:spPr>
+          <a:xfrm>
+            <a:off x="6172200" y="2505075"/>
+            <a:ext cx="5183188" cy="3684588"/>
+          </a:xfrm>
+        </p:spPr>
+        <p:txBody>
+          <a:bodyPr/>
+          <a:lstStyle/>
+          <a:p>
+            <a:pPr lvl="0"/>
+            <a:r>
+              <a:rPr lang="en-US"/>
+              <a:t>Edit Master text styles</a:t>
+            </a:r>
+          </a:p>
+          <a:p>
+            <a:pPr lvl="1"/>
+            <a:r>
+              <a:rPr lang="en-US"/>
+              <a:t>Second level</a:t>
+            </a:r>
+          </a:p>
+          <a:p>
+            <a:pPr lvl="2"/>
+            <a:r>
+              <a:rPr lang="en-US"/>
+              <a:t>Third level</a:t>
+            </a:r>
+          </a:p>
+          <a:p>
+            <a:pPr lvl="3"/>
+            <a:r>
+              <a:rPr lang="en-US"/>
+              <a:t>Fourth level</a:t>
+            </a:r>
+          </a:p>
+          <a:p>
+            <a:pPr lvl="4"/>
+            <a:r>
+              <a:rPr lang="en-US"/>
+              <a:t>Fifth level</a:t>
+            </a:r>
+          </a:p>
+        </p:txBody>
+      </p:sp>
+      <p:sp>
+        <p:nvSpPr>
+          <p:cNvPr id="7" name="Date Placeholder 6">
+            <a:extLst>
+              <a:ext uri="{FF2B5EF4-FFF2-40B4-BE49-F238E27FC236}">
+                <a16:creationId xmlns:a16="http://schemas.microsoft.com/office/drawing/2014/main" id="{9BBA373E-6730-42DB-B309-B075DE533858}"/>
+              </a:ext>
+            </a:extLst>
+          </p:cNvPr>
+          <p:cNvSpPr>
+            <a:spLocks noGrp="1"/>
+          </p:cNvSpPr>
+          <p:nvPr>
+            <p:ph type="dt" sz="half" idx="10"/>
+          </p:nvPr>
+        </p:nvSpPr>
+        <p:spPr/>
+        <p:txBody>
+          <a:bodyPr/>
+          <a:lstStyle/>
+          <a:p>
+            <a:fld id="{B0A27DF5-E343-4B6B-B315-5C0477F75847}" type="datetimeFigureOut">
+              <a:rPr lang="en-US" smtClean="0"/>
+              <a:t>8/22/2018</a:t>
+            </a:fld>
+            <a:endParaRPr lang="en-US"/>
+          </a:p>
+        </p:txBody>
+      </p:sp>
+      <p:sp>
+        <p:nvSpPr>
+          <p:cNvPr id="8" name="Footer Placeholder 7">
+            <a:extLst>
+              <a:ext uri="{FF2B5EF4-FFF2-40B4-BE49-F238E27FC236}">
+                <a16:creationId xmlns:a16="http://schemas.microsoft.com/office/drawing/2014/main" id="{E9C05F59-531E-43DC-B29A-52B618D148E9}"/>
+              </a:ext>
+            </a:extLst>
+          </p:cNvPr>
+          <p:cNvSpPr>
+            <a:spLocks noGrp="1"/>
+          </p:cNvSpPr>
+          <p:nvPr>
+            <p:ph type="ftr" sz="quarter" idx="11"/>
+          </p:nvPr>
+        </p:nvSpPr>
+        <p:spPr/>
+        <p:txBody>
+          <a:bodyPr/>
+          <a:lstStyle/>
+          <a:p>
+            <a:endParaRPr lang="en-US"/>
+          </a:p>
+        </p:txBody>
+      </p:sp>
+      <p:sp>
+        <p:nvSpPr>
+          <p:cNvPr id="9" name="Slide Number Placeholder 8">
+            <a:extLst>
+              <a:ext uri="{FF2B5EF4-FFF2-40B4-BE49-F238E27FC236}">
+                <a16:creationId xmlns:a16="http://schemas.microsoft.com/office/drawing/2014/main" id="{D50EC97B-D88C-48C1-968B-F1A25F3FBAA2}"/>
+              </a:ext>
+            </a:extLst>
+          </p:cNvPr>
+          <p:cNvSpPr>
+            <a:spLocks noGrp="1"/>
+          </p:cNvSpPr>
+          <p:nvPr>
+            <p:ph type="sldNum" sz="quarter" idx="12"/>
+          </p:nvPr>
+        </p:nvSpPr>
+        <p:spPr/>
+        <p:txBody>
+          <a:bodyPr/>
+          <a:lstStyle/>
+          <a:p>
+            <a:fld id="{B2DFBBB8-428B-4EB2-ADC8-3BD2339AF25D}" type="slidenum">
+              <a:rPr lang="en-US" smtClean="0"/>
+              <a:t>‹#›</a:t>
+            </a:fld>
+            <a:endParaRPr lang="en-US"/>
+          </a:p>
+        </p:txBody>
+      </p:sp>
+    </p:spTree>
+    <p:extLst>
+      <p:ext uri="{BB962C8B-B14F-4D97-AF65-F5344CB8AC3E}">
+        <p14:creationId xmlns:p14="http://schemas.microsoft.com/office/powerpoint/2010/main" val="3326652565"/>
+      </p:ext>
+    </p:extLst>
+  </p:cSld>
+  <p:clrMapOvr>
+    <a:masterClrMapping/>
+  </p:clrMapOvr>
+</p:sldLayout>
+</file>
+
+<file path=ppt/slideLayouts/slideLayout6.xml><?xml version="1.0" encoding="utf-8"?>
+<p:sldLayout xmlns:a="http://schemas.openxmlformats.org/drawingml/2006/main" xmlns:r="http://schemas.openxmlformats.org/officeDocument/2006/relationships" xmlns:p="http://schemas.openxmlformats.org/presentationml/2006/main" type="titleOnly" preserve="1">
+  <p:cSld name="Title Only">
+    <p:spTree>
+      <p:nvGrpSpPr>
+        <p:cNvPr id="1" name=""/>
+        <p:cNvGrpSpPr/>
+        <p:nvPr/>
+      </p:nvGrpSpPr>
+      <p:grpSpPr>
+        <a:xfrm>
+          <a:off x="0" y="0"/>
+          <a:ext cx="0" cy="0"/>
+          <a:chOff x="0" y="0"/>
+          <a:chExt cx="0" cy="0"/>
+        </a:xfrm>
+      </p:grpSpPr>
+      <p:sp>
+        <p:nvSpPr>
+          <p:cNvPr id="2" name="Title 1">
+            <a:extLst>
+              <a:ext uri="{FF2B5EF4-FFF2-40B4-BE49-F238E27FC236}">
+                <a16:creationId xmlns:a16="http://schemas.microsoft.com/office/drawing/2014/main" id="{34D9BECE-D295-4001-B117-5B9211600FA8}"/>
+              </a:ext>
+            </a:extLst>
+          </p:cNvPr>
+          <p:cNvSpPr>
+            <a:spLocks noGrp="1"/>
+          </p:cNvSpPr>
+          <p:nvPr>
+            <p:ph type="title"/>
+          </p:nvPr>
+        </p:nvSpPr>
+        <p:spPr/>
+        <p:txBody>
+          <a:bodyPr/>
+          <a:lstStyle/>
+          <a:p>
+            <a:r>
+              <a:rPr lang="en-US"/>
+              <a:t>Click to edit Master title style</a:t>
+            </a:r>
+          </a:p>
+        </p:txBody>
+      </p:sp>
+      <p:sp>
+        <p:nvSpPr>
+          <p:cNvPr id="3" name="Date Placeholder 2">
+            <a:extLst>
+              <a:ext uri="{FF2B5EF4-FFF2-40B4-BE49-F238E27FC236}">
+                <a16:creationId xmlns:a16="http://schemas.microsoft.com/office/drawing/2014/main" id="{B842977E-A693-4920-960C-7976ED981000}"/>
+              </a:ext>
+            </a:extLst>
+          </p:cNvPr>
+          <p:cNvSpPr>
+            <a:spLocks noGrp="1"/>
+          </p:cNvSpPr>
+          <p:nvPr>
+            <p:ph type="dt" sz="half" idx="10"/>
+          </p:nvPr>
+        </p:nvSpPr>
+        <p:spPr/>
+        <p:txBody>
+          <a:bodyPr/>
+          <a:lstStyle/>
+          <a:p>
+            <a:fld id="{B0A27DF5-E343-4B6B-B315-5C0477F75847}" type="datetimeFigureOut">
+              <a:rPr lang="en-US" smtClean="0"/>
+              <a:t>8/22/2018</a:t>
+            </a:fld>
+            <a:endParaRPr lang="en-US"/>
+          </a:p>
+        </p:txBody>
+      </p:sp>
+      <p:sp>
+        <p:nvSpPr>
+          <p:cNvPr id="4" name="Footer Placeholder 3">
+            <a:extLst>
+              <a:ext uri="{FF2B5EF4-FFF2-40B4-BE49-F238E27FC236}">
+                <a16:creationId xmlns:a16="http://schemas.microsoft.com/office/drawing/2014/main" id="{23EA0B63-96A3-40CD-B77F-37CDE416CA07}"/>
+              </a:ext>
+            </a:extLst>
+          </p:cNvPr>
+          <p:cNvSpPr>
+            <a:spLocks noGrp="1"/>
+          </p:cNvSpPr>
+          <p:nvPr>
+            <p:ph type="ftr" sz="quarter" idx="11"/>
+          </p:nvPr>
+        </p:nvSpPr>
+        <p:spPr/>
+        <p:txBody>
+          <a:bodyPr/>
+          <a:lstStyle/>
+          <a:p>
+            <a:endParaRPr lang="en-US"/>
+          </a:p>
+        </p:txBody>
+      </p:sp>
+      <p:sp>
+        <p:nvSpPr>
+          <p:cNvPr id="5" name="Slide Number Placeholder 4">
+            <a:extLst>
+              <a:ext uri="{FF2B5EF4-FFF2-40B4-BE49-F238E27FC236}">
+                <a16:creationId xmlns:a16="http://schemas.microsoft.com/office/drawing/2014/main" id="{F17CEC2C-3777-4CF4-82D2-92197474077B}"/>
+              </a:ext>
+            </a:extLst>
+          </p:cNvPr>
+          <p:cNvSpPr>
+            <a:spLocks noGrp="1"/>
+          </p:cNvSpPr>
+          <p:nvPr>
+            <p:ph type="sldNum" sz="quarter" idx="12"/>
+          </p:nvPr>
+        </p:nvSpPr>
+        <p:spPr/>
+        <p:txBody>
+          <a:bodyPr/>
+          <a:lstStyle/>
+          <a:p>
+            <a:fld id="{B2DFBBB8-428B-4EB2-ADC8-3BD2339AF25D}" type="slidenum">
+              <a:rPr lang="en-US" smtClean="0"/>
+              <a:t>‹#›</a:t>
+            </a:fld>
+            <a:endParaRPr lang="en-US"/>
+          </a:p>
+        </p:txBody>
+      </p:sp>
+    </p:spTree>
+    <p:extLst>
+      <p:ext uri="{BB962C8B-B14F-4D97-AF65-F5344CB8AC3E}">
+        <p14:creationId xmlns:p14="http://schemas.microsoft.com/office/powerpoint/2010/main" val="4163649019"/>
+      </p:ext>
+    </p:extLst>
+  </p:cSld>
+  <p:clrMapOvr>
+    <a:masterClrMapping/>
+  </p:clrMapOvr>
+</p:sldLayout>
+</file>
+
+<file path=ppt/slideLayouts/slideLayout7.xml><?xml version="1.0" encoding="utf-8"?>
+<p:sldLayout xmlns:a="http://schemas.openxmlformats.org/drawingml/2006/main" xmlns:r="http://schemas.openxmlformats.org/officeDocument/2006/relationships" xmlns:p="http://schemas.openxmlformats.org/presentationml/2006/main" type="blank" preserve="1">
+  <p:cSld name="Blank">
+    <p:spTree>
+      <p:nvGrpSpPr>
+        <p:cNvPr id="1" name=""/>
+        <p:cNvGrpSpPr/>
+        <p:nvPr/>
+      </p:nvGrpSpPr>
+      <p:grpSpPr>
+        <a:xfrm>
+          <a:off x="0" y="0"/>
+          <a:ext cx="0" cy="0"/>
+          <a:chOff x="0" y="0"/>
+          <a:chExt cx="0" cy="0"/>
+        </a:xfrm>
+      </p:grpSpPr>
+      <p:sp>
+        <p:nvSpPr>
+          <p:cNvPr id="2" name="Date Placeholder 1">
+            <a:extLst>
+              <a:ext uri="{FF2B5EF4-FFF2-40B4-BE49-F238E27FC236}">
+                <a16:creationId xmlns:a16="http://schemas.microsoft.com/office/drawing/2014/main" id="{CBC2D9A1-EE28-4D24-92A6-CB2A21401BF2}"/>
+              </a:ext>
+            </a:extLst>
+          </p:cNvPr>
+          <p:cNvSpPr>
+            <a:spLocks noGrp="1"/>
+          </p:cNvSpPr>
+          <p:nvPr>
+            <p:ph type="dt" sz="half" idx="10"/>
+          </p:nvPr>
+        </p:nvSpPr>
+        <p:spPr/>
+        <p:txBody>
+          <a:bodyPr/>
+          <a:lstStyle/>
+          <a:p>
+            <a:fld id="{B0A27DF5-E343-4B6B-B315-5C0477F75847}" type="datetimeFigureOut">
+              <a:rPr lang="en-US" smtClean="0"/>
+              <a:t>8/22/2018</a:t>
+            </a:fld>
+            <a:endParaRPr lang="en-US"/>
+          </a:p>
+        </p:txBody>
+      </p:sp>
+      <p:sp>
+        <p:nvSpPr>
+          <p:cNvPr id="3" name="Footer Placeholder 2">
+            <a:extLst>
+              <a:ext uri="{FF2B5EF4-FFF2-40B4-BE49-F238E27FC236}">
+                <a16:creationId xmlns:a16="http://schemas.microsoft.com/office/drawing/2014/main" id="{7757DFD0-EF4A-4165-BC1D-2293F9A7B349}"/>
+              </a:ext>
+            </a:extLst>
+          </p:cNvPr>
+          <p:cNvSpPr>
+            <a:spLocks noGrp="1"/>
+          </p:cNvSpPr>
+          <p:nvPr>
+            <p:ph type="ftr" sz="quarter" idx="11"/>
+          </p:nvPr>
+        </p:nvSpPr>
+        <p:spPr/>
+        <p:txBody>
+          <a:bodyPr/>
+          <a:lstStyle/>
+          <a:p>
+            <a:endParaRPr lang="en-US"/>
+          </a:p>
+        </p:txBody>
+      </p:sp>
+      <p:sp>
+        <p:nvSpPr>
+          <p:cNvPr id="4" name="Slide Number Placeholder 3">
+            <a:extLst>
+              <a:ext uri="{FF2B5EF4-FFF2-40B4-BE49-F238E27FC236}">
+                <a16:creationId xmlns:a16="http://schemas.microsoft.com/office/drawing/2014/main" id="{53263EA8-AE7F-4E21-9D05-5AB608962AF5}"/>
+              </a:ext>
+            </a:extLst>
+          </p:cNvPr>
+          <p:cNvSpPr>
+            <a:spLocks noGrp="1"/>
+          </p:cNvSpPr>
+          <p:nvPr>
+            <p:ph type="sldNum" sz="quarter" idx="12"/>
+          </p:nvPr>
+        </p:nvSpPr>
+        <p:spPr/>
+        <p:txBody>
+          <a:bodyPr/>
+          <a:lstStyle/>
+          <a:p>
+            <a:fld id="{B2DFBBB8-428B-4EB2-ADC8-3BD2339AF25D}" type="slidenum">
+              <a:rPr lang="en-US" smtClean="0"/>
+              <a:t>‹#›</a:t>
+            </a:fld>
+            <a:endParaRPr lang="en-US"/>
+          </a:p>
+        </p:txBody>
+      </p:sp>
+    </p:spTree>
+    <p:extLst>
+      <p:ext uri="{BB962C8B-B14F-4D97-AF65-F5344CB8AC3E}">
+        <p14:creationId xmlns:p14="http://schemas.microsoft.com/office/powerpoint/2010/main" val="2514180439"/>
+      </p:ext>
+    </p:extLst>
+  </p:cSld>
+  <p:clrMapOvr>
+    <a:masterClrMapping/>
+  </p:clrMapOvr>
+</p:sldLayout>
+</file>
+
+<file path=ppt/slideLayouts/slideLayout8.xml><?xml version="1.0" encoding="utf-8"?>
+<p:sldLayout xmlns:a="http://schemas.openxmlformats.org/drawingml/2006/main" xmlns:r="http://schemas.openxmlformats.org/officeDocument/2006/relationships" xmlns:p="http://schemas.openxmlformats.org/presentationml/2006/main" type="objTx" preserve="1">
+  <p:cSld name="Content with Caption">
+    <p:spTree>
+      <p:nvGrpSpPr>
+        <p:cNvPr id="1" name=""/>
+        <p:cNvGrpSpPr/>
+        <p:nvPr/>
+      </p:nvGrpSpPr>
+      <p:grpSpPr>
+        <a:xfrm>
+          <a:off x="0" y="0"/>
+          <a:ext cx="0" cy="0"/>
+          <a:chOff x="0" y="0"/>
+          <a:chExt cx="0" cy="0"/>
+        </a:xfrm>
+      </p:grpSpPr>
+      <p:sp>
+        <p:nvSpPr>
+          <p:cNvPr id="2" name="Title 1">
+            <a:extLst>
+              <a:ext uri="{FF2B5EF4-FFF2-40B4-BE49-F238E27FC236}">
+                <a16:creationId xmlns:a16="http://schemas.microsoft.com/office/drawing/2014/main" id="{B6FA3BBF-5F38-41A7-9FD7-B9200A6EB426}"/>
+              </a:ext>
+            </a:extLst>
+          </p:cNvPr>
+          <p:cNvSpPr>
+            <a:spLocks noGrp="1"/>
+          </p:cNvSpPr>
+          <p:nvPr>
+            <p:ph type="title"/>
+          </p:nvPr>
+        </p:nvSpPr>
+        <p:spPr>
+          <a:xfrm>
+            <a:off x="839788" y="457200"/>
+            <a:ext cx="3932237" cy="1600200"/>
+          </a:xfrm>
+        </p:spPr>
+        <p:txBody>
+          <a:bodyPr anchor="b"/>
+          <a:lstStyle>
+            <a:lvl1pPr>
+              <a:defRPr sz="3200"/>
+            </a:lvl1pPr>
+          </a:lstStyle>
+          <a:p>
+            <a:r>
+              <a:rPr lang="en-US"/>
+              <a:t>Click to edit Master title style</a:t>
+            </a:r>
+          </a:p>
+        </p:txBody>
+      </p:sp>
+      <p:sp>
+        <p:nvSpPr>
+          <p:cNvPr id="3" name="Content Placeholder 2">
+            <a:extLst>
+              <a:ext uri="{FF2B5EF4-FFF2-40B4-BE49-F238E27FC236}">
+                <a16:creationId xmlns:a16="http://schemas.microsoft.com/office/drawing/2014/main" id="{1F43E6BB-7AC4-4482-99CC-B4871EDB82B9}"/>
+              </a:ext>
+            </a:extLst>
+          </p:cNvPr>
+          <p:cNvSpPr>
+            <a:spLocks noGrp="1"/>
+          </p:cNvSpPr>
+          <p:nvPr>
+            <p:ph idx="1"/>
+          </p:nvPr>
+        </p:nvSpPr>
+        <p:spPr>
+          <a:xfrm>
+            <a:off x="5183188" y="987425"/>
+            <a:ext cx="6172200" cy="4873625"/>
+          </a:xfrm>
+        </p:spPr>
+        <p:txBody>
+          <a:bodyPr/>
+          <a:lstStyle>
+            <a:lvl1pPr>
+              <a:defRPr sz="3200"/>
+            </a:lvl1pPr>
+            <a:lvl2pPr>
+              <a:defRPr sz="2800"/>
+            </a:lvl2pPr>
+            <a:lvl3pPr>
+              <a:defRPr sz="2400"/>
+            </a:lvl3pPr>
+            <a:lvl4pPr>
+              <a:defRPr sz="2000"/>
+            </a:lvl4pPr>
+            <a:lvl5pPr>
+              <a:defRPr sz="2000"/>
+            </a:lvl5pPr>
+            <a:lvl6pPr>
+              <a:defRPr sz="2000"/>
+            </a:lvl6pPr>
+            <a:lvl7pPr>
+              <a:defRPr sz="2000"/>
+            </a:lvl7pPr>
+            <a:lvl8pPr>
+              <a:defRPr sz="2000"/>
+            </a:lvl8pPr>
+            <a:lvl9pPr>
+              <a:defRPr sz="2000"/>
+            </a:lvl9pPr>
+          </a:lstStyle>
+          <a:p>
+            <a:pPr lvl="0"/>
+            <a:r>
+              <a:rPr lang="en-US"/>
+              <a:t>Edit Master text styles</a:t>
+            </a:r>
+          </a:p>
+          <a:p>
+            <a:pPr lvl="1"/>
+            <a:r>
+              <a:rPr lang="en-US"/>
+              <a:t>Second level</a:t>
+            </a:r>
+          </a:p>
+          <a:p>
+            <a:pPr lvl="2"/>
+            <a:r>
+              <a:rPr lang="en-US"/>
+              <a:t>Third level</a:t>
+            </a:r>
+          </a:p>
+          <a:p>
+            <a:pPr lvl="3"/>
+            <a:r>
+              <a:rPr lang="en-US"/>
+              <a:t>Fourth level</a:t>
+            </a:r>
+          </a:p>
+          <a:p>
+            <a:pPr lvl="4"/>
+            <a:r>
+              <a:rPr lang="en-US"/>
+              <a:t>Fifth level</a:t>
+            </a:r>
+          </a:p>
+        </p:txBody>
+      </p:sp>
+      <p:sp>
+        <p:nvSpPr>
+          <p:cNvPr id="4" name="Text Placeholder 3">
+            <a:extLst>
+              <a:ext uri="{FF2B5EF4-FFF2-40B4-BE49-F238E27FC236}">
+                <a16:creationId xmlns:a16="http://schemas.microsoft.com/office/drawing/2014/main" id="{E301E655-D20F-49F7-898E-8A999586D77F}"/>
+              </a:ext>
+            </a:extLst>
+          </p:cNvPr>
+          <p:cNvSpPr>
+            <a:spLocks noGrp="1"/>
+          </p:cNvSpPr>
+          <p:nvPr>
+            <p:ph type="body" sz="half" idx="2"/>
+          </p:nvPr>
+        </p:nvSpPr>
+        <p:spPr>
+          <a:xfrm>
+            <a:off x="839788" y="2057400"/>
+            <a:ext cx="3932237" cy="3811588"/>
+          </a:xfrm>
+        </p:spPr>
+        <p:txBody>
+          <a:bodyPr/>
+          <a:lstStyle>
+            <a:lvl1pPr marL="0" indent="0">
+              <a:buNone/>
+              <a:defRPr sz="1600"/>
+            </a:lvl1pPr>
+            <a:lvl2pPr marL="457200" indent="0">
+              <a:buNone/>
+              <a:defRPr sz="1400"/>
+            </a:lvl2pPr>
+            <a:lvl3pPr marL="914400" indent="0">
+              <a:buNone/>
+              <a:defRPr sz="1200"/>
+            </a:lvl3pPr>
+            <a:lvl4pPr marL="1371600" indent="0">
+              <a:buNone/>
+              <a:defRPr sz="1000"/>
+            </a:lvl4pPr>
+            <a:lvl5pPr marL="1828800" indent="0">
+              <a:buNone/>
+              <a:defRPr sz="1000"/>
+            </a:lvl5pPr>
+            <a:lvl6pPr marL="2286000" indent="0">
+              <a:buNone/>
+              <a:defRPr sz="1000"/>
+            </a:lvl6pPr>
+            <a:lvl7pPr marL="2743200" indent="0">
+              <a:buNone/>
+              <a:defRPr sz="1000"/>
+            </a:lvl7pPr>
+            <a:lvl8pPr marL="3200400" indent="0">
+              <a:buNone/>
+              <a:defRPr sz="1000"/>
+            </a:lvl8pPr>
+            <a:lvl9pPr marL="3657600" indent="0">
+              <a:buNone/>
+              <a:defRPr sz="1000"/>
+            </a:lvl9pPr>
+          </a:lstStyle>
+          <a:p>
+            <a:pPr lvl="0"/>
+            <a:r>
+              <a:rPr lang="en-US"/>
+              <a:t>Edit Master text styles</a:t>
+            </a:r>
+          </a:p>
+        </p:txBody>
+      </p:sp>
+      <p:sp>
+        <p:nvSpPr>
+          <p:cNvPr id="5" name="Date Placeholder 4">
+            <a:extLst>
+              <a:ext uri="{FF2B5EF4-FFF2-40B4-BE49-F238E27FC236}">
+                <a16:creationId xmlns:a16="http://schemas.microsoft.com/office/drawing/2014/main" id="{20F54907-19A7-4DB2-A688-3A58CE284E72}"/>
+              </a:ext>
+            </a:extLst>
+          </p:cNvPr>
+          <p:cNvSpPr>
+            <a:spLocks noGrp="1"/>
+          </p:cNvSpPr>
+          <p:nvPr>
+            <p:ph type="dt" sz="half" idx="10"/>
+          </p:nvPr>
+        </p:nvSpPr>
+        <p:spPr/>
+        <p:txBody>
+          <a:bodyPr/>
+          <a:lstStyle/>
+          <a:p>
+            <a:fld id="{B0A27DF5-E343-4B6B-B315-5C0477F75847}" type="datetimeFigureOut">
+              <a:rPr lang="en-US" smtClean="0"/>
+              <a:t>8/22/2018</a:t>
+            </a:fld>
+            <a:endParaRPr lang="en-US"/>
+          </a:p>
+        </p:txBody>
+      </p:sp>
+      <p:sp>
+        <p:nvSpPr>
+          <p:cNvPr id="6" name="Footer Placeholder 5">
+            <a:extLst>
+              <a:ext uri="{FF2B5EF4-FFF2-40B4-BE49-F238E27FC236}">
+                <a16:creationId xmlns:a16="http://schemas.microsoft.com/office/drawing/2014/main" id="{362007CA-1B85-4F17-8141-D38EBAA32FAB}"/>
+              </a:ext>
+            </a:extLst>
+          </p:cNvPr>
+          <p:cNvSpPr>
+            <a:spLocks noGrp="1"/>
+          </p:cNvSpPr>
+          <p:nvPr>
+            <p:ph type="ftr" sz="quarter" idx="11"/>
+          </p:nvPr>
+        </p:nvSpPr>
+        <p:spPr/>
+        <p:txBody>
+          <a:bodyPr/>
+          <a:lstStyle/>
+          <a:p>
+            <a:endParaRPr lang="en-US"/>
+          </a:p>
+        </p:txBody>
+      </p:sp>
+      <p:sp>
+        <p:nvSpPr>
+          <p:cNvPr id="7" name="Slide Number Placeholder 6">
+            <a:extLst>
+              <a:ext uri="{FF2B5EF4-FFF2-40B4-BE49-F238E27FC236}">
+                <a16:creationId xmlns:a16="http://schemas.microsoft.com/office/drawing/2014/main" id="{115613CD-00DB-4602-AFA7-5D86A7F2CA03}"/>
+              </a:ext>
+            </a:extLst>
+          </p:cNvPr>
+          <p:cNvSpPr>
+            <a:spLocks noGrp="1"/>
+          </p:cNvSpPr>
+          <p:nvPr>
+            <p:ph type="sldNum" sz="quarter" idx="12"/>
+          </p:nvPr>
+        </p:nvSpPr>
+        <p:spPr/>
+        <p:txBody>
+          <a:bodyPr/>
+          <a:lstStyle/>
+          <a:p>
+            <a:fld id="{B2DFBBB8-428B-4EB2-ADC8-3BD2339AF25D}" type="slidenum">
+              <a:rPr lang="en-US" smtClean="0"/>
+              <a:t>‹#›</a:t>
+            </a:fld>
+            <a:endParaRPr lang="en-US"/>
+          </a:p>
+        </p:txBody>
+      </p:sp>
+    </p:spTree>
+    <p:extLst>
+      <p:ext uri="{BB962C8B-B14F-4D97-AF65-F5344CB8AC3E}">
+        <p14:creationId xmlns:p14="http://schemas.microsoft.com/office/powerpoint/2010/main" val="1039559793"/>
+      </p:ext>
+    </p:extLst>
+  </p:cSld>
+  <p:clrMapOvr>
+    <a:masterClrMapping/>
+  </p:clrMapOvr>
+</p:sldLayout>
+</file>
+
+<file path=ppt/slideLayouts/slideLayout9.xml><?xml version="1.0" encoding="utf-8"?>
+<p:sldLayout xmlns:a="http://schemas.openxmlformats.org/drawingml/2006/main" xmlns:r="http://schemas.openxmlformats.org/officeDocument/2006/relationships" xmlns:p="http://schemas.openxmlformats.org/presentationml/2006/main" type="picTx" preserve="1">
+  <p:cSld name="Picture with Caption">
+    <p:spTree>
+      <p:nvGrpSpPr>
+        <p:cNvPr id="1" name=""/>
+        <p:cNvGrpSpPr/>
+        <p:nvPr/>
+      </p:nvGrpSpPr>
+      <p:grpSpPr>
+        <a:xfrm>
+          <a:off x="0" y="0"/>
+          <a:ext cx="0" cy="0"/>
+          <a:chOff x="0" y="0"/>
+          <a:chExt cx="0" cy="0"/>
+        </a:xfrm>
+      </p:grpSpPr>
+      <p:sp>
+        <p:nvSpPr>
+          <p:cNvPr id="2" name="Title 1">
+            <a:extLst>
+              <a:ext uri="{FF2B5EF4-FFF2-40B4-BE49-F238E27FC236}">
+                <a16:creationId xmlns:a16="http://schemas.microsoft.com/office/drawing/2014/main" id="{218B1806-B760-4B2F-B136-9A00271D7BB1}"/>
+              </a:ext>
+            </a:extLst>
+          </p:cNvPr>
+          <p:cNvSpPr>
+            <a:spLocks noGrp="1"/>
+          </p:cNvSpPr>
+          <p:nvPr>
+            <p:ph type="title"/>
+          </p:nvPr>
+        </p:nvSpPr>
+        <p:spPr>
+          <a:xfrm>
+            <a:off x="839788" y="457200"/>
+            <a:ext cx="3932237" cy="1600200"/>
+          </a:xfrm>
+        </p:spPr>
+        <p:txBody>
+          <a:bodyPr anchor="b"/>
+          <a:lstStyle>
+            <a:lvl1pPr>
+              <a:defRPr sz="3200"/>
+            </a:lvl1pPr>
+          </a:lstStyle>
+          <a:p>
+            <a:r>
+              <a:rPr lang="en-US"/>
+              <a:t>Click to edit Master title style</a:t>
+            </a:r>
+          </a:p>
+        </p:txBody>
+      </p:sp>
+      <p:sp>
+        <p:nvSpPr>
+          <p:cNvPr id="3" name="Picture Placeholder 2">
+            <a:extLst>
+              <a:ext uri="{FF2B5EF4-FFF2-40B4-BE49-F238E27FC236}">
+                <a16:creationId xmlns:a16="http://schemas.microsoft.com/office/drawing/2014/main" id="{552BD2B5-A33D-4870-A1B9-2254B0508B93}"/>
+              </a:ext>
+            </a:extLst>
+          </p:cNvPr>
+          <p:cNvSpPr>
+            <a:spLocks noGrp="1"/>
+          </p:cNvSpPr>
+          <p:nvPr>
+            <p:ph type="pic" idx="1"/>
+          </p:nvPr>
+        </p:nvSpPr>
+        <p:spPr>
+          <a:xfrm>
+            <a:off x="5183188" y="987425"/>
+            <a:ext cx="6172200" cy="4873625"/>
+          </a:xfrm>
+        </p:spPr>
+        <p:txBody>
+          <a:bodyPr/>
+          <a:lstStyle>
+            <a:lvl1pPr marL="0" indent="0">
+              <a:buNone/>
+              <a:defRPr sz="3200"/>
+            </a:lvl1pPr>
+            <a:lvl2pPr marL="457200" indent="0">
+              <a:buNone/>
+              <a:defRPr sz="2800"/>
+            </a:lvl2pPr>
+            <a:lvl3pPr marL="914400" indent="0">
+              <a:buNone/>
+              <a:defRPr sz="2400"/>
+            </a:lvl3pPr>
+            <a:lvl4pPr marL="1371600" indent="0">
+              <a:buNone/>
+              <a:defRPr sz="2000"/>
+            </a:lvl4pPr>
+            <a:lvl5pPr marL="1828800" indent="0">
+              <a:buNone/>
+              <a:defRPr sz="2000"/>
+            </a:lvl5pPr>
+            <a:lvl6pPr marL="2286000" indent="0">
+              <a:buNone/>
+              <a:defRPr sz="2000"/>
+            </a:lvl6pPr>
+            <a:lvl7pPr marL="2743200" indent="0">
+              <a:buNone/>
+              <a:defRPr sz="2000"/>
+            </a:lvl7pPr>
+            <a:lvl8pPr marL="3200400" indent="0">
+              <a:buNone/>
+              <a:defRPr sz="2000"/>
+            </a:lvl8pPr>
+            <a:lvl9pPr marL="3657600" indent="0">
+              <a:buNone/>
+              <a:defRPr sz="2000"/>
+            </a:lvl9pPr>
+          </a:lstStyle>
+          <a:p>
+            <a:endParaRPr lang="en-US"/>
+          </a:p>
+        </p:txBody>
+      </p:sp>
+      <p:sp>
+        <p:nvSpPr>
+          <p:cNvPr id="4" name="Text Placeholder 3">
+            <a:extLst>
+              <a:ext uri="{FF2B5EF4-FFF2-40B4-BE49-F238E27FC236}">
+                <a16:creationId xmlns:a16="http://schemas.microsoft.com/office/drawing/2014/main" id="{404B1F73-E7E7-4B89-B13C-5678B6B0439B}"/>
+              </a:ext>
+            </a:extLst>
+          </p:cNvPr>
+          <p:cNvSpPr>
+            <a:spLocks noGrp="1"/>
+          </p:cNvSpPr>
+          <p:nvPr>
+            <p:ph type="body" sz="half" idx="2"/>
+          </p:nvPr>
+        </p:nvSpPr>
+        <p:spPr>
+          <a:xfrm>
+            <a:off x="839788" y="2057400"/>
+            <a:ext cx="3932237" cy="3811588"/>
+          </a:xfrm>
+        </p:spPr>
+        <p:txBody>
+          <a:bodyPr/>
+          <a:lstStyle>
+            <a:lvl1pPr marL="0" indent="0">
+              <a:buNone/>
+              <a:defRPr sz="1600"/>
+            </a:lvl1pPr>
+            <a:lvl2pPr marL="457200" indent="0">
+              <a:buNone/>
+              <a:defRPr sz="1400"/>
+            </a:lvl2pPr>
+            <a:lvl3pPr marL="914400" indent="0">
+              <a:buNone/>
+              <a:defRPr sz="1200"/>
+            </a:lvl3pPr>
+            <a:lvl4pPr marL="1371600" indent="0">
+              <a:buNone/>
+              <a:defRPr sz="1000"/>
+            </a:lvl4pPr>
+            <a:lvl5pPr marL="1828800" indent="0">
+              <a:buNone/>
+              <a:defRPr sz="1000"/>
+            </a:lvl5pPr>
+            <a:lvl6pPr marL="2286000" indent="0">
+              <a:buNone/>
+              <a:defRPr sz="1000"/>
+            </a:lvl6pPr>
+            <a:lvl7pPr marL="2743200" indent="0">
+              <a:buNone/>
+              <a:defRPr sz="1000"/>
+            </a:lvl7pPr>
+            <a:lvl8pPr marL="3200400" indent="0">
+              <a:buNone/>
+              <a:defRPr sz="1000"/>
+            </a:lvl8pPr>
+            <a:lvl9pPr marL="3657600" indent="0">
+              <a:buNone/>
+              <a:defRPr sz="1000"/>
+            </a:lvl9pPr>
+          </a:lstStyle>
+          <a:p>
+            <a:pPr lvl="0"/>
+            <a:r>
+              <a:rPr lang="en-US"/>
+              <a:t>Edit Master text styles</a:t>
+            </a:r>
+          </a:p>
+        </p:txBody>
+      </p:sp>
+      <p:sp>
+        <p:nvSpPr>
+          <p:cNvPr id="5" name="Date Placeholder 4">
+            <a:extLst>
+              <a:ext uri="{FF2B5EF4-FFF2-40B4-BE49-F238E27FC236}">
+                <a16:creationId xmlns:a16="http://schemas.microsoft.com/office/drawing/2014/main" id="{5CDF9D5D-597A-47E8-BA65-5292A720FACB}"/>
+              </a:ext>
+            </a:extLst>
+          </p:cNvPr>
+          <p:cNvSpPr>
+            <a:spLocks noGrp="1"/>
+          </p:cNvSpPr>
+          <p:nvPr>
+            <p:ph type="dt" sz="half" idx="10"/>
+          </p:nvPr>
+        </p:nvSpPr>
+        <p:spPr/>
+        <p:txBody>
+          <a:bodyPr/>
+          <a:lstStyle/>
+          <a:p>
+            <a:fld id="{B0A27DF5-E343-4B6B-B315-5C0477F75847}" type="datetimeFigureOut">
+              <a:rPr lang="en-US" smtClean="0"/>
+              <a:t>8/22/2018</a:t>
             </a:fld>
             <a:endParaRPr lang="en-US"/>
           </a:p>
@@ -3357,7 +6134,7 @@
           <a:p>
             <a:fld id="{B0A27DF5-E343-4B6B-B315-5C0477F75847}" type="datetimeFigureOut">
               <a:rPr lang="en-US" smtClean="0"/>
-              <a:t>8/21/2018</a:t>
+              <a:t>8/22/2018</a:t>
             </a:fld>
             <a:endParaRPr lang="en-US"/>
           </a:p>
@@ -3757,6 +6534,575 @@
 </p:sldMaster>
 </file>
 
+<file path=ppt/slideMasters/slideMaster2.xml><?xml version="1.0" encoding="utf-8"?>
+<p:sldMaster xmlns:a="http://schemas.openxmlformats.org/drawingml/2006/main" xmlns:r="http://schemas.openxmlformats.org/officeDocument/2006/relationships" xmlns:p="http://schemas.openxmlformats.org/presentationml/2006/main">
+  <p:cSld>
+    <p:bg>
+      <p:bgRef idx="1001">
+        <a:schemeClr val="bg1"/>
+      </p:bgRef>
+    </p:bg>
+    <p:spTree>
+      <p:nvGrpSpPr>
+        <p:cNvPr id="1" name=""/>
+        <p:cNvGrpSpPr/>
+        <p:nvPr/>
+      </p:nvGrpSpPr>
+      <p:grpSpPr>
+        <a:xfrm>
+          <a:off x="0" y="0"/>
+          <a:ext cx="0" cy="0"/>
+          <a:chOff x="0" y="0"/>
+          <a:chExt cx="0" cy="0"/>
+        </a:xfrm>
+      </p:grpSpPr>
+      <p:sp>
+        <p:nvSpPr>
+          <p:cNvPr id="2" name="Title Placeholder 1">
+            <a:extLst>
+              <a:ext uri="{FF2B5EF4-FFF2-40B4-BE49-F238E27FC236}">
+                <a16:creationId xmlns:a16="http://schemas.microsoft.com/office/drawing/2014/main" id="{34BF25BD-80C8-46B9-95CE-B25E4584754E}"/>
+              </a:ext>
+            </a:extLst>
+          </p:cNvPr>
+          <p:cNvSpPr>
+            <a:spLocks noGrp="1"/>
+          </p:cNvSpPr>
+          <p:nvPr>
+            <p:ph type="title"/>
+          </p:nvPr>
+        </p:nvSpPr>
+        <p:spPr>
+          <a:xfrm>
+            <a:off x="838200" y="365125"/>
+            <a:ext cx="10515600" cy="1325563"/>
+          </a:xfrm>
+          <a:prstGeom prst="rect">
+            <a:avLst/>
+          </a:prstGeom>
+        </p:spPr>
+        <p:txBody>
+          <a:bodyPr vert="horz" lIns="91440" tIns="45720" rIns="91440" bIns="45720" rtlCol="0" anchor="ctr">
+            <a:normAutofit/>
+          </a:bodyPr>
+          <a:lstStyle/>
+          <a:p>
+            <a:r>
+              <a:rPr lang="en-US"/>
+              <a:t>Click to edit Master title style</a:t>
+            </a:r>
+          </a:p>
+        </p:txBody>
+      </p:sp>
+      <p:sp>
+        <p:nvSpPr>
+          <p:cNvPr id="3" name="Text Placeholder 2">
+            <a:extLst>
+              <a:ext uri="{FF2B5EF4-FFF2-40B4-BE49-F238E27FC236}">
+                <a16:creationId xmlns:a16="http://schemas.microsoft.com/office/drawing/2014/main" id="{E52584F4-70CB-49AB-81AC-DE437B26357F}"/>
+              </a:ext>
+            </a:extLst>
+          </p:cNvPr>
+          <p:cNvSpPr>
+            <a:spLocks noGrp="1"/>
+          </p:cNvSpPr>
+          <p:nvPr>
+            <p:ph type="body" idx="1"/>
+          </p:nvPr>
+        </p:nvSpPr>
+        <p:spPr>
+          <a:xfrm>
+            <a:off x="838200" y="1825625"/>
+            <a:ext cx="10515600" cy="4351338"/>
+          </a:xfrm>
+          <a:prstGeom prst="rect">
+            <a:avLst/>
+          </a:prstGeom>
+        </p:spPr>
+        <p:txBody>
+          <a:bodyPr vert="horz" lIns="91440" tIns="45720" rIns="91440" bIns="45720" rtlCol="0">
+            <a:normAutofit/>
+          </a:bodyPr>
+          <a:lstStyle/>
+          <a:p>
+            <a:pPr lvl="0"/>
+            <a:r>
+              <a:rPr lang="en-US"/>
+              <a:t>Edit Master text styles</a:t>
+            </a:r>
+          </a:p>
+          <a:p>
+            <a:pPr lvl="1"/>
+            <a:r>
+              <a:rPr lang="en-US"/>
+              <a:t>Second level</a:t>
+            </a:r>
+          </a:p>
+          <a:p>
+            <a:pPr lvl="2"/>
+            <a:r>
+              <a:rPr lang="en-US"/>
+              <a:t>Third level</a:t>
+            </a:r>
+          </a:p>
+          <a:p>
+            <a:pPr lvl="3"/>
+            <a:r>
+              <a:rPr lang="en-US"/>
+              <a:t>Fourth level</a:t>
+            </a:r>
+          </a:p>
+          <a:p>
+            <a:pPr lvl="4"/>
+            <a:r>
+              <a:rPr lang="en-US"/>
+              <a:t>Fifth level</a:t>
+            </a:r>
+          </a:p>
+        </p:txBody>
+      </p:sp>
+      <p:sp>
+        <p:nvSpPr>
+          <p:cNvPr id="4" name="Date Placeholder 3">
+            <a:extLst>
+              <a:ext uri="{FF2B5EF4-FFF2-40B4-BE49-F238E27FC236}">
+                <a16:creationId xmlns:a16="http://schemas.microsoft.com/office/drawing/2014/main" id="{1139194C-CF18-41E3-A550-9566C35BA8DB}"/>
+              </a:ext>
+            </a:extLst>
+          </p:cNvPr>
+          <p:cNvSpPr>
+            <a:spLocks noGrp="1"/>
+          </p:cNvSpPr>
+          <p:nvPr>
+            <p:ph type="dt" sz="half" idx="2"/>
+          </p:nvPr>
+        </p:nvSpPr>
+        <p:spPr>
+          <a:xfrm>
+            <a:off x="838200" y="6356350"/>
+            <a:ext cx="2743200" cy="365125"/>
+          </a:xfrm>
+          <a:prstGeom prst="rect">
+            <a:avLst/>
+          </a:prstGeom>
+        </p:spPr>
+        <p:txBody>
+          <a:bodyPr vert="horz" lIns="91440" tIns="45720" rIns="91440" bIns="45720" rtlCol="0" anchor="ctr"/>
+          <a:lstStyle>
+            <a:lvl1pPr algn="l">
+              <a:defRPr sz="1200">
+                <a:solidFill>
+                  <a:schemeClr val="tx1">
+                    <a:tint val="75000"/>
+                  </a:schemeClr>
+                </a:solidFill>
+              </a:defRPr>
+            </a:lvl1pPr>
+          </a:lstStyle>
+          <a:p>
+            <a:fld id="{92A397C8-E578-450D-85D0-5C62BA0C85E9}" type="datetime1">
+              <a:rPr lang="en-US" smtClean="0"/>
+              <a:t>8/22/2018</a:t>
+            </a:fld>
+            <a:endParaRPr lang="en-US"/>
+          </a:p>
+        </p:txBody>
+      </p:sp>
+      <p:sp>
+        <p:nvSpPr>
+          <p:cNvPr id="5" name="Footer Placeholder 4">
+            <a:extLst>
+              <a:ext uri="{FF2B5EF4-FFF2-40B4-BE49-F238E27FC236}">
+                <a16:creationId xmlns:a16="http://schemas.microsoft.com/office/drawing/2014/main" id="{646DA2E5-1562-417E-A12F-1607D324F404}"/>
+              </a:ext>
+            </a:extLst>
+          </p:cNvPr>
+          <p:cNvSpPr>
+            <a:spLocks noGrp="1"/>
+          </p:cNvSpPr>
+          <p:nvPr>
+            <p:ph type="ftr" sz="quarter" idx="3"/>
+          </p:nvPr>
+        </p:nvSpPr>
+        <p:spPr>
+          <a:xfrm>
+            <a:off x="4038600" y="6356350"/>
+            <a:ext cx="4114800" cy="365125"/>
+          </a:xfrm>
+          <a:prstGeom prst="rect">
+            <a:avLst/>
+          </a:prstGeom>
+        </p:spPr>
+        <p:txBody>
+          <a:bodyPr vert="horz" lIns="91440" tIns="45720" rIns="91440" bIns="45720" rtlCol="0" anchor="ctr"/>
+          <a:lstStyle>
+            <a:lvl1pPr algn="ctr">
+              <a:defRPr sz="1200">
+                <a:solidFill>
+                  <a:schemeClr val="tx1">
+                    <a:tint val="75000"/>
+                  </a:schemeClr>
+                </a:solidFill>
+              </a:defRPr>
+            </a:lvl1pPr>
+          </a:lstStyle>
+          <a:p>
+            <a:endParaRPr lang="en-US"/>
+          </a:p>
+        </p:txBody>
+      </p:sp>
+      <p:sp>
+        <p:nvSpPr>
+          <p:cNvPr id="6" name="Slide Number Placeholder 5">
+            <a:extLst>
+              <a:ext uri="{FF2B5EF4-FFF2-40B4-BE49-F238E27FC236}">
+                <a16:creationId xmlns:a16="http://schemas.microsoft.com/office/drawing/2014/main" id="{312A29B4-B40E-4216-9007-8F93EA1FC103}"/>
+              </a:ext>
+            </a:extLst>
+          </p:cNvPr>
+          <p:cNvSpPr>
+            <a:spLocks noGrp="1"/>
+          </p:cNvSpPr>
+          <p:nvPr>
+            <p:ph type="sldNum" sz="quarter" idx="4"/>
+          </p:nvPr>
+        </p:nvSpPr>
+        <p:spPr>
+          <a:xfrm>
+            <a:off x="8610600" y="6356350"/>
+            <a:ext cx="2743200" cy="365125"/>
+          </a:xfrm>
+          <a:prstGeom prst="rect">
+            <a:avLst/>
+          </a:prstGeom>
+        </p:spPr>
+        <p:txBody>
+          <a:bodyPr vert="horz" lIns="91440" tIns="45720" rIns="91440" bIns="45720" rtlCol="0" anchor="ctr"/>
+          <a:lstStyle>
+            <a:lvl1pPr algn="r">
+              <a:defRPr sz="1200">
+                <a:solidFill>
+                  <a:schemeClr val="tx1">
+                    <a:tint val="75000"/>
+                  </a:schemeClr>
+                </a:solidFill>
+              </a:defRPr>
+            </a:lvl1pPr>
+          </a:lstStyle>
+          <a:p>
+            <a:fld id="{A7AC3516-8C24-49AA-86FA-AE97094E310F}" type="slidenum">
+              <a:rPr lang="en-US" smtClean="0"/>
+              <a:t>‹#›</a:t>
+            </a:fld>
+            <a:endParaRPr lang="en-US"/>
+          </a:p>
+        </p:txBody>
+      </p:sp>
+    </p:spTree>
+    <p:extLst>
+      <p:ext uri="{BB962C8B-B14F-4D97-AF65-F5344CB8AC3E}">
+        <p14:creationId xmlns:p14="http://schemas.microsoft.com/office/powerpoint/2010/main" val="3744284580"/>
+      </p:ext>
+    </p:extLst>
+  </p:cSld>
+  <p:clrMap bg1="lt1" tx1="dk1" bg2="lt2" tx2="dk2" accent1="accent1" accent2="accent2" accent3="accent3" accent4="accent4" accent5="accent5" accent6="accent6" hlink="hlink" folHlink="folHlink"/>
+  <p:sldLayoutIdLst>
+    <p:sldLayoutId id="2147483661" r:id="rId1"/>
+    <p:sldLayoutId id="2147483662" r:id="rId2"/>
+    <p:sldLayoutId id="2147483663" r:id="rId3"/>
+    <p:sldLayoutId id="2147483664" r:id="rId4"/>
+    <p:sldLayoutId id="2147483665" r:id="rId5"/>
+    <p:sldLayoutId id="2147483666" r:id="rId6"/>
+    <p:sldLayoutId id="2147483667" r:id="rId7"/>
+    <p:sldLayoutId id="2147483668" r:id="rId8"/>
+    <p:sldLayoutId id="2147483669" r:id="rId9"/>
+    <p:sldLayoutId id="2147483670" r:id="rId10"/>
+    <p:sldLayoutId id="2147483671" r:id="rId11"/>
+  </p:sldLayoutIdLst>
+  <p:hf hdr="0" ftr="0" dt="0"/>
+  <p:txStyles>
+    <p:titleStyle>
+      <a:lvl1pPr algn="l" defTabSz="914400" rtl="0" eaLnBrk="1" latinLnBrk="0" hangingPunct="1">
+        <a:lnSpc>
+          <a:spcPct val="90000"/>
+        </a:lnSpc>
+        <a:spcBef>
+          <a:spcPct val="0"/>
+        </a:spcBef>
+        <a:buNone/>
+        <a:defRPr sz="4400" kern="1200">
+          <a:solidFill>
+            <a:schemeClr val="tx1"/>
+          </a:solidFill>
+          <a:latin typeface="+mj-lt"/>
+          <a:ea typeface="+mj-ea"/>
+          <a:cs typeface="+mj-cs"/>
+        </a:defRPr>
+      </a:lvl1pPr>
+    </p:titleStyle>
+    <p:bodyStyle>
+      <a:lvl1pPr marL="228600" indent="-228600" algn="l" defTabSz="914400" rtl="0" eaLnBrk="1" latinLnBrk="0" hangingPunct="1">
+        <a:lnSpc>
+          <a:spcPct val="90000"/>
+        </a:lnSpc>
+        <a:spcBef>
+          <a:spcPts val="1000"/>
+        </a:spcBef>
+        <a:buFont typeface="Arial" panose="020B0604020202020204" pitchFamily="34" charset="0"/>
+        <a:buChar char="•"/>
+        <a:defRPr sz="2800" kern="1200">
+          <a:solidFill>
+            <a:schemeClr val="tx1"/>
+          </a:solidFill>
+          <a:latin typeface="+mn-lt"/>
+          <a:ea typeface="+mn-ea"/>
+          <a:cs typeface="+mn-cs"/>
+        </a:defRPr>
+      </a:lvl1pPr>
+      <a:lvl2pPr marL="685800" indent="-228600" algn="l" defTabSz="914400" rtl="0" eaLnBrk="1" latinLnBrk="0" hangingPunct="1">
+        <a:lnSpc>
+          <a:spcPct val="90000"/>
+        </a:lnSpc>
+        <a:spcBef>
+          <a:spcPts val="500"/>
+        </a:spcBef>
+        <a:buFont typeface="Arial" panose="020B0604020202020204" pitchFamily="34" charset="0"/>
+        <a:buChar char="•"/>
+        <a:defRPr sz="2400" kern="1200">
+          <a:solidFill>
+            <a:schemeClr val="tx1"/>
+          </a:solidFill>
+          <a:latin typeface="+mn-lt"/>
+          <a:ea typeface="+mn-ea"/>
+          <a:cs typeface="+mn-cs"/>
+        </a:defRPr>
+      </a:lvl2pPr>
+      <a:lvl3pPr marL="1143000" indent="-228600" algn="l" defTabSz="914400" rtl="0" eaLnBrk="1" latinLnBrk="0" hangingPunct="1">
+        <a:lnSpc>
+          <a:spcPct val="90000"/>
+        </a:lnSpc>
+        <a:spcBef>
+          <a:spcPts val="500"/>
+        </a:spcBef>
+        <a:buFont typeface="Arial" panose="020B0604020202020204" pitchFamily="34" charset="0"/>
+        <a:buChar char="•"/>
+        <a:defRPr sz="2000" kern="1200">
+          <a:solidFill>
+            <a:schemeClr val="tx1"/>
+          </a:solidFill>
+          <a:latin typeface="+mn-lt"/>
+          <a:ea typeface="+mn-ea"/>
+          <a:cs typeface="+mn-cs"/>
+        </a:defRPr>
+      </a:lvl3pPr>
+      <a:lvl4pPr marL="1600200" indent="-228600" algn="l" defTabSz="914400" rtl="0" eaLnBrk="1" latinLnBrk="0" hangingPunct="1">
+        <a:lnSpc>
+          <a:spcPct val="90000"/>
+        </a:lnSpc>
+        <a:spcBef>
+          <a:spcPts val="500"/>
+        </a:spcBef>
+        <a:buFont typeface="Arial" panose="020B0604020202020204" pitchFamily="34" charset="0"/>
+        <a:buChar char="•"/>
+        <a:defRPr sz="1800" kern="1200">
+          <a:solidFill>
+            <a:schemeClr val="tx1"/>
+          </a:solidFill>
+          <a:latin typeface="+mn-lt"/>
+          <a:ea typeface="+mn-ea"/>
+          <a:cs typeface="+mn-cs"/>
+        </a:defRPr>
+      </a:lvl4pPr>
+      <a:lvl5pPr marL="2057400" indent="-228600" algn="l" defTabSz="914400" rtl="0" eaLnBrk="1" latinLnBrk="0" hangingPunct="1">
+        <a:lnSpc>
+          <a:spcPct val="90000"/>
+        </a:lnSpc>
+        <a:spcBef>
+          <a:spcPts val="500"/>
+        </a:spcBef>
+        <a:buFont typeface="Arial" panose="020B0604020202020204" pitchFamily="34" charset="0"/>
+        <a:buChar char="•"/>
+        <a:defRPr sz="1800" kern="1200">
+          <a:solidFill>
+            <a:schemeClr val="tx1"/>
+          </a:solidFill>
+          <a:latin typeface="+mn-lt"/>
+          <a:ea typeface="+mn-ea"/>
+          <a:cs typeface="+mn-cs"/>
+        </a:defRPr>
+      </a:lvl5pPr>
+      <a:lvl6pPr marL="2514600" indent="-228600" algn="l" defTabSz="914400" rtl="0" eaLnBrk="1" latinLnBrk="0" hangingPunct="1">
+        <a:lnSpc>
+          <a:spcPct val="90000"/>
+        </a:lnSpc>
+        <a:spcBef>
+          <a:spcPts val="500"/>
+        </a:spcBef>
+        <a:buFont typeface="Arial" panose="020B0604020202020204" pitchFamily="34" charset="0"/>
+        <a:buChar char="•"/>
+        <a:defRPr sz="1800" kern="1200">
+          <a:solidFill>
+            <a:schemeClr val="tx1"/>
+          </a:solidFill>
+          <a:latin typeface="+mn-lt"/>
+          <a:ea typeface="+mn-ea"/>
+          <a:cs typeface="+mn-cs"/>
+        </a:defRPr>
+      </a:lvl6pPr>
+      <a:lvl7pPr marL="2971800" indent="-228600" algn="l" defTabSz="914400" rtl="0" eaLnBrk="1" latinLnBrk="0" hangingPunct="1">
+        <a:lnSpc>
+          <a:spcPct val="90000"/>
+        </a:lnSpc>
+        <a:spcBef>
+          <a:spcPts val="500"/>
+        </a:spcBef>
+        <a:buFont typeface="Arial" panose="020B0604020202020204" pitchFamily="34" charset="0"/>
+        <a:buChar char="•"/>
+        <a:defRPr sz="1800" kern="1200">
+          <a:solidFill>
+            <a:schemeClr val="tx1"/>
+          </a:solidFill>
+          <a:latin typeface="+mn-lt"/>
+          <a:ea typeface="+mn-ea"/>
+          <a:cs typeface="+mn-cs"/>
+        </a:defRPr>
+      </a:lvl7pPr>
+      <a:lvl8pPr marL="3429000" indent="-228600" algn="l" defTabSz="914400" rtl="0" eaLnBrk="1" latinLnBrk="0" hangingPunct="1">
+        <a:lnSpc>
+          <a:spcPct val="90000"/>
+        </a:lnSpc>
+        <a:spcBef>
+          <a:spcPts val="500"/>
+        </a:spcBef>
+        <a:buFont typeface="Arial" panose="020B0604020202020204" pitchFamily="34" charset="0"/>
+        <a:buChar char="•"/>
+        <a:defRPr sz="1800" kern="1200">
+          <a:solidFill>
+            <a:schemeClr val="tx1"/>
+          </a:solidFill>
+          <a:latin typeface="+mn-lt"/>
+          <a:ea typeface="+mn-ea"/>
+          <a:cs typeface="+mn-cs"/>
+        </a:defRPr>
+      </a:lvl8pPr>
+      <a:lvl9pPr marL="3886200" indent="-228600" algn="l" defTabSz="914400" rtl="0" eaLnBrk="1" latinLnBrk="0" hangingPunct="1">
+        <a:lnSpc>
+          <a:spcPct val="90000"/>
+        </a:lnSpc>
+        <a:spcBef>
+          <a:spcPts val="500"/>
+        </a:spcBef>
+        <a:buFont typeface="Arial" panose="020B0604020202020204" pitchFamily="34" charset="0"/>
+        <a:buChar char="•"/>
+        <a:defRPr sz="1800" kern="1200">
+          <a:solidFill>
+            <a:schemeClr val="tx1"/>
+          </a:solidFill>
+          <a:latin typeface="+mn-lt"/>
+          <a:ea typeface="+mn-ea"/>
+          <a:cs typeface="+mn-cs"/>
+        </a:defRPr>
+      </a:lvl9pPr>
+    </p:bodyStyle>
+    <p:otherStyle>
+      <a:defPPr>
+        <a:defRPr lang="en-US"/>
+      </a:defPPr>
+      <a:lvl1pPr marL="0" algn="l" defTabSz="914400" rtl="0" eaLnBrk="1" latinLnBrk="0" hangingPunct="1">
+        <a:defRPr sz="1800" kern="1200">
+          <a:solidFill>
+            <a:schemeClr val="tx1"/>
+          </a:solidFill>
+          <a:latin typeface="+mn-lt"/>
+          <a:ea typeface="+mn-ea"/>
+          <a:cs typeface="+mn-cs"/>
+        </a:defRPr>
+      </a:lvl1pPr>
+      <a:lvl2pPr marL="457200" algn="l" defTabSz="914400" rtl="0" eaLnBrk="1" latinLnBrk="0" hangingPunct="1">
+        <a:defRPr sz="1800" kern="1200">
+          <a:solidFill>
+            <a:schemeClr val="tx1"/>
+          </a:solidFill>
+          <a:latin typeface="+mn-lt"/>
+          <a:ea typeface="+mn-ea"/>
+          <a:cs typeface="+mn-cs"/>
+        </a:defRPr>
+      </a:lvl2pPr>
+      <a:lvl3pPr marL="914400" algn="l" defTabSz="914400" rtl="0" eaLnBrk="1" latinLnBrk="0" hangingPunct="1">
+        <a:defRPr sz="1800" kern="1200">
+          <a:solidFill>
+            <a:schemeClr val="tx1"/>
+          </a:solidFill>
+          <a:latin typeface="+mn-lt"/>
+          <a:ea typeface="+mn-ea"/>
+          <a:cs typeface="+mn-cs"/>
+        </a:defRPr>
+      </a:lvl3pPr>
+      <a:lvl4pPr marL="1371600" algn="l" defTabSz="914400" rtl="0" eaLnBrk="1" latinLnBrk="0" hangingPunct="1">
+        <a:defRPr sz="1800" kern="1200">
+          <a:solidFill>
+            <a:schemeClr val="tx1"/>
+          </a:solidFill>
+          <a:latin typeface="+mn-lt"/>
+          <a:ea typeface="+mn-ea"/>
+          <a:cs typeface="+mn-cs"/>
+        </a:defRPr>
+      </a:lvl4pPr>
+      <a:lvl5pPr marL="1828800" algn="l" defTabSz="914400" rtl="0" eaLnBrk="1" latinLnBrk="0" hangingPunct="1">
+        <a:defRPr sz="1800" kern="1200">
+          <a:solidFill>
+            <a:schemeClr val="tx1"/>
+          </a:solidFill>
+          <a:latin typeface="+mn-lt"/>
+          <a:ea typeface="+mn-ea"/>
+          <a:cs typeface="+mn-cs"/>
+        </a:defRPr>
+      </a:lvl5pPr>
+      <a:lvl6pPr marL="2286000" algn="l" defTabSz="914400" rtl="0" eaLnBrk="1" latinLnBrk="0" hangingPunct="1">
+        <a:defRPr sz="1800" kern="1200">
+          <a:solidFill>
+            <a:schemeClr val="tx1"/>
+          </a:solidFill>
+          <a:latin typeface="+mn-lt"/>
+          <a:ea typeface="+mn-ea"/>
+          <a:cs typeface="+mn-cs"/>
+        </a:defRPr>
+      </a:lvl6pPr>
+      <a:lvl7pPr marL="2743200" algn="l" defTabSz="914400" rtl="0" eaLnBrk="1" latinLnBrk="0" hangingPunct="1">
+        <a:defRPr sz="1800" kern="1200">
+          <a:solidFill>
+            <a:schemeClr val="tx1"/>
+          </a:solidFill>
+          <a:latin typeface="+mn-lt"/>
+          <a:ea typeface="+mn-ea"/>
+          <a:cs typeface="+mn-cs"/>
+        </a:defRPr>
+      </a:lvl7pPr>
+      <a:lvl8pPr marL="3200400" algn="l" defTabSz="914400" rtl="0" eaLnBrk="1" latinLnBrk="0" hangingPunct="1">
+        <a:defRPr sz="1800" kern="1200">
+          <a:solidFill>
+            <a:schemeClr val="tx1"/>
+          </a:solidFill>
+          <a:latin typeface="+mn-lt"/>
+          <a:ea typeface="+mn-ea"/>
+          <a:cs typeface="+mn-cs"/>
+        </a:defRPr>
+      </a:lvl8pPr>
+      <a:lvl9pPr marL="3657600" algn="l" defTabSz="914400" rtl="0" eaLnBrk="1" latinLnBrk="0" hangingPunct="1">
+        <a:defRPr sz="1800" kern="1200">
+          <a:solidFill>
+            <a:schemeClr val="tx1"/>
+          </a:solidFill>
+          <a:latin typeface="+mn-lt"/>
+          <a:ea typeface="+mn-ea"/>
+          <a:cs typeface="+mn-cs"/>
+        </a:defRPr>
+      </a:lvl9pPr>
+    </p:otherStyle>
+  </p:txStyles>
+</p:sldMaster>
+</file>
+
 <file path=ppt/slides/slide1.xml><?xml version="1.0" encoding="utf-8"?>
 <p:sld xmlns:a="http://schemas.openxmlformats.org/drawingml/2006/main" xmlns:r="http://schemas.openxmlformats.org/officeDocument/2006/relationships" xmlns:p="http://schemas.openxmlformats.org/presentationml/2006/main">
   <p:cSld>
@@ -8313,10 +11659,3407 @@
       </p:grpSpPr>
       <p:sp>
         <p:nvSpPr>
-          <p:cNvPr id="2" name="Title 1">
-            <a:extLst>
-              <a:ext uri="{FF2B5EF4-FFF2-40B4-BE49-F238E27FC236}">
-                <a16:creationId xmlns:a16="http://schemas.microsoft.com/office/drawing/2014/main" id="{3F250399-4992-4CA1-A519-1027FDFA817D}"/>
+          <p:cNvPr id="57" name="Rectangle 56">
+            <a:extLst>
+              <a:ext uri="{FF2B5EF4-FFF2-40B4-BE49-F238E27FC236}">
+                <a16:creationId xmlns:a16="http://schemas.microsoft.com/office/drawing/2014/main" id="{E3829A49-BA57-46EE-81C2-67447503450A}"/>
+              </a:ext>
+            </a:extLst>
+          </p:cNvPr>
+          <p:cNvSpPr/>
+          <p:nvPr/>
+        </p:nvSpPr>
+        <p:spPr>
+          <a:xfrm>
+            <a:off x="2499600" y="3144058"/>
+            <a:ext cx="7091979" cy="2399137"/>
+          </a:xfrm>
+          <a:prstGeom prst="rect">
+            <a:avLst/>
+          </a:prstGeom>
+          <a:solidFill>
+            <a:schemeClr val="accent1">
+              <a:lumMod val="20000"/>
+              <a:lumOff val="80000"/>
+            </a:schemeClr>
+          </a:solidFill>
+          <a:ln>
+            <a:noFill/>
+          </a:ln>
+        </p:spPr>
+        <p:style>
+          <a:lnRef idx="2">
+            <a:schemeClr val="accent1">
+              <a:shade val="50000"/>
+            </a:schemeClr>
+          </a:lnRef>
+          <a:fillRef idx="1">
+            <a:schemeClr val="accent1"/>
+          </a:fillRef>
+          <a:effectRef idx="0">
+            <a:schemeClr val="accent1"/>
+          </a:effectRef>
+          <a:fontRef idx="minor">
+            <a:schemeClr val="lt1"/>
+          </a:fontRef>
+        </p:style>
+        <p:txBody>
+          <a:bodyPr rtlCol="0" anchor="ctr"/>
+          <a:lstStyle/>
+          <a:p>
+            <a:pPr marL="0" marR="0" lvl="0" indent="0" algn="ctr" defTabSz="914400" rtl="0" eaLnBrk="1" fontAlgn="auto" latinLnBrk="0" hangingPunct="1">
+              <a:lnSpc>
+                <a:spcPct val="100000"/>
+              </a:lnSpc>
+              <a:spcBef>
+                <a:spcPts val="0"/>
+              </a:spcBef>
+              <a:spcAft>
+                <a:spcPts val="0"/>
+              </a:spcAft>
+              <a:buClrTx/>
+              <a:buSzTx/>
+              <a:buFontTx/>
+              <a:buNone/>
+              <a:tabLst/>
+              <a:defRPr/>
+            </a:pPr>
+            <a:endParaRPr kumimoji="0" lang="en-US" sz="1800" b="0" i="0" u="none" strike="noStrike" kern="1200" cap="none" spc="0" normalizeH="0" baseline="0" noProof="0">
+              <a:ln>
+                <a:noFill/>
+              </a:ln>
+              <a:solidFill>
+                <a:prstClr val="white"/>
+              </a:solidFill>
+              <a:effectLst/>
+              <a:uLnTx/>
+              <a:uFillTx/>
+              <a:latin typeface="Calibri" panose="020F0502020204030204"/>
+              <a:ea typeface="+mn-ea"/>
+              <a:cs typeface="+mn-cs"/>
+            </a:endParaRPr>
+          </a:p>
+        </p:txBody>
+      </p:sp>
+      <p:sp>
+        <p:nvSpPr>
+          <p:cNvPr id="58" name="TextBox 57">
+            <a:extLst>
+              <a:ext uri="{FF2B5EF4-FFF2-40B4-BE49-F238E27FC236}">
+                <a16:creationId xmlns:a16="http://schemas.microsoft.com/office/drawing/2014/main" id="{BEBDE184-B25B-4890-A3D0-95115521C027}"/>
+              </a:ext>
+            </a:extLst>
+          </p:cNvPr>
+          <p:cNvSpPr txBox="1"/>
+          <p:nvPr/>
+        </p:nvSpPr>
+        <p:spPr>
+          <a:xfrm>
+            <a:off x="3898534" y="3976180"/>
+            <a:ext cx="1079766" cy="523220"/>
+          </a:xfrm>
+          <a:prstGeom prst="rect">
+            <a:avLst/>
+          </a:prstGeom>
+          <a:noFill/>
+        </p:spPr>
+        <p:txBody>
+          <a:bodyPr wrap="square" rtlCol="0">
+            <a:spAutoFit/>
+          </a:bodyPr>
+          <a:lstStyle/>
+          <a:p>
+            <a:pPr marL="0" marR="0" lvl="0" indent="0" algn="l" defTabSz="914400" rtl="0" eaLnBrk="1" fontAlgn="auto" latinLnBrk="0" hangingPunct="1">
+              <a:lnSpc>
+                <a:spcPct val="100000"/>
+              </a:lnSpc>
+              <a:spcBef>
+                <a:spcPts val="0"/>
+              </a:spcBef>
+              <a:spcAft>
+                <a:spcPts val="0"/>
+              </a:spcAft>
+              <a:buClrTx/>
+              <a:buSzTx/>
+              <a:buFontTx/>
+              <a:buNone/>
+              <a:tabLst/>
+              <a:defRPr/>
+            </a:pPr>
+            <a:r>
+              <a:rPr kumimoji="0" lang="el-GR" sz="2800" b="0" i="0" u="none" strike="noStrike" kern="1200" cap="none" spc="0" normalizeH="0" baseline="0" noProof="0" dirty="0">
+                <a:ln>
+                  <a:noFill/>
+                </a:ln>
+                <a:solidFill>
+                  <a:prstClr val="black"/>
+                </a:solidFill>
+                <a:effectLst/>
+                <a:uLnTx/>
+                <a:uFillTx/>
+                <a:latin typeface="Calibri" panose="020F0502020204030204"/>
+                <a:ea typeface="+mn-ea"/>
+                <a:cs typeface="+mn-cs"/>
+              </a:rPr>
+              <a:t>ε</a:t>
+            </a:r>
+            <a:r>
+              <a:rPr kumimoji="0" lang="en-US" sz="2800" b="0" i="0" u="none" strike="noStrike" kern="1200" cap="none" spc="0" normalizeH="0" baseline="-25000" noProof="0" dirty="0">
+                <a:ln>
+                  <a:noFill/>
+                </a:ln>
+                <a:solidFill>
+                  <a:prstClr val="black"/>
+                </a:solidFill>
+                <a:effectLst/>
+                <a:uLnTx/>
+                <a:uFillTx/>
+                <a:latin typeface="Calibri" panose="020F0502020204030204"/>
+                <a:ea typeface="+mn-ea"/>
+                <a:cs typeface="+mn-cs"/>
+              </a:rPr>
+              <a:t>2</a:t>
+            </a:r>
+          </a:p>
+        </p:txBody>
+      </p:sp>
+      <p:sp>
+        <p:nvSpPr>
+          <p:cNvPr id="4" name="Rectangle 3">
+            <a:extLst>
+              <a:ext uri="{FF2B5EF4-FFF2-40B4-BE49-F238E27FC236}">
+                <a16:creationId xmlns:a16="http://schemas.microsoft.com/office/drawing/2014/main" id="{F05BDFA2-26B4-485C-A977-4EAD17105799}"/>
+              </a:ext>
+            </a:extLst>
+          </p:cNvPr>
+          <p:cNvSpPr/>
+          <p:nvPr/>
+        </p:nvSpPr>
+        <p:spPr>
+          <a:xfrm>
+            <a:off x="2499600" y="5551529"/>
+            <a:ext cx="7092000" cy="771442"/>
+          </a:xfrm>
+          <a:prstGeom prst="rect">
+            <a:avLst/>
+          </a:prstGeom>
+          <a:solidFill>
+            <a:schemeClr val="bg1">
+              <a:lumMod val="75000"/>
+            </a:schemeClr>
+          </a:solidFill>
+          <a:ln>
+            <a:solidFill>
+              <a:schemeClr val="bg1">
+                <a:lumMod val="75000"/>
+              </a:schemeClr>
+            </a:solidFill>
+          </a:ln>
+        </p:spPr>
+        <p:style>
+          <a:lnRef idx="2">
+            <a:schemeClr val="accent1">
+              <a:shade val="50000"/>
+            </a:schemeClr>
+          </a:lnRef>
+          <a:fillRef idx="1">
+            <a:schemeClr val="accent1"/>
+          </a:fillRef>
+          <a:effectRef idx="0">
+            <a:schemeClr val="accent1"/>
+          </a:effectRef>
+          <a:fontRef idx="minor">
+            <a:schemeClr val="lt1"/>
+          </a:fontRef>
+        </p:style>
+        <p:txBody>
+          <a:bodyPr rtlCol="0" anchor="ctr"/>
+          <a:lstStyle/>
+          <a:p>
+            <a:pPr marL="0" marR="0" lvl="0" indent="0" algn="ctr" defTabSz="914400" rtl="0" eaLnBrk="1" fontAlgn="auto" latinLnBrk="0" hangingPunct="1">
+              <a:lnSpc>
+                <a:spcPct val="100000"/>
+              </a:lnSpc>
+              <a:spcBef>
+                <a:spcPts val="0"/>
+              </a:spcBef>
+              <a:spcAft>
+                <a:spcPts val="0"/>
+              </a:spcAft>
+              <a:buClrTx/>
+              <a:buSzTx/>
+              <a:buFontTx/>
+              <a:buNone/>
+              <a:tabLst/>
+              <a:defRPr/>
+            </a:pPr>
+            <a:endParaRPr kumimoji="0" lang="en-US" sz="1800" b="0" i="0" u="none" strike="noStrike" kern="1200" cap="none" spc="0" normalizeH="0" baseline="0" noProof="0">
+              <a:ln>
+                <a:noFill/>
+              </a:ln>
+              <a:solidFill>
+                <a:prstClr val="white"/>
+              </a:solidFill>
+              <a:effectLst/>
+              <a:uLnTx/>
+              <a:uFillTx/>
+              <a:latin typeface="Calibri" panose="020F0502020204030204"/>
+              <a:ea typeface="+mn-ea"/>
+              <a:cs typeface="+mn-cs"/>
+            </a:endParaRPr>
+          </a:p>
+        </p:txBody>
+      </p:sp>
+      <p:sp>
+        <p:nvSpPr>
+          <p:cNvPr id="13" name="TextBox 12">
+            <a:extLst>
+              <a:ext uri="{FF2B5EF4-FFF2-40B4-BE49-F238E27FC236}">
+                <a16:creationId xmlns:a16="http://schemas.microsoft.com/office/drawing/2014/main" id="{C4F0A200-F001-48F2-BEC3-2B74CFF9D2CC}"/>
+              </a:ext>
+            </a:extLst>
+          </p:cNvPr>
+          <p:cNvSpPr txBox="1"/>
+          <p:nvPr/>
+        </p:nvSpPr>
+        <p:spPr>
+          <a:xfrm>
+            <a:off x="9884185" y="2805672"/>
+            <a:ext cx="1260679" cy="523220"/>
+          </a:xfrm>
+          <a:prstGeom prst="rect">
+            <a:avLst/>
+          </a:prstGeom>
+          <a:noFill/>
+        </p:spPr>
+        <p:txBody>
+          <a:bodyPr wrap="square" rtlCol="0">
+            <a:spAutoFit/>
+          </a:bodyPr>
+          <a:lstStyle/>
+          <a:p>
+            <a:pPr marL="0" marR="0" lvl="0" indent="0" algn="l" defTabSz="914400" rtl="0" eaLnBrk="1" fontAlgn="auto" latinLnBrk="0" hangingPunct="1">
+              <a:lnSpc>
+                <a:spcPct val="100000"/>
+              </a:lnSpc>
+              <a:spcBef>
+                <a:spcPts val="0"/>
+              </a:spcBef>
+              <a:spcAft>
+                <a:spcPts val="0"/>
+              </a:spcAft>
+              <a:buClrTx/>
+              <a:buSzTx/>
+              <a:buFontTx/>
+              <a:buNone/>
+              <a:tabLst/>
+              <a:defRPr/>
+            </a:pPr>
+            <a:r>
+              <a:rPr kumimoji="0" lang="en-US" sz="2800" b="0" i="0" u="none" strike="noStrike" kern="1200" cap="none" spc="0" normalizeH="0" baseline="0" noProof="0" dirty="0">
+                <a:ln>
+                  <a:noFill/>
+                </a:ln>
+                <a:solidFill>
+                  <a:prstClr val="black"/>
+                </a:solidFill>
+                <a:effectLst/>
+                <a:uLnTx/>
+                <a:uFillTx/>
+                <a:latin typeface="Calibri" panose="020F0502020204030204"/>
+                <a:ea typeface="+mn-ea"/>
+                <a:cs typeface="+mn-cs"/>
+              </a:rPr>
+              <a:t>BLG</a:t>
+            </a:r>
+          </a:p>
+        </p:txBody>
+      </p:sp>
+      <p:cxnSp>
+        <p:nvCxnSpPr>
+          <p:cNvPr id="20" name="Straight Connector 19">
+            <a:extLst>
+              <a:ext uri="{FF2B5EF4-FFF2-40B4-BE49-F238E27FC236}">
+                <a16:creationId xmlns:a16="http://schemas.microsoft.com/office/drawing/2014/main" id="{950A0D7B-13C5-438F-AA58-369CF39E214D}"/>
+              </a:ext>
+            </a:extLst>
+          </p:cNvPr>
+          <p:cNvCxnSpPr>
+            <a:cxnSpLocks/>
+            <a:endCxn id="42" idx="1"/>
+          </p:cNvCxnSpPr>
+          <p:nvPr/>
+        </p:nvCxnSpPr>
+        <p:spPr>
+          <a:xfrm flipV="1">
+            <a:off x="455515" y="3030312"/>
+            <a:ext cx="2044084" cy="37224"/>
+          </a:xfrm>
+          <a:prstGeom prst="line">
+            <a:avLst/>
+          </a:prstGeom>
+          <a:ln w="57150">
+            <a:solidFill>
+              <a:schemeClr val="tx1"/>
+            </a:solidFill>
+          </a:ln>
+        </p:spPr>
+        <p:style>
+          <a:lnRef idx="1">
+            <a:schemeClr val="accent1"/>
+          </a:lnRef>
+          <a:fillRef idx="0">
+            <a:schemeClr val="accent1"/>
+          </a:fillRef>
+          <a:effectRef idx="0">
+            <a:schemeClr val="accent1"/>
+          </a:effectRef>
+          <a:fontRef idx="minor">
+            <a:schemeClr val="tx1"/>
+          </a:fontRef>
+        </p:style>
+      </p:cxnSp>
+      <p:cxnSp>
+        <p:nvCxnSpPr>
+          <p:cNvPr id="22" name="Straight Connector 21">
+            <a:extLst>
+              <a:ext uri="{FF2B5EF4-FFF2-40B4-BE49-F238E27FC236}">
+                <a16:creationId xmlns:a16="http://schemas.microsoft.com/office/drawing/2014/main" id="{5AD645F0-A2E3-4126-B205-659725B4430A}"/>
+              </a:ext>
+            </a:extLst>
+          </p:cNvPr>
+          <p:cNvCxnSpPr>
+            <a:cxnSpLocks/>
+          </p:cNvCxnSpPr>
+          <p:nvPr/>
+        </p:nvCxnSpPr>
+        <p:spPr>
+          <a:xfrm>
+            <a:off x="1047135" y="1429966"/>
+            <a:ext cx="0" cy="3782834"/>
+          </a:xfrm>
+          <a:prstGeom prst="line">
+            <a:avLst/>
+          </a:prstGeom>
+          <a:ln w="57150">
+            <a:solidFill>
+              <a:schemeClr val="tx1"/>
+            </a:solidFill>
+          </a:ln>
+        </p:spPr>
+        <p:style>
+          <a:lnRef idx="1">
+            <a:schemeClr val="accent1"/>
+          </a:lnRef>
+          <a:fillRef idx="0">
+            <a:schemeClr val="accent1"/>
+          </a:fillRef>
+          <a:effectRef idx="0">
+            <a:schemeClr val="accent1"/>
+          </a:effectRef>
+          <a:fontRef idx="minor">
+            <a:schemeClr val="tx1"/>
+          </a:fontRef>
+        </p:style>
+      </p:cxnSp>
+      <p:cxnSp>
+        <p:nvCxnSpPr>
+          <p:cNvPr id="23" name="Straight Connector 22">
+            <a:extLst>
+              <a:ext uri="{FF2B5EF4-FFF2-40B4-BE49-F238E27FC236}">
+                <a16:creationId xmlns:a16="http://schemas.microsoft.com/office/drawing/2014/main" id="{1C38E6AC-7402-40FD-AA78-16087056B83F}"/>
+              </a:ext>
+            </a:extLst>
+          </p:cNvPr>
+          <p:cNvCxnSpPr/>
+          <p:nvPr/>
+        </p:nvCxnSpPr>
+        <p:spPr>
+          <a:xfrm>
+            <a:off x="1047135" y="6040485"/>
+            <a:ext cx="1452465" cy="0"/>
+          </a:xfrm>
+          <a:prstGeom prst="line">
+            <a:avLst/>
+          </a:prstGeom>
+          <a:ln w="57150">
+            <a:solidFill>
+              <a:schemeClr val="tx1"/>
+            </a:solidFill>
+          </a:ln>
+        </p:spPr>
+        <p:style>
+          <a:lnRef idx="1">
+            <a:schemeClr val="accent1"/>
+          </a:lnRef>
+          <a:fillRef idx="0">
+            <a:schemeClr val="accent1"/>
+          </a:fillRef>
+          <a:effectRef idx="0">
+            <a:schemeClr val="accent1"/>
+          </a:effectRef>
+          <a:fontRef idx="minor">
+            <a:schemeClr val="tx1"/>
+          </a:fontRef>
+        </p:style>
+      </p:cxnSp>
+      <p:cxnSp>
+        <p:nvCxnSpPr>
+          <p:cNvPr id="24" name="Straight Connector 23">
+            <a:extLst>
+              <a:ext uri="{FF2B5EF4-FFF2-40B4-BE49-F238E27FC236}">
+                <a16:creationId xmlns:a16="http://schemas.microsoft.com/office/drawing/2014/main" id="{1F105234-3498-4025-A5FC-DBF10D93B3FC}"/>
+              </a:ext>
+            </a:extLst>
+          </p:cNvPr>
+          <p:cNvCxnSpPr>
+            <a:cxnSpLocks/>
+          </p:cNvCxnSpPr>
+          <p:nvPr/>
+        </p:nvCxnSpPr>
+        <p:spPr>
+          <a:xfrm>
+            <a:off x="453830" y="3039890"/>
+            <a:ext cx="0" cy="598979"/>
+          </a:xfrm>
+          <a:prstGeom prst="line">
+            <a:avLst/>
+          </a:prstGeom>
+          <a:ln w="57150">
+            <a:solidFill>
+              <a:schemeClr val="tx1"/>
+            </a:solidFill>
+          </a:ln>
+        </p:spPr>
+        <p:style>
+          <a:lnRef idx="1">
+            <a:schemeClr val="accent1"/>
+          </a:lnRef>
+          <a:fillRef idx="0">
+            <a:schemeClr val="accent1"/>
+          </a:fillRef>
+          <a:effectRef idx="0">
+            <a:schemeClr val="accent1"/>
+          </a:effectRef>
+          <a:fontRef idx="minor">
+            <a:schemeClr val="tx1"/>
+          </a:fontRef>
+        </p:style>
+      </p:cxnSp>
+      <p:cxnSp>
+        <p:nvCxnSpPr>
+          <p:cNvPr id="25" name="Straight Connector 24">
+            <a:extLst>
+              <a:ext uri="{FF2B5EF4-FFF2-40B4-BE49-F238E27FC236}">
+                <a16:creationId xmlns:a16="http://schemas.microsoft.com/office/drawing/2014/main" id="{34397CD5-D56B-4620-86C4-886D4F1830EC}"/>
+              </a:ext>
+            </a:extLst>
+          </p:cNvPr>
+          <p:cNvCxnSpPr>
+            <a:cxnSpLocks/>
+          </p:cNvCxnSpPr>
+          <p:nvPr/>
+        </p:nvCxnSpPr>
+        <p:spPr>
+          <a:xfrm>
+            <a:off x="125927" y="3631995"/>
+            <a:ext cx="644568" cy="0"/>
+          </a:xfrm>
+          <a:prstGeom prst="line">
+            <a:avLst/>
+          </a:prstGeom>
+          <a:ln w="57150">
+            <a:solidFill>
+              <a:schemeClr val="tx1"/>
+            </a:solidFill>
+          </a:ln>
+        </p:spPr>
+        <p:style>
+          <a:lnRef idx="1">
+            <a:schemeClr val="accent1"/>
+          </a:lnRef>
+          <a:fillRef idx="0">
+            <a:schemeClr val="accent1"/>
+          </a:fillRef>
+          <a:effectRef idx="0">
+            <a:schemeClr val="accent1"/>
+          </a:effectRef>
+          <a:fontRef idx="minor">
+            <a:schemeClr val="tx1"/>
+          </a:fontRef>
+        </p:style>
+      </p:cxnSp>
+      <p:cxnSp>
+        <p:nvCxnSpPr>
+          <p:cNvPr id="26" name="Straight Connector 25">
+            <a:extLst>
+              <a:ext uri="{FF2B5EF4-FFF2-40B4-BE49-F238E27FC236}">
+                <a16:creationId xmlns:a16="http://schemas.microsoft.com/office/drawing/2014/main" id="{B07EDAFB-A61F-4A9D-B900-A407EA644424}"/>
+              </a:ext>
+            </a:extLst>
+          </p:cNvPr>
+          <p:cNvCxnSpPr>
+            <a:cxnSpLocks/>
+          </p:cNvCxnSpPr>
+          <p:nvPr/>
+        </p:nvCxnSpPr>
+        <p:spPr>
+          <a:xfrm>
+            <a:off x="273997" y="3730180"/>
+            <a:ext cx="359665" cy="0"/>
+          </a:xfrm>
+          <a:prstGeom prst="line">
+            <a:avLst/>
+          </a:prstGeom>
+          <a:ln w="57150">
+            <a:solidFill>
+              <a:schemeClr val="tx1"/>
+            </a:solidFill>
+          </a:ln>
+        </p:spPr>
+        <p:style>
+          <a:lnRef idx="1">
+            <a:schemeClr val="accent1"/>
+          </a:lnRef>
+          <a:fillRef idx="0">
+            <a:schemeClr val="accent1"/>
+          </a:fillRef>
+          <a:effectRef idx="0">
+            <a:schemeClr val="accent1"/>
+          </a:effectRef>
+          <a:fontRef idx="minor">
+            <a:schemeClr val="tx1"/>
+          </a:fontRef>
+        </p:style>
+      </p:cxnSp>
+      <p:cxnSp>
+        <p:nvCxnSpPr>
+          <p:cNvPr id="27" name="Straight Connector 26">
+            <a:extLst>
+              <a:ext uri="{FF2B5EF4-FFF2-40B4-BE49-F238E27FC236}">
+                <a16:creationId xmlns:a16="http://schemas.microsoft.com/office/drawing/2014/main" id="{5B4BA0CA-3884-4BC9-AA85-AEE3ACD25616}"/>
+              </a:ext>
+            </a:extLst>
+          </p:cNvPr>
+          <p:cNvCxnSpPr>
+            <a:cxnSpLocks/>
+          </p:cNvCxnSpPr>
+          <p:nvPr/>
+        </p:nvCxnSpPr>
+        <p:spPr>
+          <a:xfrm>
+            <a:off x="371764" y="3844187"/>
+            <a:ext cx="146880" cy="0"/>
+          </a:xfrm>
+          <a:prstGeom prst="line">
+            <a:avLst/>
+          </a:prstGeom>
+          <a:ln w="57150">
+            <a:solidFill>
+              <a:schemeClr val="tx1"/>
+            </a:solidFill>
+          </a:ln>
+        </p:spPr>
+        <p:style>
+          <a:lnRef idx="1">
+            <a:schemeClr val="accent1"/>
+          </a:lnRef>
+          <a:fillRef idx="0">
+            <a:schemeClr val="accent1"/>
+          </a:fillRef>
+          <a:effectRef idx="0">
+            <a:schemeClr val="accent1"/>
+          </a:effectRef>
+          <a:fontRef idx="minor">
+            <a:schemeClr val="tx1"/>
+          </a:fontRef>
+        </p:style>
+      </p:cxnSp>
+      <p:cxnSp>
+        <p:nvCxnSpPr>
+          <p:cNvPr id="28" name="Straight Connector 27">
+            <a:extLst>
+              <a:ext uri="{FF2B5EF4-FFF2-40B4-BE49-F238E27FC236}">
+                <a16:creationId xmlns:a16="http://schemas.microsoft.com/office/drawing/2014/main" id="{4304C41E-4EB3-4243-95E8-2FA267D9E6DE}"/>
+              </a:ext>
+            </a:extLst>
+          </p:cNvPr>
+          <p:cNvCxnSpPr>
+            <a:cxnSpLocks/>
+          </p:cNvCxnSpPr>
+          <p:nvPr/>
+        </p:nvCxnSpPr>
+        <p:spPr>
+          <a:xfrm>
+            <a:off x="678898" y="5399255"/>
+            <a:ext cx="736473" cy="0"/>
+          </a:xfrm>
+          <a:prstGeom prst="line">
+            <a:avLst/>
+          </a:prstGeom>
+          <a:ln w="57150">
+            <a:solidFill>
+              <a:schemeClr val="tx1"/>
+            </a:solidFill>
+          </a:ln>
+        </p:spPr>
+        <p:style>
+          <a:lnRef idx="1">
+            <a:schemeClr val="accent1"/>
+          </a:lnRef>
+          <a:fillRef idx="0">
+            <a:schemeClr val="accent1"/>
+          </a:fillRef>
+          <a:effectRef idx="0">
+            <a:schemeClr val="accent1"/>
+          </a:effectRef>
+          <a:fontRef idx="minor">
+            <a:schemeClr val="tx1"/>
+          </a:fontRef>
+        </p:style>
+      </p:cxnSp>
+      <p:cxnSp>
+        <p:nvCxnSpPr>
+          <p:cNvPr id="29" name="Straight Connector 28">
+            <a:extLst>
+              <a:ext uri="{FF2B5EF4-FFF2-40B4-BE49-F238E27FC236}">
+                <a16:creationId xmlns:a16="http://schemas.microsoft.com/office/drawing/2014/main" id="{2EC15E63-2179-49C7-8DD6-2F13D4EFE59A}"/>
+              </a:ext>
+            </a:extLst>
+          </p:cNvPr>
+          <p:cNvCxnSpPr>
+            <a:cxnSpLocks/>
+          </p:cNvCxnSpPr>
+          <p:nvPr/>
+        </p:nvCxnSpPr>
+        <p:spPr>
+          <a:xfrm>
+            <a:off x="678897" y="1228882"/>
+            <a:ext cx="736473" cy="0"/>
+          </a:xfrm>
+          <a:prstGeom prst="line">
+            <a:avLst/>
+          </a:prstGeom>
+          <a:ln w="57150">
+            <a:solidFill>
+              <a:schemeClr val="tx1"/>
+            </a:solidFill>
+          </a:ln>
+        </p:spPr>
+        <p:style>
+          <a:lnRef idx="1">
+            <a:schemeClr val="accent1"/>
+          </a:lnRef>
+          <a:fillRef idx="0">
+            <a:schemeClr val="accent1"/>
+          </a:fillRef>
+          <a:effectRef idx="0">
+            <a:schemeClr val="accent1"/>
+          </a:effectRef>
+          <a:fontRef idx="minor">
+            <a:schemeClr val="tx1"/>
+          </a:fontRef>
+        </p:style>
+      </p:cxnSp>
+      <p:cxnSp>
+        <p:nvCxnSpPr>
+          <p:cNvPr id="30" name="Straight Connector 29">
+            <a:extLst>
+              <a:ext uri="{FF2B5EF4-FFF2-40B4-BE49-F238E27FC236}">
+                <a16:creationId xmlns:a16="http://schemas.microsoft.com/office/drawing/2014/main" id="{EE4DCB77-0BD6-4EA7-B683-4D7811FF8377}"/>
+              </a:ext>
+            </a:extLst>
+          </p:cNvPr>
+          <p:cNvCxnSpPr>
+            <a:cxnSpLocks/>
+          </p:cNvCxnSpPr>
+          <p:nvPr/>
+        </p:nvCxnSpPr>
+        <p:spPr>
+          <a:xfrm>
+            <a:off x="852438" y="1409194"/>
+            <a:ext cx="368236" cy="0"/>
+          </a:xfrm>
+          <a:prstGeom prst="line">
+            <a:avLst/>
+          </a:prstGeom>
+          <a:ln w="57150">
+            <a:solidFill>
+              <a:schemeClr val="tx1"/>
+            </a:solidFill>
+          </a:ln>
+        </p:spPr>
+        <p:style>
+          <a:lnRef idx="1">
+            <a:schemeClr val="accent1"/>
+          </a:lnRef>
+          <a:fillRef idx="0">
+            <a:schemeClr val="accent1"/>
+          </a:fillRef>
+          <a:effectRef idx="0">
+            <a:schemeClr val="accent1"/>
+          </a:effectRef>
+          <a:fontRef idx="minor">
+            <a:schemeClr val="tx1"/>
+          </a:fontRef>
+        </p:style>
+      </p:cxnSp>
+      <p:cxnSp>
+        <p:nvCxnSpPr>
+          <p:cNvPr id="31" name="Straight Connector 30">
+            <a:extLst>
+              <a:ext uri="{FF2B5EF4-FFF2-40B4-BE49-F238E27FC236}">
+                <a16:creationId xmlns:a16="http://schemas.microsoft.com/office/drawing/2014/main" id="{CA786957-C70E-4694-879F-1B2368066603}"/>
+              </a:ext>
+            </a:extLst>
+          </p:cNvPr>
+          <p:cNvCxnSpPr>
+            <a:cxnSpLocks/>
+          </p:cNvCxnSpPr>
+          <p:nvPr/>
+        </p:nvCxnSpPr>
+        <p:spPr>
+          <a:xfrm>
+            <a:off x="863015" y="5212800"/>
+            <a:ext cx="368236" cy="0"/>
+          </a:xfrm>
+          <a:prstGeom prst="line">
+            <a:avLst/>
+          </a:prstGeom>
+          <a:ln w="57150">
+            <a:solidFill>
+              <a:schemeClr val="tx1"/>
+            </a:solidFill>
+          </a:ln>
+        </p:spPr>
+        <p:style>
+          <a:lnRef idx="1">
+            <a:schemeClr val="accent1"/>
+          </a:lnRef>
+          <a:fillRef idx="0">
+            <a:schemeClr val="accent1"/>
+          </a:fillRef>
+          <a:effectRef idx="0">
+            <a:schemeClr val="accent1"/>
+          </a:effectRef>
+          <a:fontRef idx="minor">
+            <a:schemeClr val="tx1"/>
+          </a:fontRef>
+        </p:style>
+      </p:cxnSp>
+      <p:cxnSp>
+        <p:nvCxnSpPr>
+          <p:cNvPr id="32" name="Straight Connector 31">
+            <a:extLst>
+              <a:ext uri="{FF2B5EF4-FFF2-40B4-BE49-F238E27FC236}">
+                <a16:creationId xmlns:a16="http://schemas.microsoft.com/office/drawing/2014/main" id="{B7D686CE-F8BB-4B58-A734-FC2ECF922123}"/>
+              </a:ext>
+            </a:extLst>
+          </p:cNvPr>
+          <p:cNvCxnSpPr>
+            <a:cxnSpLocks/>
+          </p:cNvCxnSpPr>
+          <p:nvPr/>
+        </p:nvCxnSpPr>
+        <p:spPr>
+          <a:xfrm>
+            <a:off x="1052886" y="5441506"/>
+            <a:ext cx="0" cy="598979"/>
+          </a:xfrm>
+          <a:prstGeom prst="line">
+            <a:avLst/>
+          </a:prstGeom>
+          <a:ln w="57150">
+            <a:solidFill>
+              <a:schemeClr val="tx1"/>
+            </a:solidFill>
+          </a:ln>
+        </p:spPr>
+        <p:style>
+          <a:lnRef idx="1">
+            <a:schemeClr val="accent1"/>
+          </a:lnRef>
+          <a:fillRef idx="0">
+            <a:schemeClr val="accent1"/>
+          </a:fillRef>
+          <a:effectRef idx="0">
+            <a:schemeClr val="accent1"/>
+          </a:effectRef>
+          <a:fontRef idx="minor">
+            <a:schemeClr val="tx1"/>
+          </a:fontRef>
+        </p:style>
+      </p:cxnSp>
+      <p:cxnSp>
+        <p:nvCxnSpPr>
+          <p:cNvPr id="33" name="Straight Connector 32">
+            <a:extLst>
+              <a:ext uri="{FF2B5EF4-FFF2-40B4-BE49-F238E27FC236}">
+                <a16:creationId xmlns:a16="http://schemas.microsoft.com/office/drawing/2014/main" id="{9D62D57C-AE67-4410-A2C9-3B5A37431ADC}"/>
+              </a:ext>
+            </a:extLst>
+          </p:cNvPr>
+          <p:cNvCxnSpPr>
+            <a:cxnSpLocks/>
+          </p:cNvCxnSpPr>
+          <p:nvPr/>
+        </p:nvCxnSpPr>
+        <p:spPr>
+          <a:xfrm>
+            <a:off x="1047134" y="817514"/>
+            <a:ext cx="1" cy="430020"/>
+          </a:xfrm>
+          <a:prstGeom prst="line">
+            <a:avLst/>
+          </a:prstGeom>
+          <a:ln w="57150">
+            <a:solidFill>
+              <a:schemeClr val="tx1"/>
+            </a:solidFill>
+          </a:ln>
+        </p:spPr>
+        <p:style>
+          <a:lnRef idx="1">
+            <a:schemeClr val="accent1"/>
+          </a:lnRef>
+          <a:fillRef idx="0">
+            <a:schemeClr val="accent1"/>
+          </a:fillRef>
+          <a:effectRef idx="0">
+            <a:schemeClr val="accent1"/>
+          </a:effectRef>
+          <a:fontRef idx="minor">
+            <a:schemeClr val="tx1"/>
+          </a:fontRef>
+        </p:style>
+      </p:cxnSp>
+      <p:sp>
+        <p:nvSpPr>
+          <p:cNvPr id="34" name="TextBox 33">
+            <a:extLst>
+              <a:ext uri="{FF2B5EF4-FFF2-40B4-BE49-F238E27FC236}">
+                <a16:creationId xmlns:a16="http://schemas.microsoft.com/office/drawing/2014/main" id="{EEA71095-A1A4-42AC-8F50-9A92F25CE1C0}"/>
+              </a:ext>
+            </a:extLst>
+          </p:cNvPr>
+          <p:cNvSpPr txBox="1"/>
+          <p:nvPr/>
+        </p:nvSpPr>
+        <p:spPr>
+          <a:xfrm>
+            <a:off x="1575626" y="1087017"/>
+            <a:ext cx="810880" cy="523220"/>
+          </a:xfrm>
+          <a:prstGeom prst="rect">
+            <a:avLst/>
+          </a:prstGeom>
+          <a:noFill/>
+        </p:spPr>
+        <p:txBody>
+          <a:bodyPr wrap="square" rtlCol="0">
+            <a:spAutoFit/>
+          </a:bodyPr>
+          <a:lstStyle/>
+          <a:p>
+            <a:pPr marL="0" marR="0" lvl="0" indent="0" algn="l" defTabSz="914400" rtl="0" eaLnBrk="1" fontAlgn="auto" latinLnBrk="0" hangingPunct="1">
+              <a:lnSpc>
+                <a:spcPct val="100000"/>
+              </a:lnSpc>
+              <a:spcBef>
+                <a:spcPts val="0"/>
+              </a:spcBef>
+              <a:spcAft>
+                <a:spcPts val="0"/>
+              </a:spcAft>
+              <a:buClrTx/>
+              <a:buSzTx/>
+              <a:buFontTx/>
+              <a:buNone/>
+              <a:tabLst/>
+              <a:defRPr/>
+            </a:pPr>
+            <a:r>
+              <a:rPr kumimoji="0" lang="en-US" sz="2800" b="0" i="0" u="none" strike="noStrike" kern="1200" cap="none" spc="0" normalizeH="0" baseline="0" noProof="0" dirty="0">
+                <a:ln>
+                  <a:noFill/>
+                </a:ln>
+                <a:solidFill>
+                  <a:prstClr val="black"/>
+                </a:solidFill>
+                <a:effectLst/>
+                <a:uLnTx/>
+                <a:uFillTx/>
+                <a:latin typeface="Calibri" panose="020F0502020204030204"/>
+                <a:ea typeface="+mn-ea"/>
+                <a:cs typeface="+mn-cs"/>
+              </a:rPr>
+              <a:t>V</a:t>
+            </a:r>
+            <a:r>
+              <a:rPr kumimoji="0" lang="en-US" sz="2800" b="0" i="0" u="none" strike="noStrike" kern="1200" cap="none" spc="0" normalizeH="0" baseline="-25000" noProof="0" dirty="0">
+                <a:ln>
+                  <a:noFill/>
+                </a:ln>
+                <a:solidFill>
+                  <a:prstClr val="black"/>
+                </a:solidFill>
+                <a:effectLst/>
+                <a:uLnTx/>
+                <a:uFillTx/>
+                <a:latin typeface="Calibri" panose="020F0502020204030204"/>
+                <a:ea typeface="+mn-ea"/>
+                <a:cs typeface="+mn-cs"/>
+              </a:rPr>
+              <a:t>T</a:t>
+            </a:r>
+            <a:endParaRPr kumimoji="0" lang="en-US" sz="2800" b="0" i="0" u="none" strike="noStrike" kern="1200" cap="none" spc="0" normalizeH="0" baseline="0" noProof="0" dirty="0">
+              <a:ln>
+                <a:noFill/>
+              </a:ln>
+              <a:solidFill>
+                <a:prstClr val="black"/>
+              </a:solidFill>
+              <a:effectLst/>
+              <a:uLnTx/>
+              <a:uFillTx/>
+              <a:latin typeface="Calibri" panose="020F0502020204030204"/>
+              <a:ea typeface="+mn-ea"/>
+              <a:cs typeface="+mn-cs"/>
+            </a:endParaRPr>
+          </a:p>
+        </p:txBody>
+      </p:sp>
+      <p:sp>
+        <p:nvSpPr>
+          <p:cNvPr id="35" name="TextBox 34">
+            <a:extLst>
+              <a:ext uri="{FF2B5EF4-FFF2-40B4-BE49-F238E27FC236}">
+                <a16:creationId xmlns:a16="http://schemas.microsoft.com/office/drawing/2014/main" id="{6753878F-0F36-4744-B090-30B81384FE8E}"/>
+              </a:ext>
+            </a:extLst>
+          </p:cNvPr>
+          <p:cNvSpPr txBox="1"/>
+          <p:nvPr/>
+        </p:nvSpPr>
+        <p:spPr>
+          <a:xfrm>
+            <a:off x="1461843" y="5028309"/>
+            <a:ext cx="810880" cy="523220"/>
+          </a:xfrm>
+          <a:prstGeom prst="rect">
+            <a:avLst/>
+          </a:prstGeom>
+          <a:noFill/>
+        </p:spPr>
+        <p:txBody>
+          <a:bodyPr wrap="square" rtlCol="0">
+            <a:spAutoFit/>
+          </a:bodyPr>
+          <a:lstStyle/>
+          <a:p>
+            <a:pPr marL="0" marR="0" lvl="0" indent="0" algn="l" defTabSz="914400" rtl="0" eaLnBrk="1" fontAlgn="auto" latinLnBrk="0" hangingPunct="1">
+              <a:lnSpc>
+                <a:spcPct val="100000"/>
+              </a:lnSpc>
+              <a:spcBef>
+                <a:spcPts val="0"/>
+              </a:spcBef>
+              <a:spcAft>
+                <a:spcPts val="0"/>
+              </a:spcAft>
+              <a:buClrTx/>
+              <a:buSzTx/>
+              <a:buFontTx/>
+              <a:buNone/>
+              <a:tabLst/>
+              <a:defRPr/>
+            </a:pPr>
+            <a:r>
+              <a:rPr kumimoji="0" lang="en-US" sz="2800" b="0" i="0" u="none" strike="noStrike" kern="1200" cap="none" spc="0" normalizeH="0" baseline="0" noProof="0" dirty="0">
+                <a:ln>
+                  <a:noFill/>
+                </a:ln>
+                <a:solidFill>
+                  <a:prstClr val="black"/>
+                </a:solidFill>
+                <a:effectLst/>
+                <a:uLnTx/>
+                <a:uFillTx/>
+                <a:latin typeface="Calibri" panose="020F0502020204030204"/>
+                <a:ea typeface="+mn-ea"/>
+                <a:cs typeface="+mn-cs"/>
+              </a:rPr>
+              <a:t>V</a:t>
+            </a:r>
+            <a:r>
+              <a:rPr kumimoji="0" lang="en-US" sz="2800" b="0" i="0" u="none" strike="noStrike" kern="1200" cap="none" spc="0" normalizeH="0" baseline="-25000" noProof="0" dirty="0">
+                <a:ln>
+                  <a:noFill/>
+                </a:ln>
+                <a:solidFill>
+                  <a:prstClr val="black"/>
+                </a:solidFill>
+                <a:effectLst/>
+                <a:uLnTx/>
+                <a:uFillTx/>
+                <a:latin typeface="Calibri" panose="020F0502020204030204"/>
+                <a:ea typeface="+mn-ea"/>
+                <a:cs typeface="+mn-cs"/>
+              </a:rPr>
+              <a:t>G</a:t>
+            </a:r>
+          </a:p>
+        </p:txBody>
+      </p:sp>
+      <p:sp>
+        <p:nvSpPr>
+          <p:cNvPr id="36" name="TextBox 35">
+            <a:extLst>
+              <a:ext uri="{FF2B5EF4-FFF2-40B4-BE49-F238E27FC236}">
+                <a16:creationId xmlns:a16="http://schemas.microsoft.com/office/drawing/2014/main" id="{F78608B7-7BD3-43EC-A474-13B2F15830DA}"/>
+              </a:ext>
+            </a:extLst>
+          </p:cNvPr>
+          <p:cNvSpPr txBox="1"/>
+          <p:nvPr/>
+        </p:nvSpPr>
+        <p:spPr>
+          <a:xfrm>
+            <a:off x="9884186" y="5740995"/>
+            <a:ext cx="1855719" cy="1077218"/>
+          </a:xfrm>
+          <a:prstGeom prst="rect">
+            <a:avLst/>
+          </a:prstGeom>
+          <a:noFill/>
+        </p:spPr>
+        <p:txBody>
+          <a:bodyPr wrap="square" rtlCol="0">
+            <a:spAutoFit/>
+          </a:bodyPr>
+          <a:lstStyle/>
+          <a:p>
+            <a:pPr marL="0" marR="0" lvl="0" indent="0" algn="l" defTabSz="914400" rtl="0" eaLnBrk="1" fontAlgn="auto" latinLnBrk="0" hangingPunct="1">
+              <a:lnSpc>
+                <a:spcPct val="100000"/>
+              </a:lnSpc>
+              <a:spcBef>
+                <a:spcPts val="0"/>
+              </a:spcBef>
+              <a:spcAft>
+                <a:spcPts val="0"/>
+              </a:spcAft>
+              <a:buClrTx/>
+              <a:buSzTx/>
+              <a:buFontTx/>
+              <a:buNone/>
+              <a:tabLst/>
+              <a:defRPr/>
+            </a:pPr>
+            <a:r>
+              <a:rPr kumimoji="0" lang="en-US" sz="2800" b="0" i="0" u="none" strike="noStrike" kern="1200" cap="none" spc="0" normalizeH="0" baseline="0" noProof="0" dirty="0">
+                <a:ln>
+                  <a:noFill/>
+                </a:ln>
+                <a:solidFill>
+                  <a:prstClr val="black"/>
+                </a:solidFill>
+                <a:effectLst/>
+                <a:uLnTx/>
+                <a:uFillTx/>
+                <a:latin typeface="Calibri" panose="020F0502020204030204"/>
+                <a:ea typeface="+mn-ea"/>
+                <a:cs typeface="+mn-cs"/>
+              </a:rPr>
+              <a:t>Back Gate</a:t>
+            </a:r>
+          </a:p>
+          <a:p>
+            <a:pPr marL="0" marR="0" lvl="0" indent="0" algn="l" defTabSz="914400" rtl="0" eaLnBrk="1" fontAlgn="auto" latinLnBrk="0" hangingPunct="1">
+              <a:lnSpc>
+                <a:spcPct val="100000"/>
+              </a:lnSpc>
+              <a:spcBef>
+                <a:spcPts val="0"/>
+              </a:spcBef>
+              <a:spcAft>
+                <a:spcPts val="0"/>
+              </a:spcAft>
+              <a:buClrTx/>
+              <a:buSzTx/>
+              <a:buFontTx/>
+              <a:buNone/>
+              <a:tabLst/>
+              <a:defRPr/>
+            </a:pPr>
+            <a:endParaRPr kumimoji="0" lang="en-US" sz="3600" b="0" i="0" u="none" strike="noStrike" kern="1200" cap="none" spc="0" normalizeH="0" baseline="0" noProof="0" dirty="0">
+              <a:ln>
+                <a:noFill/>
+              </a:ln>
+              <a:solidFill>
+                <a:prstClr val="white"/>
+              </a:solidFill>
+              <a:effectLst/>
+              <a:uLnTx/>
+              <a:uFillTx/>
+              <a:latin typeface="Calibri" panose="020F0502020204030204"/>
+              <a:ea typeface="+mn-ea"/>
+              <a:cs typeface="+mn-cs"/>
+            </a:endParaRPr>
+          </a:p>
+        </p:txBody>
+      </p:sp>
+      <p:sp>
+        <p:nvSpPr>
+          <p:cNvPr id="37" name="TextBox 36">
+            <a:extLst>
+              <a:ext uri="{FF2B5EF4-FFF2-40B4-BE49-F238E27FC236}">
+                <a16:creationId xmlns:a16="http://schemas.microsoft.com/office/drawing/2014/main" id="{821814A0-429B-4014-9143-11248430F6EE}"/>
+              </a:ext>
+            </a:extLst>
+          </p:cNvPr>
+          <p:cNvSpPr txBox="1"/>
+          <p:nvPr/>
+        </p:nvSpPr>
+        <p:spPr>
+          <a:xfrm>
+            <a:off x="9988456" y="527678"/>
+            <a:ext cx="1922400" cy="523220"/>
+          </a:xfrm>
+          <a:prstGeom prst="rect">
+            <a:avLst/>
+          </a:prstGeom>
+          <a:noFill/>
+        </p:spPr>
+        <p:txBody>
+          <a:bodyPr wrap="square" rtlCol="0">
+            <a:spAutoFit/>
+          </a:bodyPr>
+          <a:lstStyle/>
+          <a:p>
+            <a:pPr marL="0" marR="0" lvl="0" indent="0" algn="l" defTabSz="914400" rtl="0" eaLnBrk="1" fontAlgn="auto" latinLnBrk="0" hangingPunct="1">
+              <a:lnSpc>
+                <a:spcPct val="100000"/>
+              </a:lnSpc>
+              <a:spcBef>
+                <a:spcPts val="0"/>
+              </a:spcBef>
+              <a:spcAft>
+                <a:spcPts val="0"/>
+              </a:spcAft>
+              <a:buClrTx/>
+              <a:buSzTx/>
+              <a:buFontTx/>
+              <a:buNone/>
+              <a:tabLst/>
+              <a:defRPr/>
+            </a:pPr>
+            <a:r>
+              <a:rPr kumimoji="0" lang="en-US" sz="2800" b="0" i="0" u="none" strike="noStrike" kern="1200" cap="none" spc="0" normalizeH="0" baseline="0" noProof="0" dirty="0">
+                <a:ln>
+                  <a:noFill/>
+                </a:ln>
+                <a:solidFill>
+                  <a:prstClr val="black"/>
+                </a:solidFill>
+                <a:effectLst/>
+                <a:uLnTx/>
+                <a:uFillTx/>
+                <a:latin typeface="Calibri" panose="020F0502020204030204"/>
+                <a:ea typeface="+mn-ea"/>
+                <a:cs typeface="+mn-cs"/>
+              </a:rPr>
+              <a:t>Tip</a:t>
+            </a:r>
+            <a:endParaRPr kumimoji="0" lang="en-US" sz="3200" b="0" i="0" u="none" strike="noStrike" kern="1200" cap="none" spc="0" normalizeH="0" baseline="0" noProof="0" dirty="0">
+              <a:ln>
+                <a:noFill/>
+              </a:ln>
+              <a:solidFill>
+                <a:prstClr val="black"/>
+              </a:solidFill>
+              <a:effectLst/>
+              <a:uLnTx/>
+              <a:uFillTx/>
+              <a:latin typeface="Calibri" panose="020F0502020204030204"/>
+              <a:ea typeface="+mn-ea"/>
+              <a:cs typeface="+mn-cs"/>
+            </a:endParaRPr>
+          </a:p>
+        </p:txBody>
+      </p:sp>
+      <p:cxnSp>
+        <p:nvCxnSpPr>
+          <p:cNvPr id="38" name="Straight Arrow Connector 37">
+            <a:extLst>
+              <a:ext uri="{FF2B5EF4-FFF2-40B4-BE49-F238E27FC236}">
+                <a16:creationId xmlns:a16="http://schemas.microsoft.com/office/drawing/2014/main" id="{AD685687-1D3F-4C26-85E5-065A999250FD}"/>
+              </a:ext>
+            </a:extLst>
+          </p:cNvPr>
+          <p:cNvCxnSpPr>
+            <a:cxnSpLocks/>
+          </p:cNvCxnSpPr>
+          <p:nvPr/>
+        </p:nvCxnSpPr>
+        <p:spPr>
+          <a:xfrm flipH="1">
+            <a:off x="8362162" y="3144058"/>
+            <a:ext cx="8355" cy="2407471"/>
+          </a:xfrm>
+          <a:prstGeom prst="straightConnector1">
+            <a:avLst/>
+          </a:prstGeom>
+          <a:ln w="63500">
+            <a:solidFill>
+              <a:schemeClr val="tx1"/>
+            </a:solidFill>
+            <a:headEnd type="triangle"/>
+            <a:tailEnd type="triangle"/>
+          </a:ln>
+        </p:spPr>
+        <p:style>
+          <a:lnRef idx="1">
+            <a:schemeClr val="accent1"/>
+          </a:lnRef>
+          <a:fillRef idx="0">
+            <a:schemeClr val="accent1"/>
+          </a:fillRef>
+          <a:effectRef idx="0">
+            <a:schemeClr val="accent1"/>
+          </a:effectRef>
+          <a:fontRef idx="minor">
+            <a:schemeClr val="tx1"/>
+          </a:fontRef>
+        </p:style>
+      </p:cxnSp>
+      <p:cxnSp>
+        <p:nvCxnSpPr>
+          <p:cNvPr id="39" name="Straight Arrow Connector 38">
+            <a:extLst>
+              <a:ext uri="{FF2B5EF4-FFF2-40B4-BE49-F238E27FC236}">
+                <a16:creationId xmlns:a16="http://schemas.microsoft.com/office/drawing/2014/main" id="{F5AEB20B-4FB0-4A15-8F34-0291007A5B6B}"/>
+              </a:ext>
+            </a:extLst>
+          </p:cNvPr>
+          <p:cNvCxnSpPr>
+            <a:cxnSpLocks/>
+          </p:cNvCxnSpPr>
+          <p:nvPr/>
+        </p:nvCxnSpPr>
+        <p:spPr>
+          <a:xfrm flipH="1">
+            <a:off x="8362162" y="1228882"/>
+            <a:ext cx="8355" cy="1761624"/>
+          </a:xfrm>
+          <a:prstGeom prst="straightConnector1">
+            <a:avLst/>
+          </a:prstGeom>
+          <a:ln w="63500">
+            <a:solidFill>
+              <a:schemeClr val="tx1"/>
+            </a:solidFill>
+            <a:headEnd type="triangle"/>
+            <a:tailEnd type="triangle"/>
+          </a:ln>
+        </p:spPr>
+        <p:style>
+          <a:lnRef idx="1">
+            <a:schemeClr val="accent1"/>
+          </a:lnRef>
+          <a:fillRef idx="0">
+            <a:schemeClr val="accent1"/>
+          </a:fillRef>
+          <a:effectRef idx="0">
+            <a:schemeClr val="accent1"/>
+          </a:effectRef>
+          <a:fontRef idx="minor">
+            <a:schemeClr val="tx1"/>
+          </a:fontRef>
+        </p:style>
+      </p:cxnSp>
+      <p:sp>
+        <p:nvSpPr>
+          <p:cNvPr id="48" name="TextBox 47">
+            <a:extLst>
+              <a:ext uri="{FF2B5EF4-FFF2-40B4-BE49-F238E27FC236}">
+                <a16:creationId xmlns:a16="http://schemas.microsoft.com/office/drawing/2014/main" id="{653A65BF-11CB-447B-AA64-645961756976}"/>
+              </a:ext>
+            </a:extLst>
+          </p:cNvPr>
+          <p:cNvSpPr txBox="1"/>
+          <p:nvPr/>
+        </p:nvSpPr>
+        <p:spPr>
+          <a:xfrm>
+            <a:off x="8511813" y="2237095"/>
+            <a:ext cx="1079766" cy="523220"/>
+          </a:xfrm>
+          <a:prstGeom prst="rect">
+            <a:avLst/>
+          </a:prstGeom>
+          <a:noFill/>
+        </p:spPr>
+        <p:txBody>
+          <a:bodyPr wrap="square" rtlCol="0">
+            <a:spAutoFit/>
+          </a:bodyPr>
+          <a:lstStyle/>
+          <a:p>
+            <a:pPr marL="0" marR="0" lvl="0" indent="0" algn="l" defTabSz="914400" rtl="0" eaLnBrk="1" fontAlgn="auto" latinLnBrk="0" hangingPunct="1">
+              <a:lnSpc>
+                <a:spcPct val="100000"/>
+              </a:lnSpc>
+              <a:spcBef>
+                <a:spcPts val="0"/>
+              </a:spcBef>
+              <a:spcAft>
+                <a:spcPts val="0"/>
+              </a:spcAft>
+              <a:buClrTx/>
+              <a:buSzTx/>
+              <a:buFontTx/>
+              <a:buNone/>
+              <a:tabLst/>
+              <a:defRPr/>
+            </a:pPr>
+            <a:r>
+              <a:rPr kumimoji="0" lang="en-US" sz="2800" b="0" i="0" u="none" strike="noStrike" kern="1200" cap="none" spc="0" normalizeH="0" baseline="0" noProof="0" dirty="0">
+                <a:ln>
+                  <a:noFill/>
+                </a:ln>
+                <a:solidFill>
+                  <a:prstClr val="black"/>
+                </a:solidFill>
+                <a:effectLst/>
+                <a:uLnTx/>
+                <a:uFillTx/>
+                <a:latin typeface="Calibri" panose="020F0502020204030204"/>
+                <a:ea typeface="+mn-ea"/>
+                <a:cs typeface="+mn-cs"/>
+              </a:rPr>
+              <a:t>V</a:t>
+            </a:r>
+            <a:r>
+              <a:rPr kumimoji="0" lang="en-US" sz="2800" b="0" i="0" u="none" strike="noStrike" kern="1200" cap="none" spc="0" normalizeH="0" baseline="-25000" noProof="0" dirty="0">
+                <a:ln>
+                  <a:noFill/>
+                </a:ln>
+                <a:solidFill>
+                  <a:prstClr val="black"/>
+                </a:solidFill>
+                <a:effectLst/>
+                <a:uLnTx/>
+                <a:uFillTx/>
+                <a:latin typeface="Calibri" panose="020F0502020204030204"/>
+                <a:ea typeface="+mn-ea"/>
+                <a:cs typeface="+mn-cs"/>
+              </a:rPr>
+              <a:t>1</a:t>
+            </a:r>
+            <a:endParaRPr kumimoji="0" lang="en-US" sz="4000" b="0" i="0" u="none" strike="noStrike" kern="1200" cap="none" spc="0" normalizeH="0" baseline="0" noProof="0" dirty="0">
+              <a:ln>
+                <a:noFill/>
+              </a:ln>
+              <a:solidFill>
+                <a:prstClr val="black"/>
+              </a:solidFill>
+              <a:effectLst/>
+              <a:uLnTx/>
+              <a:uFillTx/>
+              <a:latin typeface="Calibri" panose="020F0502020204030204"/>
+              <a:ea typeface="+mn-ea"/>
+              <a:cs typeface="+mn-cs"/>
+            </a:endParaRPr>
+          </a:p>
+        </p:txBody>
+      </p:sp>
+      <p:sp>
+        <p:nvSpPr>
+          <p:cNvPr id="49" name="TextBox 48">
+            <a:extLst>
+              <a:ext uri="{FF2B5EF4-FFF2-40B4-BE49-F238E27FC236}">
+                <a16:creationId xmlns:a16="http://schemas.microsoft.com/office/drawing/2014/main" id="{E2A3E7F2-5DB6-4F7A-89BF-7009906DC7D9}"/>
+              </a:ext>
+            </a:extLst>
+          </p:cNvPr>
+          <p:cNvSpPr txBox="1"/>
+          <p:nvPr/>
+        </p:nvSpPr>
+        <p:spPr>
+          <a:xfrm>
+            <a:off x="8632982" y="4007373"/>
+            <a:ext cx="1338681" cy="523220"/>
+          </a:xfrm>
+          <a:prstGeom prst="rect">
+            <a:avLst/>
+          </a:prstGeom>
+          <a:noFill/>
+        </p:spPr>
+        <p:txBody>
+          <a:bodyPr wrap="square" rtlCol="0">
+            <a:spAutoFit/>
+          </a:bodyPr>
+          <a:lstStyle/>
+          <a:p>
+            <a:pPr marL="0" marR="0" lvl="0" indent="0" algn="l" defTabSz="914400" rtl="0" eaLnBrk="1" fontAlgn="auto" latinLnBrk="0" hangingPunct="1">
+              <a:lnSpc>
+                <a:spcPct val="100000"/>
+              </a:lnSpc>
+              <a:spcBef>
+                <a:spcPts val="0"/>
+              </a:spcBef>
+              <a:spcAft>
+                <a:spcPts val="0"/>
+              </a:spcAft>
+              <a:buClrTx/>
+              <a:buSzTx/>
+              <a:buFontTx/>
+              <a:buNone/>
+              <a:tabLst/>
+              <a:defRPr/>
+            </a:pPr>
+            <a:r>
+              <a:rPr kumimoji="0" lang="en-US" sz="2800" b="0" i="0" u="none" strike="noStrike" kern="1200" cap="none" spc="0" normalizeH="0" baseline="0" noProof="0" dirty="0">
+                <a:ln>
+                  <a:noFill/>
+                </a:ln>
+                <a:solidFill>
+                  <a:prstClr val="black"/>
+                </a:solidFill>
+                <a:effectLst/>
+                <a:uLnTx/>
+                <a:uFillTx/>
+                <a:latin typeface="Calibri" panose="020F0502020204030204"/>
+                <a:ea typeface="+mn-ea"/>
+                <a:cs typeface="+mn-cs"/>
+              </a:rPr>
+              <a:t>V</a:t>
+            </a:r>
+            <a:r>
+              <a:rPr kumimoji="0" lang="en-US" sz="2800" b="0" i="0" u="none" strike="noStrike" kern="1200" cap="none" spc="0" normalizeH="0" baseline="-25000" noProof="0" dirty="0">
+                <a:ln>
+                  <a:noFill/>
+                </a:ln>
+                <a:solidFill>
+                  <a:prstClr val="black"/>
+                </a:solidFill>
+                <a:effectLst/>
+                <a:uLnTx/>
+                <a:uFillTx/>
+                <a:latin typeface="Calibri" panose="020F0502020204030204"/>
+                <a:ea typeface="+mn-ea"/>
+                <a:cs typeface="+mn-cs"/>
+              </a:rPr>
+              <a:t>2</a:t>
+            </a:r>
+            <a:endParaRPr kumimoji="0" lang="en-US" sz="2800" b="0" i="0" u="none" strike="noStrike" kern="1200" cap="none" spc="0" normalizeH="0" baseline="0" noProof="0" dirty="0">
+              <a:ln>
+                <a:noFill/>
+              </a:ln>
+              <a:solidFill>
+                <a:prstClr val="black"/>
+              </a:solidFill>
+              <a:effectLst/>
+              <a:uLnTx/>
+              <a:uFillTx/>
+              <a:latin typeface="Calibri" panose="020F0502020204030204"/>
+              <a:ea typeface="+mn-ea"/>
+              <a:cs typeface="+mn-cs"/>
+            </a:endParaRPr>
+          </a:p>
+        </p:txBody>
+      </p:sp>
+      <p:sp>
+        <p:nvSpPr>
+          <p:cNvPr id="62" name="Right Brace 61">
+            <a:extLst>
+              <a:ext uri="{FF2B5EF4-FFF2-40B4-BE49-F238E27FC236}">
+                <a16:creationId xmlns:a16="http://schemas.microsoft.com/office/drawing/2014/main" id="{698CA340-9009-41FB-B7F5-980151039FD6}"/>
+              </a:ext>
+            </a:extLst>
+          </p:cNvPr>
+          <p:cNvSpPr/>
+          <p:nvPr/>
+        </p:nvSpPr>
+        <p:spPr>
+          <a:xfrm>
+            <a:off x="9619571" y="1247534"/>
+            <a:ext cx="448160" cy="1742972"/>
+          </a:xfrm>
+          <a:prstGeom prst="rightBrace">
+            <a:avLst/>
+          </a:prstGeom>
+          <a:ln w="25400">
+            <a:solidFill>
+              <a:schemeClr val="tx1"/>
+            </a:solidFill>
+          </a:ln>
+        </p:spPr>
+        <p:style>
+          <a:lnRef idx="1">
+            <a:schemeClr val="accent1"/>
+          </a:lnRef>
+          <a:fillRef idx="0">
+            <a:schemeClr val="accent1"/>
+          </a:fillRef>
+          <a:effectRef idx="0">
+            <a:schemeClr val="accent1"/>
+          </a:effectRef>
+          <a:fontRef idx="minor">
+            <a:schemeClr val="tx1"/>
+          </a:fontRef>
+        </p:style>
+        <p:txBody>
+          <a:bodyPr rtlCol="0" anchor="ctr"/>
+          <a:lstStyle/>
+          <a:p>
+            <a:pPr marL="0" marR="0" lvl="0" indent="0" algn="ctr" defTabSz="914400" rtl="0" eaLnBrk="1" fontAlgn="auto" latinLnBrk="0" hangingPunct="1">
+              <a:lnSpc>
+                <a:spcPct val="100000"/>
+              </a:lnSpc>
+              <a:spcBef>
+                <a:spcPts val="0"/>
+              </a:spcBef>
+              <a:spcAft>
+                <a:spcPts val="0"/>
+              </a:spcAft>
+              <a:buClrTx/>
+              <a:buSzTx/>
+              <a:buFontTx/>
+              <a:buNone/>
+              <a:tabLst/>
+              <a:defRPr/>
+            </a:pPr>
+            <a:endParaRPr kumimoji="0" lang="en-US" sz="1800" b="0" i="0" u="none" strike="noStrike" kern="1200" cap="none" spc="0" normalizeH="0" baseline="0" noProof="0">
+              <a:ln>
+                <a:noFill/>
+              </a:ln>
+              <a:solidFill>
+                <a:prstClr val="black"/>
+              </a:solidFill>
+              <a:effectLst/>
+              <a:uLnTx/>
+              <a:uFillTx/>
+              <a:latin typeface="Calibri" panose="020F0502020204030204"/>
+              <a:ea typeface="+mn-ea"/>
+              <a:cs typeface="+mn-cs"/>
+            </a:endParaRPr>
+          </a:p>
+        </p:txBody>
+      </p:sp>
+      <p:sp>
+        <p:nvSpPr>
+          <p:cNvPr id="63" name="Right Brace 62">
+            <a:extLst>
+              <a:ext uri="{FF2B5EF4-FFF2-40B4-BE49-F238E27FC236}">
+                <a16:creationId xmlns:a16="http://schemas.microsoft.com/office/drawing/2014/main" id="{BD3DBC74-C39A-430B-885F-028DA2D69D94}"/>
+              </a:ext>
+            </a:extLst>
+          </p:cNvPr>
+          <p:cNvSpPr/>
+          <p:nvPr/>
+        </p:nvSpPr>
+        <p:spPr>
+          <a:xfrm>
+            <a:off x="9619570" y="3157538"/>
+            <a:ext cx="438339" cy="2407471"/>
+          </a:xfrm>
+          <a:prstGeom prst="rightBrace">
+            <a:avLst/>
+          </a:prstGeom>
+          <a:ln w="25400">
+            <a:solidFill>
+              <a:schemeClr val="tx1"/>
+            </a:solidFill>
+          </a:ln>
+        </p:spPr>
+        <p:style>
+          <a:lnRef idx="1">
+            <a:schemeClr val="accent1"/>
+          </a:lnRef>
+          <a:fillRef idx="0">
+            <a:schemeClr val="accent1"/>
+          </a:fillRef>
+          <a:effectRef idx="0">
+            <a:schemeClr val="accent1"/>
+          </a:effectRef>
+          <a:fontRef idx="minor">
+            <a:schemeClr val="tx1"/>
+          </a:fontRef>
+        </p:style>
+        <p:txBody>
+          <a:bodyPr rtlCol="0" anchor="ctr"/>
+          <a:lstStyle/>
+          <a:p>
+            <a:pPr marL="0" marR="0" lvl="0" indent="0" algn="ctr" defTabSz="914400" rtl="0" eaLnBrk="1" fontAlgn="auto" latinLnBrk="0" hangingPunct="1">
+              <a:lnSpc>
+                <a:spcPct val="100000"/>
+              </a:lnSpc>
+              <a:spcBef>
+                <a:spcPts val="0"/>
+              </a:spcBef>
+              <a:spcAft>
+                <a:spcPts val="0"/>
+              </a:spcAft>
+              <a:buClrTx/>
+              <a:buSzTx/>
+              <a:buFontTx/>
+              <a:buNone/>
+              <a:tabLst/>
+              <a:defRPr/>
+            </a:pPr>
+            <a:endParaRPr kumimoji="0" lang="en-US" sz="1800" b="0" i="0" u="none" strike="noStrike" kern="1200" cap="none" spc="0" normalizeH="0" baseline="0" noProof="0">
+              <a:ln>
+                <a:noFill/>
+              </a:ln>
+              <a:solidFill>
+                <a:prstClr val="black"/>
+              </a:solidFill>
+              <a:effectLst/>
+              <a:uLnTx/>
+              <a:uFillTx/>
+              <a:latin typeface="Calibri" panose="020F0502020204030204"/>
+              <a:ea typeface="+mn-ea"/>
+              <a:cs typeface="+mn-cs"/>
+            </a:endParaRPr>
+          </a:p>
+        </p:txBody>
+      </p:sp>
+      <p:sp>
+        <p:nvSpPr>
+          <p:cNvPr id="41" name="Rectangle 40">
+            <a:extLst>
+              <a:ext uri="{FF2B5EF4-FFF2-40B4-BE49-F238E27FC236}">
+                <a16:creationId xmlns:a16="http://schemas.microsoft.com/office/drawing/2014/main" id="{7F54D41A-4D74-4F7F-A7BA-5A1AF73508E0}"/>
+              </a:ext>
+            </a:extLst>
+          </p:cNvPr>
+          <p:cNvSpPr/>
+          <p:nvPr/>
+        </p:nvSpPr>
+        <p:spPr>
+          <a:xfrm>
+            <a:off x="2499600" y="3077251"/>
+            <a:ext cx="7091977" cy="45719"/>
+          </a:xfrm>
+          <a:prstGeom prst="rect">
+            <a:avLst/>
+          </a:prstGeom>
+          <a:solidFill>
+            <a:srgbClr val="CD93C1"/>
+          </a:solidFill>
+          <a:ln>
+            <a:solidFill>
+              <a:srgbClr val="CD93C1"/>
+            </a:solidFill>
+          </a:ln>
+        </p:spPr>
+        <p:style>
+          <a:lnRef idx="2">
+            <a:schemeClr val="accent1">
+              <a:shade val="50000"/>
+            </a:schemeClr>
+          </a:lnRef>
+          <a:fillRef idx="1">
+            <a:schemeClr val="accent1"/>
+          </a:fillRef>
+          <a:effectRef idx="0">
+            <a:schemeClr val="accent1"/>
+          </a:effectRef>
+          <a:fontRef idx="minor">
+            <a:schemeClr val="lt1"/>
+          </a:fontRef>
+        </p:style>
+        <p:txBody>
+          <a:bodyPr rtlCol="0" anchor="ctr"/>
+          <a:lstStyle/>
+          <a:p>
+            <a:pPr marL="0" marR="0" lvl="0" indent="0" algn="ctr" defTabSz="914400" rtl="0" eaLnBrk="1" fontAlgn="auto" latinLnBrk="0" hangingPunct="1">
+              <a:lnSpc>
+                <a:spcPct val="100000"/>
+              </a:lnSpc>
+              <a:spcBef>
+                <a:spcPts val="0"/>
+              </a:spcBef>
+              <a:spcAft>
+                <a:spcPts val="0"/>
+              </a:spcAft>
+              <a:buClrTx/>
+              <a:buSzTx/>
+              <a:buFontTx/>
+              <a:buNone/>
+              <a:tabLst/>
+              <a:defRPr/>
+            </a:pPr>
+            <a:endParaRPr kumimoji="0" lang="en-US" sz="1800" b="0" i="0" u="none" strike="noStrike" kern="1200" cap="none" spc="0" normalizeH="0" baseline="0" noProof="0" dirty="0">
+              <a:ln>
+                <a:noFill/>
+              </a:ln>
+              <a:solidFill>
+                <a:prstClr val="white"/>
+              </a:solidFill>
+              <a:effectLst/>
+              <a:highlight>
+                <a:srgbClr val="FFFF00"/>
+              </a:highlight>
+              <a:uLnTx/>
+              <a:uFillTx/>
+              <a:latin typeface="Calibri" panose="020F0502020204030204"/>
+              <a:ea typeface="+mn-ea"/>
+              <a:cs typeface="+mn-cs"/>
+            </a:endParaRPr>
+          </a:p>
+        </p:txBody>
+      </p:sp>
+      <p:sp>
+        <p:nvSpPr>
+          <p:cNvPr id="42" name="Rectangle 41">
+            <a:extLst>
+              <a:ext uri="{FF2B5EF4-FFF2-40B4-BE49-F238E27FC236}">
+                <a16:creationId xmlns:a16="http://schemas.microsoft.com/office/drawing/2014/main" id="{ECE3F4EA-D9B1-4D5D-9275-B3A24F897915}"/>
+              </a:ext>
+            </a:extLst>
+          </p:cNvPr>
+          <p:cNvSpPr/>
+          <p:nvPr/>
+        </p:nvSpPr>
+        <p:spPr>
+          <a:xfrm>
+            <a:off x="2499599" y="3007452"/>
+            <a:ext cx="7091977" cy="45719"/>
+          </a:xfrm>
+          <a:prstGeom prst="rect">
+            <a:avLst/>
+          </a:prstGeom>
+          <a:solidFill>
+            <a:srgbClr val="CD93C1"/>
+          </a:solidFill>
+          <a:ln>
+            <a:solidFill>
+              <a:srgbClr val="CD93C1"/>
+            </a:solidFill>
+          </a:ln>
+        </p:spPr>
+        <p:style>
+          <a:lnRef idx="2">
+            <a:schemeClr val="accent1">
+              <a:shade val="50000"/>
+            </a:schemeClr>
+          </a:lnRef>
+          <a:fillRef idx="1">
+            <a:schemeClr val="accent1"/>
+          </a:fillRef>
+          <a:effectRef idx="0">
+            <a:schemeClr val="accent1"/>
+          </a:effectRef>
+          <a:fontRef idx="minor">
+            <a:schemeClr val="lt1"/>
+          </a:fontRef>
+        </p:style>
+        <p:txBody>
+          <a:bodyPr rtlCol="0" anchor="ctr"/>
+          <a:lstStyle/>
+          <a:p>
+            <a:pPr marL="0" marR="0" lvl="0" indent="0" algn="ctr" defTabSz="914400" rtl="0" eaLnBrk="1" fontAlgn="auto" latinLnBrk="0" hangingPunct="1">
+              <a:lnSpc>
+                <a:spcPct val="100000"/>
+              </a:lnSpc>
+              <a:spcBef>
+                <a:spcPts val="0"/>
+              </a:spcBef>
+              <a:spcAft>
+                <a:spcPts val="0"/>
+              </a:spcAft>
+              <a:buClrTx/>
+              <a:buSzTx/>
+              <a:buFontTx/>
+              <a:buNone/>
+              <a:tabLst/>
+              <a:defRPr/>
+            </a:pPr>
+            <a:endParaRPr kumimoji="0" lang="en-US" sz="1800" b="0" i="0" u="none" strike="noStrike" kern="1200" cap="none" spc="0" normalizeH="0" baseline="0" noProof="0" dirty="0">
+              <a:ln>
+                <a:noFill/>
+              </a:ln>
+              <a:solidFill>
+                <a:prstClr val="white"/>
+              </a:solidFill>
+              <a:effectLst/>
+              <a:highlight>
+                <a:srgbClr val="FFFF00"/>
+              </a:highlight>
+              <a:uLnTx/>
+              <a:uFillTx/>
+              <a:latin typeface="Calibri" panose="020F0502020204030204"/>
+              <a:ea typeface="+mn-ea"/>
+              <a:cs typeface="+mn-cs"/>
+            </a:endParaRPr>
+          </a:p>
+        </p:txBody>
+      </p:sp>
+      <p:sp>
+        <p:nvSpPr>
+          <p:cNvPr id="52" name="TextBox 51">
+            <a:extLst>
+              <a:ext uri="{FF2B5EF4-FFF2-40B4-BE49-F238E27FC236}">
+                <a16:creationId xmlns:a16="http://schemas.microsoft.com/office/drawing/2014/main" id="{784A4F42-5EA6-4C47-A2EA-398E0F94E25B}"/>
+              </a:ext>
+            </a:extLst>
+          </p:cNvPr>
+          <p:cNvSpPr txBox="1"/>
+          <p:nvPr/>
+        </p:nvSpPr>
+        <p:spPr>
+          <a:xfrm>
+            <a:off x="9042580" y="1342077"/>
+            <a:ext cx="658952" cy="523220"/>
+          </a:xfrm>
+          <a:prstGeom prst="rect">
+            <a:avLst/>
+          </a:prstGeom>
+          <a:noFill/>
+        </p:spPr>
+        <p:txBody>
+          <a:bodyPr wrap="square" rtlCol="0">
+            <a:spAutoFit/>
+          </a:bodyPr>
+          <a:lstStyle/>
+          <a:p>
+            <a:pPr marL="0" marR="0" lvl="0" indent="0" algn="l" defTabSz="914400" rtl="0" eaLnBrk="1" fontAlgn="auto" latinLnBrk="0" hangingPunct="1">
+              <a:lnSpc>
+                <a:spcPct val="100000"/>
+              </a:lnSpc>
+              <a:spcBef>
+                <a:spcPts val="0"/>
+              </a:spcBef>
+              <a:spcAft>
+                <a:spcPts val="0"/>
+              </a:spcAft>
+              <a:buClrTx/>
+              <a:buSzTx/>
+              <a:buFontTx/>
+              <a:buNone/>
+              <a:tabLst/>
+              <a:defRPr/>
+            </a:pPr>
+            <a:r>
+              <a:rPr kumimoji="0" lang="el-GR" sz="2800" b="0" i="0" u="none" strike="noStrike" kern="1200" cap="none" spc="0" normalizeH="0" baseline="0" noProof="0" dirty="0">
+                <a:ln>
+                  <a:noFill/>
+                </a:ln>
+                <a:solidFill>
+                  <a:prstClr val="black"/>
+                </a:solidFill>
+                <a:effectLst/>
+                <a:uLnTx/>
+                <a:uFillTx/>
+                <a:latin typeface="Calibri" panose="020F0502020204030204"/>
+                <a:ea typeface="+mn-ea"/>
+                <a:cs typeface="+mn-cs"/>
+              </a:rPr>
+              <a:t>ε</a:t>
+            </a:r>
+            <a:r>
+              <a:rPr lang="en-US" sz="2800" baseline="-25000" dirty="0">
+                <a:solidFill>
+                  <a:prstClr val="black"/>
+                </a:solidFill>
+                <a:latin typeface="Calibri" panose="020F0502020204030204"/>
+              </a:rPr>
+              <a:t>1</a:t>
+            </a:r>
+            <a:endParaRPr kumimoji="0" lang="en-US" sz="2800" b="0" i="0" u="none" strike="noStrike" kern="1200" cap="none" spc="0" normalizeH="0" baseline="-25000" noProof="0" dirty="0">
+              <a:ln>
+                <a:noFill/>
+              </a:ln>
+              <a:solidFill>
+                <a:prstClr val="black"/>
+              </a:solidFill>
+              <a:effectLst/>
+              <a:uLnTx/>
+              <a:uFillTx/>
+              <a:latin typeface="Calibri" panose="020F0502020204030204"/>
+              <a:ea typeface="+mn-ea"/>
+              <a:cs typeface="+mn-cs"/>
+            </a:endParaRPr>
+          </a:p>
+        </p:txBody>
+      </p:sp>
+      <p:pic>
+        <p:nvPicPr>
+          <p:cNvPr id="40" name="Picture 39">
+            <a:extLst>
+              <a:ext uri="{FF2B5EF4-FFF2-40B4-BE49-F238E27FC236}">
+                <a16:creationId xmlns:a16="http://schemas.microsoft.com/office/drawing/2014/main" id="{C9B13F52-FE0D-4CC3-ACE2-FD3A88CFE54B}"/>
+              </a:ext>
+            </a:extLst>
+          </p:cNvPr>
+          <p:cNvPicPr>
+            <a:picLocks noChangeAspect="1"/>
+          </p:cNvPicPr>
+          <p:nvPr/>
+        </p:nvPicPr>
+        <p:blipFill>
+          <a:blip r:embed="rId3">
+            <a:extLst>
+              <a:ext uri="{28A0092B-C50C-407E-A947-70E740481C1C}">
+                <a14:useLocalDpi xmlns:a14="http://schemas.microsoft.com/office/drawing/2010/main" val="0"/>
+              </a:ext>
+            </a:extLst>
+          </a:blip>
+          <a:stretch>
+            <a:fillRect/>
+          </a:stretch>
+        </p:blipFill>
+        <p:spPr>
+          <a:xfrm>
+            <a:off x="6115146" y="3485069"/>
+            <a:ext cx="1564604" cy="1033230"/>
+          </a:xfrm>
+          <a:prstGeom prst="rect">
+            <a:avLst/>
+          </a:prstGeom>
+          <a:ln w="15875">
+            <a:solidFill>
+              <a:schemeClr val="tx1"/>
+            </a:solidFill>
+          </a:ln>
+        </p:spPr>
+      </p:pic>
+      <p:pic>
+        <p:nvPicPr>
+          <p:cNvPr id="43" name="Picture 42">
+            <a:extLst>
+              <a:ext uri="{FF2B5EF4-FFF2-40B4-BE49-F238E27FC236}">
+                <a16:creationId xmlns:a16="http://schemas.microsoft.com/office/drawing/2014/main" id="{FB11692D-2CA8-40FD-9A84-3D8CE5F1D6B1}"/>
+              </a:ext>
+            </a:extLst>
+          </p:cNvPr>
+          <p:cNvPicPr>
+            <a:picLocks noChangeAspect="1"/>
+          </p:cNvPicPr>
+          <p:nvPr/>
+        </p:nvPicPr>
+        <p:blipFill>
+          <a:blip r:embed="rId4">
+            <a:extLst>
+              <a:ext uri="{28A0092B-C50C-407E-A947-70E740481C1C}">
+                <a14:useLocalDpi xmlns:a14="http://schemas.microsoft.com/office/drawing/2010/main" val="0"/>
+              </a:ext>
+            </a:extLst>
+          </a:blip>
+          <a:stretch>
+            <a:fillRect/>
+          </a:stretch>
+        </p:blipFill>
+        <p:spPr>
+          <a:xfrm>
+            <a:off x="4022049" y="3494970"/>
+            <a:ext cx="1564605" cy="1033230"/>
+          </a:xfrm>
+          <a:prstGeom prst="rect">
+            <a:avLst/>
+          </a:prstGeom>
+          <a:noFill/>
+          <a:ln w="15875">
+            <a:solidFill>
+              <a:schemeClr val="tx1"/>
+            </a:solidFill>
+          </a:ln>
+        </p:spPr>
+      </p:pic>
+      <p:pic>
+        <p:nvPicPr>
+          <p:cNvPr id="44" name="Picture 43">
+            <a:extLst>
+              <a:ext uri="{FF2B5EF4-FFF2-40B4-BE49-F238E27FC236}">
+                <a16:creationId xmlns:a16="http://schemas.microsoft.com/office/drawing/2014/main" id="{A7D12235-6E1F-4843-8B8C-55B441B57A7A}"/>
+              </a:ext>
+            </a:extLst>
+          </p:cNvPr>
+          <p:cNvPicPr>
+            <a:picLocks noChangeAspect="1"/>
+          </p:cNvPicPr>
+          <p:nvPr/>
+        </p:nvPicPr>
+        <p:blipFill>
+          <a:blip r:embed="rId5">
+            <a:extLst>
+              <a:ext uri="{28A0092B-C50C-407E-A947-70E740481C1C}">
+                <a14:useLocalDpi xmlns:a14="http://schemas.microsoft.com/office/drawing/2010/main" val="0"/>
+              </a:ext>
+            </a:extLst>
+          </a:blip>
+          <a:stretch>
+            <a:fillRect/>
+          </a:stretch>
+        </p:blipFill>
+        <p:spPr>
+          <a:xfrm>
+            <a:off x="1600977" y="3490732"/>
+            <a:ext cx="1564605" cy="1033230"/>
+          </a:xfrm>
+          <a:prstGeom prst="rect">
+            <a:avLst/>
+          </a:prstGeom>
+          <a:ln w="15875">
+            <a:solidFill>
+              <a:schemeClr val="tx1"/>
+            </a:solidFill>
+          </a:ln>
+        </p:spPr>
+      </p:pic>
+      <p:sp>
+        <p:nvSpPr>
+          <p:cNvPr id="45" name="Oval 44">
+            <a:extLst>
+              <a:ext uri="{FF2B5EF4-FFF2-40B4-BE49-F238E27FC236}">
+                <a16:creationId xmlns:a16="http://schemas.microsoft.com/office/drawing/2014/main" id="{DC1C5066-C213-4019-9A2D-4314513293C0}"/>
+              </a:ext>
+            </a:extLst>
+          </p:cNvPr>
+          <p:cNvSpPr/>
+          <p:nvPr/>
+        </p:nvSpPr>
+        <p:spPr>
+          <a:xfrm>
+            <a:off x="8198757" y="2932968"/>
+            <a:ext cx="310761" cy="259964"/>
+          </a:xfrm>
+          <a:prstGeom prst="ellipse">
+            <a:avLst/>
+          </a:prstGeom>
+          <a:noFill/>
+          <a:ln w="15875">
+            <a:solidFill>
+              <a:schemeClr val="tx1"/>
+            </a:solidFill>
+          </a:ln>
+        </p:spPr>
+        <p:style>
+          <a:lnRef idx="2">
+            <a:schemeClr val="accent1">
+              <a:shade val="50000"/>
+            </a:schemeClr>
+          </a:lnRef>
+          <a:fillRef idx="1">
+            <a:schemeClr val="accent1"/>
+          </a:fillRef>
+          <a:effectRef idx="0">
+            <a:schemeClr val="accent1"/>
+          </a:effectRef>
+          <a:fontRef idx="minor">
+            <a:schemeClr val="lt1"/>
+          </a:fontRef>
+        </p:style>
+        <p:txBody>
+          <a:bodyPr rtlCol="0" anchor="ctr"/>
+          <a:lstStyle/>
+          <a:p>
+            <a:pPr marL="0" marR="0" lvl="0" indent="0" algn="ctr" defTabSz="914400" rtl="0" eaLnBrk="1" fontAlgn="auto" latinLnBrk="0" hangingPunct="1">
+              <a:lnSpc>
+                <a:spcPct val="100000"/>
+              </a:lnSpc>
+              <a:spcBef>
+                <a:spcPts val="0"/>
+              </a:spcBef>
+              <a:spcAft>
+                <a:spcPts val="0"/>
+              </a:spcAft>
+              <a:buClrTx/>
+              <a:buSzTx/>
+              <a:buFontTx/>
+              <a:buNone/>
+              <a:tabLst/>
+              <a:defRPr/>
+            </a:pPr>
+            <a:endParaRPr kumimoji="0" lang="en-US" sz="1800" b="0" i="0" u="none" strike="noStrike" kern="1200" cap="none" spc="0" normalizeH="0" baseline="0" noProof="0">
+              <a:ln>
+                <a:noFill/>
+              </a:ln>
+              <a:solidFill>
+                <a:prstClr val="white"/>
+              </a:solidFill>
+              <a:effectLst/>
+              <a:uLnTx/>
+              <a:uFillTx/>
+              <a:latin typeface="Calibri" panose="020F0502020204030204"/>
+              <a:ea typeface="+mn-ea"/>
+              <a:cs typeface="+mn-cs"/>
+            </a:endParaRPr>
+          </a:p>
+        </p:txBody>
+      </p:sp>
+      <p:cxnSp>
+        <p:nvCxnSpPr>
+          <p:cNvPr id="46" name="Straight Connector 45">
+            <a:extLst>
+              <a:ext uri="{FF2B5EF4-FFF2-40B4-BE49-F238E27FC236}">
+                <a16:creationId xmlns:a16="http://schemas.microsoft.com/office/drawing/2014/main" id="{A862912E-AF22-4D83-9C47-1AFDF74BD5A6}"/>
+              </a:ext>
+            </a:extLst>
+          </p:cNvPr>
+          <p:cNvCxnSpPr>
+            <a:cxnSpLocks/>
+            <a:stCxn id="40" idx="0"/>
+            <a:endCxn id="45" idx="1"/>
+          </p:cNvCxnSpPr>
+          <p:nvPr/>
+        </p:nvCxnSpPr>
+        <p:spPr>
+          <a:xfrm flipV="1">
+            <a:off x="6897448" y="2971039"/>
+            <a:ext cx="1346819" cy="514030"/>
+          </a:xfrm>
+          <a:prstGeom prst="line">
+            <a:avLst/>
+          </a:prstGeom>
+          <a:ln w="15875">
+            <a:solidFill>
+              <a:schemeClr val="tx1"/>
+            </a:solidFill>
+          </a:ln>
+        </p:spPr>
+        <p:style>
+          <a:lnRef idx="1">
+            <a:schemeClr val="accent1"/>
+          </a:lnRef>
+          <a:fillRef idx="0">
+            <a:schemeClr val="accent1"/>
+          </a:fillRef>
+          <a:effectRef idx="0">
+            <a:schemeClr val="accent1"/>
+          </a:effectRef>
+          <a:fontRef idx="minor">
+            <a:schemeClr val="tx1"/>
+          </a:fontRef>
+        </p:style>
+      </p:cxnSp>
+      <p:cxnSp>
+        <p:nvCxnSpPr>
+          <p:cNvPr id="47" name="Straight Connector 46">
+            <a:extLst>
+              <a:ext uri="{FF2B5EF4-FFF2-40B4-BE49-F238E27FC236}">
+                <a16:creationId xmlns:a16="http://schemas.microsoft.com/office/drawing/2014/main" id="{0F551591-E134-405B-BE2E-807CA35B3626}"/>
+              </a:ext>
+            </a:extLst>
+          </p:cNvPr>
+          <p:cNvCxnSpPr>
+            <a:cxnSpLocks/>
+            <a:stCxn id="40" idx="3"/>
+            <a:endCxn id="45" idx="4"/>
+          </p:cNvCxnSpPr>
+          <p:nvPr/>
+        </p:nvCxnSpPr>
+        <p:spPr>
+          <a:xfrm flipV="1">
+            <a:off x="7679750" y="3192932"/>
+            <a:ext cx="674388" cy="808752"/>
+          </a:xfrm>
+          <a:prstGeom prst="line">
+            <a:avLst/>
+          </a:prstGeom>
+          <a:ln w="15875">
+            <a:solidFill>
+              <a:schemeClr val="tx1"/>
+            </a:solidFill>
+          </a:ln>
+        </p:spPr>
+        <p:style>
+          <a:lnRef idx="1">
+            <a:schemeClr val="accent1"/>
+          </a:lnRef>
+          <a:fillRef idx="0">
+            <a:schemeClr val="accent1"/>
+          </a:fillRef>
+          <a:effectRef idx="0">
+            <a:schemeClr val="accent1"/>
+          </a:effectRef>
+          <a:fontRef idx="minor">
+            <a:schemeClr val="tx1"/>
+          </a:fontRef>
+        </p:style>
+      </p:cxnSp>
+      <p:sp>
+        <p:nvSpPr>
+          <p:cNvPr id="50" name="Oval 49">
+            <a:extLst>
+              <a:ext uri="{FF2B5EF4-FFF2-40B4-BE49-F238E27FC236}">
+                <a16:creationId xmlns:a16="http://schemas.microsoft.com/office/drawing/2014/main" id="{CD73BB11-39CE-49F9-B19A-D63D6B30EB6E}"/>
+              </a:ext>
+            </a:extLst>
+          </p:cNvPr>
+          <p:cNvSpPr/>
+          <p:nvPr/>
+        </p:nvSpPr>
+        <p:spPr>
+          <a:xfrm>
+            <a:off x="4779767" y="2934818"/>
+            <a:ext cx="310761" cy="259964"/>
+          </a:xfrm>
+          <a:prstGeom prst="ellipse">
+            <a:avLst/>
+          </a:prstGeom>
+          <a:noFill/>
+          <a:ln w="15875">
+            <a:solidFill>
+              <a:schemeClr val="tx1"/>
+            </a:solidFill>
+          </a:ln>
+        </p:spPr>
+        <p:style>
+          <a:lnRef idx="2">
+            <a:schemeClr val="accent1">
+              <a:shade val="50000"/>
+            </a:schemeClr>
+          </a:lnRef>
+          <a:fillRef idx="1">
+            <a:schemeClr val="accent1"/>
+          </a:fillRef>
+          <a:effectRef idx="0">
+            <a:schemeClr val="accent1"/>
+          </a:effectRef>
+          <a:fontRef idx="minor">
+            <a:schemeClr val="lt1"/>
+          </a:fontRef>
+        </p:style>
+        <p:txBody>
+          <a:bodyPr rtlCol="0" anchor="ctr"/>
+          <a:lstStyle/>
+          <a:p>
+            <a:pPr marL="0" marR="0" lvl="0" indent="0" algn="ctr" defTabSz="914400" rtl="0" eaLnBrk="1" fontAlgn="auto" latinLnBrk="0" hangingPunct="1">
+              <a:lnSpc>
+                <a:spcPct val="100000"/>
+              </a:lnSpc>
+              <a:spcBef>
+                <a:spcPts val="0"/>
+              </a:spcBef>
+              <a:spcAft>
+                <a:spcPts val="0"/>
+              </a:spcAft>
+              <a:buClrTx/>
+              <a:buSzTx/>
+              <a:buFontTx/>
+              <a:buNone/>
+              <a:tabLst/>
+              <a:defRPr/>
+            </a:pPr>
+            <a:endParaRPr kumimoji="0" lang="en-US" sz="1800" b="0" i="0" u="none" strike="noStrike" kern="1200" cap="none" spc="0" normalizeH="0" baseline="0" noProof="0">
+              <a:ln>
+                <a:noFill/>
+              </a:ln>
+              <a:solidFill>
+                <a:prstClr val="white"/>
+              </a:solidFill>
+              <a:effectLst/>
+              <a:uLnTx/>
+              <a:uFillTx/>
+              <a:latin typeface="Calibri" panose="020F0502020204030204"/>
+              <a:ea typeface="+mn-ea"/>
+              <a:cs typeface="+mn-cs"/>
+            </a:endParaRPr>
+          </a:p>
+        </p:txBody>
+      </p:sp>
+      <p:cxnSp>
+        <p:nvCxnSpPr>
+          <p:cNvPr id="51" name="Straight Connector 50">
+            <a:extLst>
+              <a:ext uri="{FF2B5EF4-FFF2-40B4-BE49-F238E27FC236}">
+                <a16:creationId xmlns:a16="http://schemas.microsoft.com/office/drawing/2014/main" id="{59BDF2D5-9CC0-48D8-9F2E-1F4D7DF70254}"/>
+              </a:ext>
+            </a:extLst>
+          </p:cNvPr>
+          <p:cNvCxnSpPr>
+            <a:cxnSpLocks/>
+            <a:endCxn id="50" idx="1"/>
+          </p:cNvCxnSpPr>
+          <p:nvPr/>
+        </p:nvCxnSpPr>
+        <p:spPr>
+          <a:xfrm flipV="1">
+            <a:off x="4009859" y="2972889"/>
+            <a:ext cx="815418" cy="499485"/>
+          </a:xfrm>
+          <a:prstGeom prst="line">
+            <a:avLst/>
+          </a:prstGeom>
+          <a:ln w="15875">
+            <a:solidFill>
+              <a:schemeClr val="tx1"/>
+            </a:solidFill>
+          </a:ln>
+        </p:spPr>
+        <p:style>
+          <a:lnRef idx="1">
+            <a:schemeClr val="accent1"/>
+          </a:lnRef>
+          <a:fillRef idx="0">
+            <a:schemeClr val="accent1"/>
+          </a:fillRef>
+          <a:effectRef idx="0">
+            <a:schemeClr val="accent1"/>
+          </a:effectRef>
+          <a:fontRef idx="minor">
+            <a:schemeClr val="tx1"/>
+          </a:fontRef>
+        </p:style>
+      </p:cxnSp>
+      <p:cxnSp>
+        <p:nvCxnSpPr>
+          <p:cNvPr id="53" name="Straight Connector 52">
+            <a:extLst>
+              <a:ext uri="{FF2B5EF4-FFF2-40B4-BE49-F238E27FC236}">
+                <a16:creationId xmlns:a16="http://schemas.microsoft.com/office/drawing/2014/main" id="{76A261CC-01C0-46BB-81C2-D66BA6DC5B4B}"/>
+              </a:ext>
+            </a:extLst>
+          </p:cNvPr>
+          <p:cNvCxnSpPr>
+            <a:cxnSpLocks/>
+            <a:endCxn id="50" idx="7"/>
+          </p:cNvCxnSpPr>
+          <p:nvPr/>
+        </p:nvCxnSpPr>
+        <p:spPr>
+          <a:xfrm flipH="1" flipV="1">
+            <a:off x="5045018" y="2972889"/>
+            <a:ext cx="549660" cy="496244"/>
+          </a:xfrm>
+          <a:prstGeom prst="line">
+            <a:avLst/>
+          </a:prstGeom>
+          <a:ln w="15875">
+            <a:solidFill>
+              <a:schemeClr val="tx1"/>
+            </a:solidFill>
+          </a:ln>
+        </p:spPr>
+        <p:style>
+          <a:lnRef idx="1">
+            <a:schemeClr val="accent1"/>
+          </a:lnRef>
+          <a:fillRef idx="0">
+            <a:schemeClr val="accent1"/>
+          </a:fillRef>
+          <a:effectRef idx="0">
+            <a:schemeClr val="accent1"/>
+          </a:effectRef>
+          <a:fontRef idx="minor">
+            <a:schemeClr val="tx1"/>
+          </a:fontRef>
+        </p:style>
+      </p:cxnSp>
+      <p:sp>
+        <p:nvSpPr>
+          <p:cNvPr id="54" name="Oval 53">
+            <a:extLst>
+              <a:ext uri="{FF2B5EF4-FFF2-40B4-BE49-F238E27FC236}">
+                <a16:creationId xmlns:a16="http://schemas.microsoft.com/office/drawing/2014/main" id="{308A47DC-ACAC-4F75-9594-5E6892962190}"/>
+              </a:ext>
+            </a:extLst>
+          </p:cNvPr>
+          <p:cNvSpPr/>
+          <p:nvPr/>
+        </p:nvSpPr>
+        <p:spPr>
+          <a:xfrm>
+            <a:off x="2436900" y="2944546"/>
+            <a:ext cx="310761" cy="259964"/>
+          </a:xfrm>
+          <a:prstGeom prst="ellipse">
+            <a:avLst/>
+          </a:prstGeom>
+          <a:noFill/>
+          <a:ln w="15875">
+            <a:solidFill>
+              <a:schemeClr val="tx1"/>
+            </a:solidFill>
+          </a:ln>
+        </p:spPr>
+        <p:style>
+          <a:lnRef idx="2">
+            <a:schemeClr val="accent1">
+              <a:shade val="50000"/>
+            </a:schemeClr>
+          </a:lnRef>
+          <a:fillRef idx="1">
+            <a:schemeClr val="accent1"/>
+          </a:fillRef>
+          <a:effectRef idx="0">
+            <a:schemeClr val="accent1"/>
+          </a:effectRef>
+          <a:fontRef idx="minor">
+            <a:schemeClr val="lt1"/>
+          </a:fontRef>
+        </p:style>
+        <p:txBody>
+          <a:bodyPr rtlCol="0" anchor="ctr"/>
+          <a:lstStyle/>
+          <a:p>
+            <a:pPr marL="0" marR="0" lvl="0" indent="0" algn="ctr" defTabSz="914400" rtl="0" eaLnBrk="1" fontAlgn="auto" latinLnBrk="0" hangingPunct="1">
+              <a:lnSpc>
+                <a:spcPct val="100000"/>
+              </a:lnSpc>
+              <a:spcBef>
+                <a:spcPts val="0"/>
+              </a:spcBef>
+              <a:spcAft>
+                <a:spcPts val="0"/>
+              </a:spcAft>
+              <a:buClrTx/>
+              <a:buSzTx/>
+              <a:buFontTx/>
+              <a:buNone/>
+              <a:tabLst/>
+              <a:defRPr/>
+            </a:pPr>
+            <a:endParaRPr kumimoji="0" lang="en-US" sz="1800" b="0" i="0" u="none" strike="noStrike" kern="1200" cap="none" spc="0" normalizeH="0" baseline="0" noProof="0">
+              <a:ln>
+                <a:noFill/>
+              </a:ln>
+              <a:solidFill>
+                <a:prstClr val="white"/>
+              </a:solidFill>
+              <a:effectLst/>
+              <a:uLnTx/>
+              <a:uFillTx/>
+              <a:latin typeface="Calibri" panose="020F0502020204030204"/>
+              <a:ea typeface="+mn-ea"/>
+              <a:cs typeface="+mn-cs"/>
+            </a:endParaRPr>
+          </a:p>
+        </p:txBody>
+      </p:sp>
+      <p:cxnSp>
+        <p:nvCxnSpPr>
+          <p:cNvPr id="55" name="Straight Connector 54">
+            <a:extLst>
+              <a:ext uri="{FF2B5EF4-FFF2-40B4-BE49-F238E27FC236}">
+                <a16:creationId xmlns:a16="http://schemas.microsoft.com/office/drawing/2014/main" id="{94F2917C-D15A-492D-BE34-53140BCFC610}"/>
+              </a:ext>
+            </a:extLst>
+          </p:cNvPr>
+          <p:cNvCxnSpPr>
+            <a:cxnSpLocks/>
+            <a:endCxn id="54" idx="1"/>
+          </p:cNvCxnSpPr>
+          <p:nvPr/>
+        </p:nvCxnSpPr>
+        <p:spPr>
+          <a:xfrm flipV="1">
+            <a:off x="1592623" y="2982617"/>
+            <a:ext cx="889787" cy="512354"/>
+          </a:xfrm>
+          <a:prstGeom prst="line">
+            <a:avLst/>
+          </a:prstGeom>
+          <a:ln w="15875">
+            <a:solidFill>
+              <a:schemeClr val="tx1"/>
+            </a:solidFill>
+          </a:ln>
+        </p:spPr>
+        <p:style>
+          <a:lnRef idx="1">
+            <a:schemeClr val="accent1"/>
+          </a:lnRef>
+          <a:fillRef idx="0">
+            <a:schemeClr val="accent1"/>
+          </a:fillRef>
+          <a:effectRef idx="0">
+            <a:schemeClr val="accent1"/>
+          </a:effectRef>
+          <a:fontRef idx="minor">
+            <a:schemeClr val="tx1"/>
+          </a:fontRef>
+        </p:style>
+      </p:cxnSp>
+      <p:cxnSp>
+        <p:nvCxnSpPr>
+          <p:cNvPr id="56" name="Straight Connector 55">
+            <a:extLst>
+              <a:ext uri="{FF2B5EF4-FFF2-40B4-BE49-F238E27FC236}">
+                <a16:creationId xmlns:a16="http://schemas.microsoft.com/office/drawing/2014/main" id="{48F3EF9B-77CB-480B-AB2F-3C0C6F5BC81B}"/>
+              </a:ext>
+            </a:extLst>
+          </p:cNvPr>
+          <p:cNvCxnSpPr>
+            <a:cxnSpLocks/>
+            <a:endCxn id="54" idx="6"/>
+          </p:cNvCxnSpPr>
+          <p:nvPr/>
+        </p:nvCxnSpPr>
+        <p:spPr>
+          <a:xfrm flipH="1" flipV="1">
+            <a:off x="2747661" y="3074528"/>
+            <a:ext cx="425946" cy="410542"/>
+          </a:xfrm>
+          <a:prstGeom prst="line">
+            <a:avLst/>
+          </a:prstGeom>
+          <a:ln w="15875">
+            <a:solidFill>
+              <a:schemeClr val="tx1"/>
+            </a:solidFill>
+          </a:ln>
+        </p:spPr>
+        <p:style>
+          <a:lnRef idx="1">
+            <a:schemeClr val="accent1"/>
+          </a:lnRef>
+          <a:fillRef idx="0">
+            <a:schemeClr val="accent1"/>
+          </a:fillRef>
+          <a:effectRef idx="0">
+            <a:schemeClr val="accent1"/>
+          </a:effectRef>
+          <a:fontRef idx="minor">
+            <a:schemeClr val="tx1"/>
+          </a:fontRef>
+        </p:style>
+      </p:cxnSp>
+      <mc:AlternateContent xmlns:mc="http://schemas.openxmlformats.org/markup-compatibility/2006">
+        <mc:Choice xmlns:a14="http://schemas.microsoft.com/office/drawing/2010/main" Requires="a14">
+          <p:sp>
+            <p:nvSpPr>
+              <p:cNvPr id="75" name="TextBox 74">
+                <a:extLst>
+                  <a:ext uri="{FF2B5EF4-FFF2-40B4-BE49-F238E27FC236}">
+                    <a16:creationId xmlns:a16="http://schemas.microsoft.com/office/drawing/2014/main" id="{451C8826-8E23-4A94-A2A7-D7617BE0A29F}"/>
+                  </a:ext>
+                </a:extLst>
+              </p:cNvPr>
+              <p:cNvSpPr txBox="1"/>
+              <p:nvPr/>
+            </p:nvSpPr>
+            <p:spPr>
+              <a:xfrm>
+                <a:off x="4810691" y="1639563"/>
+                <a:ext cx="1861101" cy="888064"/>
+              </a:xfrm>
+              <a:prstGeom prst="rect">
+                <a:avLst/>
+              </a:prstGeom>
+              <a:noFill/>
+            </p:spPr>
+            <p:txBody>
+              <a:bodyPr wrap="square" rtlCol="0">
+                <a:spAutoFit/>
+              </a:bodyPr>
+              <a:lstStyle/>
+              <a:p>
+                <a:pPr marL="0" marR="0" lvl="0" indent="0" algn="l" defTabSz="914400" rtl="0" eaLnBrk="1" fontAlgn="auto" latinLnBrk="0" hangingPunct="1">
+                  <a:lnSpc>
+                    <a:spcPct val="100000"/>
+                  </a:lnSpc>
+                  <a:spcBef>
+                    <a:spcPts val="0"/>
+                  </a:spcBef>
+                  <a:spcAft>
+                    <a:spcPts val="0"/>
+                  </a:spcAft>
+                  <a:buClrTx/>
+                  <a:buSzTx/>
+                  <a:buFontTx/>
+                  <a:buNone/>
+                  <a:tabLst/>
+                  <a:defRPr/>
+                </a:pPr>
+                <a14:m>
+                  <m:oMathPara xmlns:m="http://schemas.openxmlformats.org/officeDocument/2006/math">
+                    <m:oMathParaPr>
+                      <m:jc m:val="centerGroup"/>
+                    </m:oMathParaPr>
+                    <m:oMath xmlns:m="http://schemas.openxmlformats.org/officeDocument/2006/math">
+                      <m:sSub>
+                        <m:sSubPr>
+                          <m:ctrlPr>
+                            <a:rPr kumimoji="0" lang="en-US" sz="2800" b="0" i="1" u="none" strike="noStrike" kern="1200" cap="none" spc="0" normalizeH="0" baseline="0" noProof="0" smtClean="0">
+                              <a:ln>
+                                <a:noFill/>
+                              </a:ln>
+                              <a:solidFill>
+                                <a:prstClr val="black"/>
+                              </a:solidFill>
+                              <a:effectLst/>
+                              <a:uLnTx/>
+                              <a:uFillTx/>
+                              <a:latin typeface="Cambria Math" panose="02040503050406030204" pitchFamily="18" charset="0"/>
+                              <a:ea typeface="+mn-ea"/>
+                              <a:cs typeface="+mn-cs"/>
+                            </a:rPr>
+                          </m:ctrlPr>
+                        </m:sSubPr>
+                        <m:e>
+                          <m:r>
+                            <a:rPr kumimoji="0" lang="en-US" sz="2800" b="0" i="1" u="none" strike="noStrike" kern="1200" cap="none" spc="0" normalizeH="0" baseline="0" noProof="0" smtClean="0">
+                              <a:ln>
+                                <a:noFill/>
+                              </a:ln>
+                              <a:solidFill>
+                                <a:prstClr val="black"/>
+                              </a:solidFill>
+                              <a:effectLst/>
+                              <a:uLnTx/>
+                              <a:uFillTx/>
+                              <a:latin typeface="Cambria Math" panose="02040503050406030204" pitchFamily="18" charset="0"/>
+                              <a:ea typeface="+mn-ea"/>
+                              <a:cs typeface="+mn-cs"/>
+                            </a:rPr>
+                            <m:t>𝑉</m:t>
+                          </m:r>
+                        </m:e>
+                        <m:sub>
+                          <m:r>
+                            <a:rPr kumimoji="0" lang="en-US" sz="2800" b="0" i="1" u="none" strike="noStrike" kern="1200" cap="none" spc="0" normalizeH="0" baseline="0" noProof="0" smtClean="0">
+                              <a:ln>
+                                <a:noFill/>
+                              </a:ln>
+                              <a:solidFill>
+                                <a:prstClr val="black"/>
+                              </a:solidFill>
+                              <a:effectLst/>
+                              <a:uLnTx/>
+                              <a:uFillTx/>
+                              <a:latin typeface="Cambria Math" panose="02040503050406030204" pitchFamily="18" charset="0"/>
+                              <a:ea typeface="+mn-ea"/>
+                              <a:cs typeface="+mn-cs"/>
+                            </a:rPr>
+                            <m:t>+</m:t>
+                          </m:r>
+                        </m:sub>
+                      </m:sSub>
+                      <m:r>
+                        <a:rPr kumimoji="0" lang="en-US" sz="2800" b="0" i="1" u="none" strike="noStrike" kern="1200" cap="none" spc="0" normalizeH="0" baseline="0" noProof="0" smtClean="0">
+                          <a:ln>
+                            <a:noFill/>
+                          </a:ln>
+                          <a:solidFill>
+                            <a:prstClr val="black"/>
+                          </a:solidFill>
+                          <a:effectLst/>
+                          <a:uLnTx/>
+                          <a:uFillTx/>
+                          <a:latin typeface="Cambria Math" panose="02040503050406030204" pitchFamily="18" charset="0"/>
+                          <a:ea typeface="+mn-ea"/>
+                          <a:cs typeface="+mn-cs"/>
+                        </a:rPr>
+                        <m:t>=</m:t>
+                      </m:r>
+                      <m:f>
+                        <m:fPr>
+                          <m:ctrlPr>
+                            <a:rPr kumimoji="0" lang="en-US" sz="2800" b="0" i="1" u="none" strike="noStrike" kern="1200" cap="none" spc="0" normalizeH="0" baseline="0" noProof="0" smtClean="0">
+                              <a:ln>
+                                <a:noFill/>
+                              </a:ln>
+                              <a:solidFill>
+                                <a:prstClr val="black"/>
+                              </a:solidFill>
+                              <a:effectLst/>
+                              <a:uLnTx/>
+                              <a:uFillTx/>
+                              <a:latin typeface="Cambria Math" panose="02040503050406030204" pitchFamily="18" charset="0"/>
+                              <a:ea typeface="+mn-ea"/>
+                              <a:cs typeface="+mn-cs"/>
+                            </a:rPr>
+                          </m:ctrlPr>
+                        </m:fPr>
+                        <m:num>
+                          <m:sSub>
+                            <m:sSubPr>
+                              <m:ctrlPr>
+                                <a:rPr kumimoji="0" lang="en-US" sz="2800" b="0" i="1" u="none" strike="noStrike" kern="1200" cap="none" spc="0" normalizeH="0" baseline="0" noProof="0" smtClean="0">
+                                  <a:ln>
+                                    <a:noFill/>
+                                  </a:ln>
+                                  <a:solidFill>
+                                    <a:prstClr val="black"/>
+                                  </a:solidFill>
+                                  <a:effectLst/>
+                                  <a:uLnTx/>
+                                  <a:uFillTx/>
+                                  <a:latin typeface="Cambria Math" panose="02040503050406030204" pitchFamily="18" charset="0"/>
+                                  <a:ea typeface="+mn-ea"/>
+                                  <a:cs typeface="+mn-cs"/>
+                                </a:rPr>
+                              </m:ctrlPr>
+                            </m:sSubPr>
+                            <m:e>
+                              <m:r>
+                                <a:rPr kumimoji="0" lang="en-US" sz="2800" b="0" i="1" u="none" strike="noStrike" kern="1200" cap="none" spc="0" normalizeH="0" baseline="0" noProof="0" smtClean="0">
+                                  <a:ln>
+                                    <a:noFill/>
+                                  </a:ln>
+                                  <a:solidFill>
+                                    <a:prstClr val="black"/>
+                                  </a:solidFill>
+                                  <a:effectLst/>
+                                  <a:uLnTx/>
+                                  <a:uFillTx/>
+                                  <a:latin typeface="Cambria Math" panose="02040503050406030204" pitchFamily="18" charset="0"/>
+                                  <a:ea typeface="+mn-ea"/>
+                                  <a:cs typeface="+mn-cs"/>
+                                </a:rPr>
+                                <m:t>𝜖</m:t>
+                              </m:r>
+                            </m:e>
+                            <m:sub>
+                              <m:r>
+                                <a:rPr kumimoji="0" lang="en-US" sz="2800" b="0" i="1" u="none" strike="noStrike" kern="1200" cap="none" spc="0" normalizeH="0" baseline="0" noProof="0" smtClean="0">
+                                  <a:ln>
+                                    <a:noFill/>
+                                  </a:ln>
+                                  <a:solidFill>
+                                    <a:prstClr val="black"/>
+                                  </a:solidFill>
+                                  <a:effectLst/>
+                                  <a:uLnTx/>
+                                  <a:uFillTx/>
+                                  <a:latin typeface="Cambria Math" panose="02040503050406030204" pitchFamily="18" charset="0"/>
+                                  <a:ea typeface="+mn-ea"/>
+                                  <a:cs typeface="+mn-cs"/>
+                                </a:rPr>
+                                <m:t>𝐹</m:t>
+                              </m:r>
+                            </m:sub>
+                          </m:sSub>
+                        </m:num>
+                        <m:den>
+                          <m:d>
+                            <m:dPr>
+                              <m:begChr m:val="|"/>
+                              <m:endChr m:val="|"/>
+                              <m:ctrlPr>
+                                <a:rPr kumimoji="0" lang="en-US" sz="2800" b="0" i="1" u="none" strike="noStrike" kern="1200" cap="none" spc="0" normalizeH="0" baseline="0" noProof="0" smtClean="0">
+                                  <a:ln>
+                                    <a:noFill/>
+                                  </a:ln>
+                                  <a:solidFill>
+                                    <a:prstClr val="black"/>
+                                  </a:solidFill>
+                                  <a:effectLst/>
+                                  <a:uLnTx/>
+                                  <a:uFillTx/>
+                                  <a:latin typeface="Cambria Math" panose="02040503050406030204" pitchFamily="18" charset="0"/>
+                                  <a:ea typeface="+mn-ea"/>
+                                  <a:cs typeface="+mn-cs"/>
+                                </a:rPr>
+                              </m:ctrlPr>
+                            </m:dPr>
+                            <m:e>
+                              <m:r>
+                                <a:rPr kumimoji="0" lang="en-US" sz="2800" b="0" i="1" u="none" strike="noStrike" kern="1200" cap="none" spc="0" normalizeH="0" baseline="0" noProof="0" smtClean="0">
+                                  <a:ln>
+                                    <a:noFill/>
+                                  </a:ln>
+                                  <a:solidFill>
+                                    <a:prstClr val="black"/>
+                                  </a:solidFill>
+                                  <a:effectLst/>
+                                  <a:uLnTx/>
+                                  <a:uFillTx/>
+                                  <a:latin typeface="Cambria Math" panose="02040503050406030204" pitchFamily="18" charset="0"/>
+                                  <a:ea typeface="+mn-ea"/>
+                                  <a:cs typeface="+mn-cs"/>
+                                </a:rPr>
+                                <m:t>𝑒</m:t>
+                              </m:r>
+                            </m:e>
+                          </m:d>
+                        </m:den>
+                      </m:f>
+                    </m:oMath>
+                  </m:oMathPara>
+                </a14:m>
+                <a:endParaRPr kumimoji="0" lang="en-US" sz="2800" b="0" i="0" u="none" strike="noStrike" kern="1200" cap="none" spc="0" normalizeH="0" baseline="0" noProof="0" dirty="0">
+                  <a:ln>
+                    <a:noFill/>
+                  </a:ln>
+                  <a:solidFill>
+                    <a:prstClr val="black"/>
+                  </a:solidFill>
+                  <a:effectLst/>
+                  <a:uLnTx/>
+                  <a:uFillTx/>
+                  <a:latin typeface="Calibri" panose="020F0502020204030204"/>
+                  <a:ea typeface="+mn-ea"/>
+                  <a:cs typeface="+mn-cs"/>
+                </a:endParaRPr>
+              </a:p>
+            </p:txBody>
+          </p:sp>
+        </mc:Choice>
+        <mc:Fallback>
+          <p:sp>
+            <p:nvSpPr>
+              <p:cNvPr id="75" name="TextBox 74">
+                <a:extLst>
+                  <a:ext uri="{FF2B5EF4-FFF2-40B4-BE49-F238E27FC236}">
+                    <a16:creationId xmlns:a16="http://schemas.microsoft.com/office/drawing/2014/main" id="{451C8826-8E23-4A94-A2A7-D7617BE0A29F}"/>
+                  </a:ext>
+                </a:extLst>
+              </p:cNvPr>
+              <p:cNvSpPr txBox="1">
+                <a:spLocks noRot="1" noChangeAspect="1" noMove="1" noResize="1" noEditPoints="1" noAdjustHandles="1" noChangeArrowheads="1" noChangeShapeType="1" noTextEdit="1"/>
+              </p:cNvSpPr>
+              <p:nvPr/>
+            </p:nvSpPr>
+            <p:spPr>
+              <a:xfrm>
+                <a:off x="4810691" y="1639563"/>
+                <a:ext cx="1861101" cy="888064"/>
+              </a:xfrm>
+              <a:prstGeom prst="rect">
+                <a:avLst/>
+              </a:prstGeom>
+              <a:blipFill>
+                <a:blip r:embed="rId6"/>
+                <a:stretch>
+                  <a:fillRect/>
+                </a:stretch>
+              </a:blipFill>
+            </p:spPr>
+            <p:txBody>
+              <a:bodyPr/>
+              <a:lstStyle/>
+              <a:p>
+                <a:r>
+                  <a:rPr lang="en-US">
+                    <a:noFill/>
+                  </a:rPr>
+                  <a:t> </a:t>
+                </a:r>
+              </a:p>
+            </p:txBody>
+          </p:sp>
+        </mc:Fallback>
+      </mc:AlternateContent>
+      <p:sp>
+        <p:nvSpPr>
+          <p:cNvPr id="76" name="Left Brace 75">
+            <a:extLst>
+              <a:ext uri="{FF2B5EF4-FFF2-40B4-BE49-F238E27FC236}">
+                <a16:creationId xmlns:a16="http://schemas.microsoft.com/office/drawing/2014/main" id="{076D5454-575D-49FD-9C96-9EEA412314CE}"/>
+              </a:ext>
+            </a:extLst>
+          </p:cNvPr>
+          <p:cNvSpPr/>
+          <p:nvPr/>
+        </p:nvSpPr>
+        <p:spPr>
+          <a:xfrm rot="5400000">
+            <a:off x="5127543" y="-141440"/>
+            <a:ext cx="231139" cy="5663088"/>
+          </a:xfrm>
+          <a:prstGeom prst="leftBrace">
+            <a:avLst>
+              <a:gd name="adj1" fmla="val 8333"/>
+              <a:gd name="adj2" fmla="val 41028"/>
+            </a:avLst>
+          </a:prstGeom>
+          <a:ln w="28575">
+            <a:solidFill>
+              <a:schemeClr val="tx1"/>
+            </a:solidFill>
+          </a:ln>
+        </p:spPr>
+        <p:style>
+          <a:lnRef idx="1">
+            <a:schemeClr val="accent1"/>
+          </a:lnRef>
+          <a:fillRef idx="0">
+            <a:schemeClr val="accent1"/>
+          </a:fillRef>
+          <a:effectRef idx="0">
+            <a:schemeClr val="accent1"/>
+          </a:effectRef>
+          <a:fontRef idx="minor">
+            <a:schemeClr val="tx1"/>
+          </a:fontRef>
+        </p:style>
+        <p:txBody>
+          <a:bodyPr rtlCol="0" anchor="ctr"/>
+          <a:lstStyle/>
+          <a:p>
+            <a:pPr marL="0" marR="0" lvl="0" indent="0" algn="ctr" defTabSz="914400" rtl="0" eaLnBrk="1" fontAlgn="auto" latinLnBrk="0" hangingPunct="1">
+              <a:lnSpc>
+                <a:spcPct val="100000"/>
+              </a:lnSpc>
+              <a:spcBef>
+                <a:spcPts val="0"/>
+              </a:spcBef>
+              <a:spcAft>
+                <a:spcPts val="0"/>
+              </a:spcAft>
+              <a:buClrTx/>
+              <a:buSzTx/>
+              <a:buFontTx/>
+              <a:buNone/>
+              <a:tabLst/>
+              <a:defRPr/>
+            </a:pPr>
+            <a:endParaRPr kumimoji="0" lang="en-US" sz="1800" b="0" i="0" u="none" strike="noStrike" kern="1200" cap="none" spc="0" normalizeH="0" baseline="0" noProof="0">
+              <a:ln>
+                <a:noFill/>
+              </a:ln>
+              <a:solidFill>
+                <a:prstClr val="black"/>
+              </a:solidFill>
+              <a:effectLst/>
+              <a:uLnTx/>
+              <a:uFillTx/>
+              <a:latin typeface="Calibri" panose="020F0502020204030204"/>
+              <a:ea typeface="+mn-ea"/>
+              <a:cs typeface="+mn-cs"/>
+            </a:endParaRPr>
+          </a:p>
+        </p:txBody>
+      </p:sp>
+      <p:sp>
+        <p:nvSpPr>
+          <p:cNvPr id="59" name="Rectangle 58">
+            <a:extLst>
+              <a:ext uri="{FF2B5EF4-FFF2-40B4-BE49-F238E27FC236}">
+                <a16:creationId xmlns:a16="http://schemas.microsoft.com/office/drawing/2014/main" id="{2ADA0C41-345F-4C12-971E-08633358F9C4}"/>
+              </a:ext>
+            </a:extLst>
+          </p:cNvPr>
+          <p:cNvSpPr/>
+          <p:nvPr/>
+        </p:nvSpPr>
+        <p:spPr>
+          <a:xfrm>
+            <a:off x="7362339" y="527678"/>
+            <a:ext cx="2229238" cy="612621"/>
+          </a:xfrm>
+          <a:prstGeom prst="rect">
+            <a:avLst/>
+          </a:prstGeom>
+          <a:solidFill>
+            <a:schemeClr val="bg1">
+              <a:lumMod val="75000"/>
+            </a:schemeClr>
+          </a:solidFill>
+          <a:ln>
+            <a:solidFill>
+              <a:schemeClr val="bg1">
+                <a:lumMod val="75000"/>
+              </a:schemeClr>
+            </a:solidFill>
+          </a:ln>
+        </p:spPr>
+        <p:style>
+          <a:lnRef idx="2">
+            <a:schemeClr val="accent1">
+              <a:shade val="50000"/>
+            </a:schemeClr>
+          </a:lnRef>
+          <a:fillRef idx="1">
+            <a:schemeClr val="accent1"/>
+          </a:fillRef>
+          <a:effectRef idx="0">
+            <a:schemeClr val="accent1"/>
+          </a:effectRef>
+          <a:fontRef idx="minor">
+            <a:schemeClr val="lt1"/>
+          </a:fontRef>
+        </p:style>
+        <p:txBody>
+          <a:bodyPr rtlCol="0" anchor="ctr"/>
+          <a:lstStyle/>
+          <a:p>
+            <a:pPr marL="0" marR="0" lvl="0" indent="0" algn="ctr" defTabSz="914400" rtl="0" eaLnBrk="1" fontAlgn="auto" latinLnBrk="0" hangingPunct="1">
+              <a:lnSpc>
+                <a:spcPct val="100000"/>
+              </a:lnSpc>
+              <a:spcBef>
+                <a:spcPts val="0"/>
+              </a:spcBef>
+              <a:spcAft>
+                <a:spcPts val="0"/>
+              </a:spcAft>
+              <a:buClrTx/>
+              <a:buSzTx/>
+              <a:buFontTx/>
+              <a:buNone/>
+              <a:tabLst/>
+              <a:defRPr/>
+            </a:pPr>
+            <a:endParaRPr kumimoji="0" lang="en-US" sz="1800" b="0" i="0" u="none" strike="noStrike" kern="1200" cap="none" spc="0" normalizeH="0" baseline="0" noProof="0">
+              <a:ln>
+                <a:noFill/>
+              </a:ln>
+              <a:solidFill>
+                <a:prstClr val="white"/>
+              </a:solidFill>
+              <a:effectLst/>
+              <a:uLnTx/>
+              <a:uFillTx/>
+              <a:latin typeface="Calibri" panose="020F0502020204030204"/>
+              <a:ea typeface="+mn-ea"/>
+              <a:cs typeface="+mn-cs"/>
+            </a:endParaRPr>
+          </a:p>
+        </p:txBody>
+      </p:sp>
+      <p:cxnSp>
+        <p:nvCxnSpPr>
+          <p:cNvPr id="64" name="Straight Connector 63">
+            <a:extLst>
+              <a:ext uri="{FF2B5EF4-FFF2-40B4-BE49-F238E27FC236}">
+                <a16:creationId xmlns:a16="http://schemas.microsoft.com/office/drawing/2014/main" id="{0D98F938-65B4-497D-9A36-B1855380601E}"/>
+              </a:ext>
+            </a:extLst>
+          </p:cNvPr>
+          <p:cNvCxnSpPr>
+            <a:cxnSpLocks/>
+            <a:endCxn id="59" idx="1"/>
+          </p:cNvCxnSpPr>
+          <p:nvPr/>
+        </p:nvCxnSpPr>
+        <p:spPr>
+          <a:xfrm flipV="1">
+            <a:off x="1047134" y="833989"/>
+            <a:ext cx="6315205" cy="8070"/>
+          </a:xfrm>
+          <a:prstGeom prst="line">
+            <a:avLst/>
+          </a:prstGeom>
+          <a:ln w="57150">
+            <a:solidFill>
+              <a:schemeClr val="tx1"/>
+            </a:solidFill>
+          </a:ln>
+        </p:spPr>
+        <p:style>
+          <a:lnRef idx="1">
+            <a:schemeClr val="accent1"/>
+          </a:lnRef>
+          <a:fillRef idx="0">
+            <a:schemeClr val="accent1"/>
+          </a:fillRef>
+          <a:effectRef idx="0">
+            <a:schemeClr val="accent1"/>
+          </a:effectRef>
+          <a:fontRef idx="minor">
+            <a:schemeClr val="tx1"/>
+          </a:fontRef>
+        </p:style>
+      </p:cxnSp>
+      <mc:AlternateContent xmlns:mc="http://schemas.openxmlformats.org/markup-compatibility/2006" xmlns:a14="http://schemas.microsoft.com/office/drawing/2010/main">
+        <mc:Choice Requires="a14">
+          <p:sp>
+            <p:nvSpPr>
+              <p:cNvPr id="65" name="TextBox 64">
+                <a:extLst>
+                  <a:ext uri="{FF2B5EF4-FFF2-40B4-BE49-F238E27FC236}">
+                    <a16:creationId xmlns:a16="http://schemas.microsoft.com/office/drawing/2014/main" id="{7E9249F6-7B2F-4787-92DA-9B1892EEFE1D}"/>
+                  </a:ext>
+                </a:extLst>
+              </p:cNvPr>
+              <p:cNvSpPr txBox="1"/>
+              <p:nvPr/>
+            </p:nvSpPr>
+            <p:spPr>
+              <a:xfrm>
+                <a:off x="9826957" y="1805351"/>
+                <a:ext cx="1317907" cy="523220"/>
+              </a:xfrm>
+              <a:prstGeom prst="rect">
+                <a:avLst/>
+              </a:prstGeom>
+              <a:noFill/>
+            </p:spPr>
+            <p:txBody>
+              <a:bodyPr wrap="square" rtlCol="0">
+                <a:spAutoFit/>
+              </a:bodyPr>
+              <a:lstStyle/>
+              <a:p>
+                <a:pPr marL="0" marR="0" lvl="0" indent="0" algn="l" defTabSz="914400" rtl="0" eaLnBrk="1" fontAlgn="auto" latinLnBrk="0" hangingPunct="1">
+                  <a:lnSpc>
+                    <a:spcPct val="100000"/>
+                  </a:lnSpc>
+                  <a:spcBef>
+                    <a:spcPts val="0"/>
+                  </a:spcBef>
+                  <a:spcAft>
+                    <a:spcPts val="0"/>
+                  </a:spcAft>
+                  <a:buClrTx/>
+                  <a:buSzTx/>
+                  <a:buFontTx/>
+                  <a:buNone/>
+                  <a:tabLst/>
+                  <a:defRPr/>
+                </a:pPr>
+                <a14:m>
+                  <m:oMathPara xmlns:m="http://schemas.openxmlformats.org/officeDocument/2006/math">
+                    <m:oMathParaPr>
+                      <m:jc m:val="centerGroup"/>
+                    </m:oMathParaPr>
+                    <m:oMath xmlns:m="http://schemas.openxmlformats.org/officeDocument/2006/math">
+                      <m:r>
+                        <a:rPr kumimoji="0" lang="en-US" sz="2800" b="0" i="1" u="none" strike="noStrike" kern="1200" cap="none" spc="0" normalizeH="0" baseline="0" noProof="0" dirty="0" smtClean="0">
+                          <a:ln>
+                            <a:noFill/>
+                          </a:ln>
+                          <a:solidFill>
+                            <a:prstClr val="black"/>
+                          </a:solidFill>
+                          <a:effectLst/>
+                          <a:uLnTx/>
+                          <a:uFillTx/>
+                          <a:latin typeface="Cambria Math" panose="02040503050406030204" pitchFamily="18" charset="0"/>
+                          <a:ea typeface="+mn-ea"/>
+                          <a:cs typeface="+mn-cs"/>
+                        </a:rPr>
+                        <m:t>𝑑</m:t>
+                      </m:r>
+                      <m:r>
+                        <a:rPr kumimoji="0" lang="en-US" sz="2800" b="0" i="1" u="none" strike="noStrike" kern="1200" cap="none" spc="0" normalizeH="0" baseline="-25000" noProof="0" dirty="0">
+                          <a:ln>
+                            <a:noFill/>
+                          </a:ln>
+                          <a:solidFill>
+                            <a:prstClr val="black"/>
+                          </a:solidFill>
+                          <a:effectLst/>
+                          <a:uLnTx/>
+                          <a:uFillTx/>
+                          <a:latin typeface="Cambria Math" panose="02040503050406030204" pitchFamily="18" charset="0"/>
+                          <a:ea typeface="+mn-ea"/>
+                          <a:cs typeface="+mn-cs"/>
+                        </a:rPr>
+                        <m:t>1</m:t>
+                      </m:r>
+                    </m:oMath>
+                  </m:oMathPara>
+                </a14:m>
+                <a:endParaRPr kumimoji="0" lang="en-US" sz="2800" b="0" i="0" u="none" strike="noStrike" kern="1200" cap="none" spc="0" normalizeH="0" baseline="-25000" noProof="0" dirty="0">
+                  <a:ln>
+                    <a:noFill/>
+                  </a:ln>
+                  <a:solidFill>
+                    <a:prstClr val="black"/>
+                  </a:solidFill>
+                  <a:effectLst/>
+                  <a:uLnTx/>
+                  <a:uFillTx/>
+                  <a:latin typeface="Calibri" panose="020F0502020204030204"/>
+                  <a:ea typeface="+mn-ea"/>
+                  <a:cs typeface="+mn-cs"/>
+                </a:endParaRPr>
+              </a:p>
+            </p:txBody>
+          </p:sp>
+        </mc:Choice>
+        <mc:Fallback xmlns="">
+          <p:sp>
+            <p:nvSpPr>
+              <p:cNvPr id="65" name="TextBox 64">
+                <a:extLst>
+                  <a:ext uri="{FF2B5EF4-FFF2-40B4-BE49-F238E27FC236}">
+                    <a16:creationId xmlns:a16="http://schemas.microsoft.com/office/drawing/2014/main" id="{7E9249F6-7B2F-4787-92DA-9B1892EEFE1D}"/>
+                  </a:ext>
+                </a:extLst>
+              </p:cNvPr>
+              <p:cNvSpPr txBox="1">
+                <a:spLocks noRot="1" noChangeAspect="1" noMove="1" noResize="1" noEditPoints="1" noAdjustHandles="1" noChangeArrowheads="1" noChangeShapeType="1" noTextEdit="1"/>
+              </p:cNvSpPr>
+              <p:nvPr/>
+            </p:nvSpPr>
+            <p:spPr>
+              <a:xfrm>
+                <a:off x="9826957" y="1805351"/>
+                <a:ext cx="1317907" cy="523220"/>
+              </a:xfrm>
+              <a:prstGeom prst="rect">
+                <a:avLst/>
+              </a:prstGeom>
+              <a:blipFill>
+                <a:blip r:embed="rId7"/>
+                <a:stretch>
+                  <a:fillRect/>
+                </a:stretch>
+              </a:blipFill>
+            </p:spPr>
+            <p:txBody>
+              <a:bodyPr/>
+              <a:lstStyle/>
+              <a:p>
+                <a:r>
+                  <a:rPr lang="en-US">
+                    <a:noFill/>
+                  </a:rPr>
+                  <a:t> </a:t>
+                </a:r>
+              </a:p>
+            </p:txBody>
+          </p:sp>
+        </mc:Fallback>
+      </mc:AlternateContent>
+      <mc:AlternateContent xmlns:mc="http://schemas.openxmlformats.org/markup-compatibility/2006">
+        <mc:Choice xmlns:a14="http://schemas.microsoft.com/office/drawing/2010/main" Requires="a14">
+          <p:sp>
+            <p:nvSpPr>
+              <p:cNvPr id="66" name="TextBox 65">
+                <a:extLst>
+                  <a:ext uri="{FF2B5EF4-FFF2-40B4-BE49-F238E27FC236}">
+                    <a16:creationId xmlns:a16="http://schemas.microsoft.com/office/drawing/2014/main" id="{F56AF4CF-DBCA-4D89-B508-9011BBDCC4B8}"/>
+                  </a:ext>
+                </a:extLst>
+              </p:cNvPr>
+              <p:cNvSpPr txBox="1"/>
+              <p:nvPr/>
+            </p:nvSpPr>
+            <p:spPr>
+              <a:xfrm>
+                <a:off x="10190255" y="4085149"/>
+                <a:ext cx="635863" cy="523220"/>
+              </a:xfrm>
+              <a:prstGeom prst="rect">
+                <a:avLst/>
+              </a:prstGeom>
+              <a:noFill/>
+            </p:spPr>
+            <p:txBody>
+              <a:bodyPr wrap="square" rtlCol="0">
+                <a:spAutoFit/>
+              </a:bodyPr>
+              <a:lstStyle/>
+              <a:p>
+                <a:pPr marL="0" marR="0" lvl="0" indent="0" algn="l" defTabSz="914400" rtl="0" eaLnBrk="1" fontAlgn="auto" latinLnBrk="0" hangingPunct="1">
+                  <a:lnSpc>
+                    <a:spcPct val="100000"/>
+                  </a:lnSpc>
+                  <a:spcBef>
+                    <a:spcPts val="0"/>
+                  </a:spcBef>
+                  <a:spcAft>
+                    <a:spcPts val="0"/>
+                  </a:spcAft>
+                  <a:buClrTx/>
+                  <a:buSzTx/>
+                  <a:buFontTx/>
+                  <a:buNone/>
+                  <a:tabLst/>
+                  <a:defRPr/>
+                </a:pPr>
+                <a14:m>
+                  <m:oMathPara xmlns:m="http://schemas.openxmlformats.org/officeDocument/2006/math">
+                    <m:oMathParaPr>
+                      <m:jc m:val="centerGroup"/>
+                    </m:oMathParaPr>
+                    <m:oMath xmlns:m="http://schemas.openxmlformats.org/officeDocument/2006/math">
+                      <m:r>
+                        <a:rPr kumimoji="0" lang="en-US" sz="2800" b="0" i="1" u="none" strike="noStrike" kern="1200" cap="none" spc="0" normalizeH="0" baseline="0" noProof="0" dirty="0" smtClean="0">
+                          <a:ln>
+                            <a:noFill/>
+                          </a:ln>
+                          <a:solidFill>
+                            <a:prstClr val="black"/>
+                          </a:solidFill>
+                          <a:effectLst/>
+                          <a:uLnTx/>
+                          <a:uFillTx/>
+                          <a:latin typeface="Cambria Math" panose="02040503050406030204" pitchFamily="18" charset="0"/>
+                          <a:ea typeface="+mn-ea"/>
+                          <a:cs typeface="+mn-cs"/>
+                        </a:rPr>
+                        <m:t>𝑑</m:t>
+                      </m:r>
+                      <m:r>
+                        <a:rPr kumimoji="0" lang="en-US" sz="2800" b="0" i="1" u="none" strike="noStrike" kern="1200" cap="none" spc="0" normalizeH="0" baseline="-25000" noProof="0" dirty="0" smtClean="0">
+                          <a:ln>
+                            <a:noFill/>
+                          </a:ln>
+                          <a:solidFill>
+                            <a:prstClr val="black"/>
+                          </a:solidFill>
+                          <a:effectLst/>
+                          <a:uLnTx/>
+                          <a:uFillTx/>
+                          <a:latin typeface="Cambria Math" panose="02040503050406030204" pitchFamily="18" charset="0"/>
+                          <a:ea typeface="+mn-ea"/>
+                          <a:cs typeface="+mn-cs"/>
+                        </a:rPr>
+                        <m:t>2</m:t>
+                      </m:r>
+                    </m:oMath>
+                  </m:oMathPara>
+                </a14:m>
+                <a:endParaRPr kumimoji="0" lang="en-US" sz="2800" b="0" i="0" u="none" strike="noStrike" kern="1200" cap="none" spc="0" normalizeH="0" baseline="-25000" noProof="0" dirty="0">
+                  <a:ln>
+                    <a:noFill/>
+                  </a:ln>
+                  <a:solidFill>
+                    <a:prstClr val="black"/>
+                  </a:solidFill>
+                  <a:effectLst/>
+                  <a:uLnTx/>
+                  <a:uFillTx/>
+                  <a:latin typeface="Calibri" panose="020F0502020204030204"/>
+                  <a:ea typeface="+mn-ea"/>
+                  <a:cs typeface="+mn-cs"/>
+                </a:endParaRPr>
+              </a:p>
+            </p:txBody>
+          </p:sp>
+        </mc:Choice>
+        <mc:Fallback>
+          <p:sp>
+            <p:nvSpPr>
+              <p:cNvPr id="66" name="TextBox 65">
+                <a:extLst>
+                  <a:ext uri="{FF2B5EF4-FFF2-40B4-BE49-F238E27FC236}">
+                    <a16:creationId xmlns:a16="http://schemas.microsoft.com/office/drawing/2014/main" id="{F56AF4CF-DBCA-4D89-B508-9011BBDCC4B8}"/>
+                  </a:ext>
+                </a:extLst>
+              </p:cNvPr>
+              <p:cNvSpPr txBox="1">
+                <a:spLocks noRot="1" noChangeAspect="1" noMove="1" noResize="1" noEditPoints="1" noAdjustHandles="1" noChangeArrowheads="1" noChangeShapeType="1" noTextEdit="1"/>
+              </p:cNvSpPr>
+              <p:nvPr/>
+            </p:nvSpPr>
+            <p:spPr>
+              <a:xfrm>
+                <a:off x="10190255" y="4085149"/>
+                <a:ext cx="635863" cy="523220"/>
+              </a:xfrm>
+              <a:prstGeom prst="rect">
+                <a:avLst/>
+              </a:prstGeom>
+              <a:blipFill>
+                <a:blip r:embed="rId8"/>
+                <a:stretch>
+                  <a:fillRect/>
+                </a:stretch>
+              </a:blipFill>
+            </p:spPr>
+            <p:txBody>
+              <a:bodyPr/>
+              <a:lstStyle/>
+              <a:p>
+                <a:r>
+                  <a:rPr lang="en-US">
+                    <a:noFill/>
+                  </a:rPr>
+                  <a:t> </a:t>
+                </a:r>
+              </a:p>
+            </p:txBody>
+          </p:sp>
+        </mc:Fallback>
+      </mc:AlternateContent>
+      <p:sp>
+        <p:nvSpPr>
+          <p:cNvPr id="2" name="Slide Number Placeholder 1">
+            <a:extLst>
+              <a:ext uri="{FF2B5EF4-FFF2-40B4-BE49-F238E27FC236}">
+                <a16:creationId xmlns:a16="http://schemas.microsoft.com/office/drawing/2014/main" id="{E82236AF-6CD4-41DA-9246-45A3C8FEBC6F}"/>
               </a:ext>
             </a:extLst>
           </p:cNvPr>
@@ -8324,7 +15067,7 @@
             <a:spLocks noGrp="1"/>
           </p:cNvSpPr>
           <p:nvPr>
-            <p:ph type="title"/>
+            <p:ph type="sldNum" sz="quarter" idx="12"/>
           </p:nvPr>
         </p:nvSpPr>
         <p:spPr/>
@@ -8332,39 +15075,164 @@
           <a:bodyPr/>
           <a:lstStyle/>
           <a:p>
-            <a:endParaRPr lang="en-US"/>
-          </a:p>
-        </p:txBody>
-      </p:sp>
-      <p:sp>
-        <p:nvSpPr>
-          <p:cNvPr id="3" name="Content Placeholder 2">
-            <a:extLst>
-              <a:ext uri="{FF2B5EF4-FFF2-40B4-BE49-F238E27FC236}">
-                <a16:creationId xmlns:a16="http://schemas.microsoft.com/office/drawing/2014/main" id="{428C9512-49F9-4F7D-B724-4842A0220F74}"/>
-              </a:ext>
-            </a:extLst>
-          </p:cNvPr>
-          <p:cNvSpPr>
-            <a:spLocks noGrp="1"/>
-          </p:cNvSpPr>
-          <p:nvPr>
-            <p:ph idx="1"/>
-          </p:nvPr>
-        </p:nvSpPr>
-        <p:spPr/>
-        <p:txBody>
-          <a:bodyPr/>
+            <a:pPr marL="0" marR="0" lvl="0" indent="0" algn="r" defTabSz="914400" rtl="0" eaLnBrk="1" fontAlgn="auto" latinLnBrk="0" hangingPunct="1">
+              <a:lnSpc>
+                <a:spcPct val="100000"/>
+              </a:lnSpc>
+              <a:spcBef>
+                <a:spcPts val="0"/>
+              </a:spcBef>
+              <a:spcAft>
+                <a:spcPts val="0"/>
+              </a:spcAft>
+              <a:buClrTx/>
+              <a:buSzTx/>
+              <a:buFontTx/>
+              <a:buNone/>
+              <a:tabLst/>
+              <a:defRPr/>
+            </a:pPr>
+            <a:fld id="{A7AC3516-8C24-49AA-86FA-AE97094E310F}" type="slidenum">
+              <a:rPr kumimoji="0" lang="en-US" sz="1200" b="0" i="0" u="none" strike="noStrike" kern="1200" cap="none" spc="0" normalizeH="0" baseline="0" noProof="0" smtClean="0">
+                <a:ln>
+                  <a:noFill/>
+                </a:ln>
+                <a:solidFill>
+                  <a:prstClr val="black">
+                    <a:tint val="75000"/>
+                  </a:prstClr>
+                </a:solidFill>
+                <a:effectLst/>
+                <a:uLnTx/>
+                <a:uFillTx/>
+                <a:latin typeface="Calibri" panose="020F0502020204030204"/>
+                <a:ea typeface="+mn-ea"/>
+                <a:cs typeface="+mn-cs"/>
+              </a:rPr>
+              <a:pPr marL="0" marR="0" lvl="0" indent="0" algn="r" defTabSz="914400" rtl="0" eaLnBrk="1" fontAlgn="auto" latinLnBrk="0" hangingPunct="1">
+                <a:lnSpc>
+                  <a:spcPct val="100000"/>
+                </a:lnSpc>
+                <a:spcBef>
+                  <a:spcPts val="0"/>
+                </a:spcBef>
+                <a:spcAft>
+                  <a:spcPts val="0"/>
+                </a:spcAft>
+                <a:buClrTx/>
+                <a:buSzTx/>
+                <a:buFontTx/>
+                <a:buNone/>
+                <a:tabLst/>
+                <a:defRPr/>
+              </a:pPr>
+              <a:t>2</a:t>
+            </a:fld>
+            <a:endParaRPr kumimoji="0" lang="en-US" sz="1200" b="0" i="0" u="none" strike="noStrike" kern="1200" cap="none" spc="0" normalizeH="0" baseline="0" noProof="0">
+              <a:ln>
+                <a:noFill/>
+              </a:ln>
+              <a:solidFill>
+                <a:prstClr val="black">
+                  <a:tint val="75000"/>
+                </a:prstClr>
+              </a:solidFill>
+              <a:effectLst/>
+              <a:uLnTx/>
+              <a:uFillTx/>
+              <a:latin typeface="Calibri" panose="020F0502020204030204"/>
+              <a:ea typeface="+mn-ea"/>
+              <a:cs typeface="+mn-cs"/>
+            </a:endParaRPr>
+          </a:p>
+        </p:txBody>
+      </p:sp>
+      <p:sp>
+        <p:nvSpPr>
+          <p:cNvPr id="60" name="TextBox 59">
+            <a:extLst>
+              <a:ext uri="{FF2B5EF4-FFF2-40B4-BE49-F238E27FC236}">
+                <a16:creationId xmlns:a16="http://schemas.microsoft.com/office/drawing/2014/main" id="{61C85908-7C63-4255-BF33-76E4381EF9DB}"/>
+              </a:ext>
+            </a:extLst>
+          </p:cNvPr>
+          <p:cNvSpPr txBox="1"/>
+          <p:nvPr/>
+        </p:nvSpPr>
+        <p:spPr>
+          <a:xfrm>
+            <a:off x="8960597" y="3339186"/>
+            <a:ext cx="658952" cy="523220"/>
+          </a:xfrm>
+          <a:prstGeom prst="rect">
+            <a:avLst/>
+          </a:prstGeom>
+          <a:noFill/>
+        </p:spPr>
+        <p:txBody>
+          <a:bodyPr wrap="square" rtlCol="0">
+            <a:spAutoFit/>
+          </a:bodyPr>
           <a:lstStyle/>
           <a:p>
-            <a:endParaRPr lang="en-US"/>
+            <a:pPr marL="0" marR="0" lvl="0" indent="0" algn="l" defTabSz="914400" rtl="0" eaLnBrk="1" fontAlgn="auto" latinLnBrk="0" hangingPunct="1">
+              <a:lnSpc>
+                <a:spcPct val="100000"/>
+              </a:lnSpc>
+              <a:spcBef>
+                <a:spcPts val="0"/>
+              </a:spcBef>
+              <a:spcAft>
+                <a:spcPts val="0"/>
+              </a:spcAft>
+              <a:buClrTx/>
+              <a:buSzTx/>
+              <a:buFontTx/>
+              <a:buNone/>
+              <a:tabLst/>
+              <a:defRPr/>
+            </a:pPr>
+            <a:r>
+              <a:rPr kumimoji="0" lang="el-GR" sz="2800" b="0" i="0" u="none" strike="noStrike" kern="1200" cap="none" spc="0" normalizeH="0" baseline="0" noProof="0" dirty="0">
+                <a:ln>
+                  <a:noFill/>
+                </a:ln>
+                <a:solidFill>
+                  <a:prstClr val="black"/>
+                </a:solidFill>
+                <a:effectLst/>
+                <a:uLnTx/>
+                <a:uFillTx/>
+                <a:latin typeface="Calibri" panose="020F0502020204030204"/>
+                <a:ea typeface="+mn-ea"/>
+                <a:cs typeface="+mn-cs"/>
+              </a:rPr>
+              <a:t>ε</a:t>
+            </a:r>
+            <a:r>
+              <a:rPr kumimoji="0" lang="en-US" sz="2800" b="0" i="0" u="none" strike="noStrike" kern="1200" cap="none" spc="0" normalizeH="0" baseline="-25000" noProof="0" dirty="0">
+                <a:ln>
+                  <a:noFill/>
+                </a:ln>
+                <a:solidFill>
+                  <a:prstClr val="black"/>
+                </a:solidFill>
+                <a:effectLst/>
+                <a:uLnTx/>
+                <a:uFillTx/>
+                <a:latin typeface="Calibri" panose="020F0502020204030204"/>
+                <a:ea typeface="+mn-ea"/>
+                <a:cs typeface="+mn-cs"/>
+              </a:rPr>
+              <a:t>2</a:t>
+            </a:r>
           </a:p>
         </p:txBody>
       </p:sp>
     </p:spTree>
     <p:extLst>
       <p:ext uri="{BB962C8B-B14F-4D97-AF65-F5344CB8AC3E}">
-        <p14:creationId xmlns:p14="http://schemas.microsoft.com/office/powerpoint/2010/main" val="2504061051"/>
+        <p14:creationId xmlns:p14="http://schemas.microsoft.com/office/powerpoint/2010/main" val="3231656309"/>
       </p:ext>
     </p:extLst>
   </p:cSld>
@@ -8670,6 +15538,301 @@
 </file>
 
 <file path=ppt/theme/theme2.xml><?xml version="1.0" encoding="utf-8"?>
+<a:theme xmlns:a="http://schemas.openxmlformats.org/drawingml/2006/main" name="1_Office Theme">
+  <a:themeElements>
+    <a:clrScheme name="Office">
+      <a:dk1>
+        <a:sysClr val="windowText" lastClr="000000"/>
+      </a:dk1>
+      <a:lt1>
+        <a:sysClr val="window" lastClr="FFFFFF"/>
+      </a:lt1>
+      <a:dk2>
+        <a:srgbClr val="44546A"/>
+      </a:dk2>
+      <a:lt2>
+        <a:srgbClr val="E7E6E6"/>
+      </a:lt2>
+      <a:accent1>
+        <a:srgbClr val="4472C4"/>
+      </a:accent1>
+      <a:accent2>
+        <a:srgbClr val="ED7D31"/>
+      </a:accent2>
+      <a:accent3>
+        <a:srgbClr val="A5A5A5"/>
+      </a:accent3>
+      <a:accent4>
+        <a:srgbClr val="FFC000"/>
+      </a:accent4>
+      <a:accent5>
+        <a:srgbClr val="5B9BD5"/>
+      </a:accent5>
+      <a:accent6>
+        <a:srgbClr val="70AD47"/>
+      </a:accent6>
+      <a:hlink>
+        <a:srgbClr val="0563C1"/>
+      </a:hlink>
+      <a:folHlink>
+        <a:srgbClr val="954F72"/>
+      </a:folHlink>
+    </a:clrScheme>
+    <a:fontScheme name="Office">
+      <a:majorFont>
+        <a:latin typeface="Calibri Light" panose="020F0302020204030204"/>
+        <a:ea typeface=""/>
+        <a:cs typeface=""/>
+        <a:font script="Jpan" typeface="游ゴシック Light"/>
+        <a:font script="Hang" typeface="맑은 고딕"/>
+        <a:font script="Hans" typeface="等线 Light"/>
+        <a:font script="Hant" typeface="新細明體"/>
+        <a:font script="Arab" typeface="Times New Roman"/>
+        <a:font script="Hebr" typeface="Times New Roman"/>
+        <a:font script="Thai" typeface="Angsana New"/>
+        <a:font script="Ethi" typeface="Nyala"/>
+        <a:font script="Beng" typeface="Vrinda"/>
+        <a:font script="Gujr" typeface="Shruti"/>
+        <a:font script="Khmr" typeface="MoolBoran"/>
+        <a:font script="Knda" typeface="Tunga"/>
+        <a:font script="Guru" typeface="Raavi"/>
+        <a:font script="Cans" typeface="Euphemia"/>
+        <a:font script="Cher" typeface="Plantagenet Cherokee"/>
+        <a:font script="Yiii" typeface="Microsoft Yi Baiti"/>
+        <a:font script="Tibt" typeface="Microsoft Himalaya"/>
+        <a:font script="Thaa" typeface="MV Boli"/>
+        <a:font script="Deva" typeface="Mangal"/>
+        <a:font script="Telu" typeface="Gautami"/>
+        <a:font script="Taml" typeface="Latha"/>
+        <a:font script="Syrc" typeface="Estrangelo Edessa"/>
+        <a:font script="Orya" typeface="Kalinga"/>
+        <a:font script="Mlym" typeface="Kartika"/>
+        <a:font script="Laoo" typeface="DokChampa"/>
+        <a:font script="Sinh" typeface="Iskoola Pota"/>
+        <a:font script="Mong" typeface="Mongolian Baiti"/>
+        <a:font script="Viet" typeface="Times New Roman"/>
+        <a:font script="Uigh" typeface="Microsoft Uighur"/>
+        <a:font script="Geor" typeface="Sylfaen"/>
+        <a:font script="Armn" typeface="Arial"/>
+        <a:font script="Bugi" typeface="Leelawadee UI"/>
+        <a:font script="Bopo" typeface="Microsoft JhengHei"/>
+        <a:font script="Java" typeface="Javanese Text"/>
+        <a:font script="Lisu" typeface="Segoe UI"/>
+        <a:font script="Mymr" typeface="Myanmar Text"/>
+        <a:font script="Nkoo" typeface="Ebrima"/>
+        <a:font script="Olck" typeface="Nirmala UI"/>
+        <a:font script="Osma" typeface="Ebrima"/>
+        <a:font script="Phag" typeface="Phagspa"/>
+        <a:font script="Syrn" typeface="Estrangelo Edessa"/>
+        <a:font script="Syrj" typeface="Estrangelo Edessa"/>
+        <a:font script="Syre" typeface="Estrangelo Edessa"/>
+        <a:font script="Sora" typeface="Nirmala UI"/>
+        <a:font script="Tale" typeface="Microsoft Tai Le"/>
+        <a:font script="Talu" typeface="Microsoft New Tai Lue"/>
+        <a:font script="Tfng" typeface="Ebrima"/>
+      </a:majorFont>
+      <a:minorFont>
+        <a:latin typeface="Calibri" panose="020F0502020204030204"/>
+        <a:ea typeface=""/>
+        <a:cs typeface=""/>
+        <a:font script="Jpan" typeface="游ゴシック"/>
+        <a:font script="Hang" typeface="맑은 고딕"/>
+        <a:font script="Hans" typeface="等线"/>
+        <a:font script="Hant" typeface="新細明體"/>
+        <a:font script="Arab" typeface="Arial"/>
+        <a:font script="Hebr" typeface="Arial"/>
+        <a:font script="Thai" typeface="Cordia New"/>
+        <a:font script="Ethi" typeface="Nyala"/>
+        <a:font script="Beng" typeface="Vrinda"/>
+        <a:font script="Gujr" typeface="Shruti"/>
+        <a:font script="Khmr" typeface="DaunPenh"/>
+        <a:font script="Knda" typeface="Tunga"/>
+        <a:font script="Guru" typeface="Raavi"/>
+        <a:font script="Cans" typeface="Euphemia"/>
+        <a:font script="Cher" typeface="Plantagenet Cherokee"/>
+        <a:font script="Yiii" typeface="Microsoft Yi Baiti"/>
+        <a:font script="Tibt" typeface="Microsoft Himalaya"/>
+        <a:font script="Thaa" typeface="MV Boli"/>
+        <a:font script="Deva" typeface="Mangal"/>
+        <a:font script="Telu" typeface="Gautami"/>
+        <a:font script="Taml" typeface="Latha"/>
+        <a:font script="Syrc" typeface="Estrangelo Edessa"/>
+        <a:font script="Orya" typeface="Kalinga"/>
+        <a:font script="Mlym" typeface="Kartika"/>
+        <a:font script="Laoo" typeface="DokChampa"/>
+        <a:font script="Sinh" typeface="Iskoola Pota"/>
+        <a:font script="Mong" typeface="Mongolian Baiti"/>
+        <a:font script="Viet" typeface="Arial"/>
+        <a:font script="Uigh" typeface="Microsoft Uighur"/>
+        <a:font script="Geor" typeface="Sylfaen"/>
+        <a:font script="Armn" typeface="Arial"/>
+        <a:font script="Bugi" typeface="Leelawadee UI"/>
+        <a:font script="Bopo" typeface="Microsoft JhengHei"/>
+        <a:font script="Java" typeface="Javanese Text"/>
+        <a:font script="Lisu" typeface="Segoe UI"/>
+        <a:font script="Mymr" typeface="Myanmar Text"/>
+        <a:font script="Nkoo" typeface="Ebrima"/>
+        <a:font script="Olck" typeface="Nirmala UI"/>
+        <a:font script="Osma" typeface="Ebrima"/>
+        <a:font script="Phag" typeface="Phagspa"/>
+        <a:font script="Syrn" typeface="Estrangelo Edessa"/>
+        <a:font script="Syrj" typeface="Estrangelo Edessa"/>
+        <a:font script="Syre" typeface="Estrangelo Edessa"/>
+        <a:font script="Sora" typeface="Nirmala UI"/>
+        <a:font script="Tale" typeface="Microsoft Tai Le"/>
+        <a:font script="Talu" typeface="Microsoft New Tai Lue"/>
+        <a:font script="Tfng" typeface="Ebrima"/>
+      </a:minorFont>
+    </a:fontScheme>
+    <a:fmtScheme name="Office">
+      <a:fillStyleLst>
+        <a:solidFill>
+          <a:schemeClr val="phClr"/>
+        </a:solidFill>
+        <a:gradFill rotWithShape="1">
+          <a:gsLst>
+            <a:gs pos="0">
+              <a:schemeClr val="phClr">
+                <a:lumMod val="110000"/>
+                <a:satMod val="105000"/>
+                <a:tint val="67000"/>
+              </a:schemeClr>
+            </a:gs>
+            <a:gs pos="50000">
+              <a:schemeClr val="phClr">
+                <a:lumMod val="105000"/>
+                <a:satMod val="103000"/>
+                <a:tint val="73000"/>
+              </a:schemeClr>
+            </a:gs>
+            <a:gs pos="100000">
+              <a:schemeClr val="phClr">
+                <a:lumMod val="105000"/>
+                <a:satMod val="109000"/>
+                <a:tint val="81000"/>
+              </a:schemeClr>
+            </a:gs>
+          </a:gsLst>
+          <a:lin ang="5400000" scaled="0"/>
+        </a:gradFill>
+        <a:gradFill rotWithShape="1">
+          <a:gsLst>
+            <a:gs pos="0">
+              <a:schemeClr val="phClr">
+                <a:satMod val="103000"/>
+                <a:lumMod val="102000"/>
+                <a:tint val="94000"/>
+              </a:schemeClr>
+            </a:gs>
+            <a:gs pos="50000">
+              <a:schemeClr val="phClr">
+                <a:satMod val="110000"/>
+                <a:lumMod val="100000"/>
+                <a:shade val="100000"/>
+              </a:schemeClr>
+            </a:gs>
+            <a:gs pos="100000">
+              <a:schemeClr val="phClr">
+                <a:lumMod val="99000"/>
+                <a:satMod val="120000"/>
+                <a:shade val="78000"/>
+              </a:schemeClr>
+            </a:gs>
+          </a:gsLst>
+          <a:lin ang="5400000" scaled="0"/>
+        </a:gradFill>
+      </a:fillStyleLst>
+      <a:lnStyleLst>
+        <a:ln w="6350" cap="flat" cmpd="sng" algn="ctr">
+          <a:solidFill>
+            <a:schemeClr val="phClr"/>
+          </a:solidFill>
+          <a:prstDash val="solid"/>
+          <a:miter lim="800000"/>
+        </a:ln>
+        <a:ln w="12700" cap="flat" cmpd="sng" algn="ctr">
+          <a:solidFill>
+            <a:schemeClr val="phClr"/>
+          </a:solidFill>
+          <a:prstDash val="solid"/>
+          <a:miter lim="800000"/>
+        </a:ln>
+        <a:ln w="19050" cap="flat" cmpd="sng" algn="ctr">
+          <a:solidFill>
+            <a:schemeClr val="phClr"/>
+          </a:solidFill>
+          <a:prstDash val="solid"/>
+          <a:miter lim="800000"/>
+        </a:ln>
+      </a:lnStyleLst>
+      <a:effectStyleLst>
+        <a:effectStyle>
+          <a:effectLst/>
+        </a:effectStyle>
+        <a:effectStyle>
+          <a:effectLst/>
+        </a:effectStyle>
+        <a:effectStyle>
+          <a:effectLst>
+            <a:outerShdw blurRad="57150" dist="19050" dir="5400000" algn="ctr" rotWithShape="0">
+              <a:srgbClr val="000000">
+                <a:alpha val="63000"/>
+              </a:srgbClr>
+            </a:outerShdw>
+          </a:effectLst>
+        </a:effectStyle>
+      </a:effectStyleLst>
+      <a:bgFillStyleLst>
+        <a:solidFill>
+          <a:schemeClr val="phClr"/>
+        </a:solidFill>
+        <a:solidFill>
+          <a:schemeClr val="phClr">
+            <a:tint val="95000"/>
+            <a:satMod val="170000"/>
+          </a:schemeClr>
+        </a:solidFill>
+        <a:gradFill rotWithShape="1">
+          <a:gsLst>
+            <a:gs pos="0">
+              <a:schemeClr val="phClr">
+                <a:tint val="93000"/>
+                <a:satMod val="150000"/>
+                <a:shade val="98000"/>
+                <a:lumMod val="102000"/>
+              </a:schemeClr>
+            </a:gs>
+            <a:gs pos="50000">
+              <a:schemeClr val="phClr">
+                <a:tint val="98000"/>
+                <a:satMod val="130000"/>
+                <a:shade val="90000"/>
+                <a:lumMod val="103000"/>
+              </a:schemeClr>
+            </a:gs>
+            <a:gs pos="100000">
+              <a:schemeClr val="phClr">
+                <a:shade val="63000"/>
+                <a:satMod val="120000"/>
+              </a:schemeClr>
+            </a:gs>
+          </a:gsLst>
+          <a:lin ang="5400000" scaled="0"/>
+        </a:gradFill>
+      </a:bgFillStyleLst>
+    </a:fmtScheme>
+  </a:themeElements>
+  <a:objectDefaults/>
+  <a:extraClrSchemeLst/>
+  <a:extLst>
+    <a:ext uri="{05A4C25C-085E-4340-85A3-A5531E510DB2}">
+      <thm15:themeFamily xmlns:thm15="http://schemas.microsoft.com/office/thememl/2012/main" name="Office Theme" id="{62F939B6-93AF-4DB8-9C6B-D6C7DFDC589F}" vid="{4A3C46E8-61CC-4603-A589-7422A47A8E4A}"/>
+    </a:ext>
+  </a:extLst>
+</a:theme>
+</file>
+
+<file path=ppt/theme/theme3.xml><?xml version="1.0" encoding="utf-8"?>
 <a:theme xmlns:a="http://schemas.openxmlformats.org/drawingml/2006/main" name="Office Theme">
   <a:themeElements>
     <a:clrScheme name="Office">

--- a/images/DrawingImages.pptx
+++ b/images/DrawingImages.pptx
@@ -11910,71 +11910,6 @@
           </a:p>
         </p:txBody>
       </p:sp>
-      <p:sp>
-        <p:nvSpPr>
-          <p:cNvPr id="13" name="TextBox 12">
-            <a:extLst>
-              <a:ext uri="{FF2B5EF4-FFF2-40B4-BE49-F238E27FC236}">
-                <a16:creationId xmlns:a16="http://schemas.microsoft.com/office/drawing/2014/main" id="{C4F0A200-F001-48F2-BEC3-2B74CFF9D2CC}"/>
-              </a:ext>
-            </a:extLst>
-          </p:cNvPr>
-          <p:cNvSpPr txBox="1"/>
-          <p:nvPr/>
-        </p:nvSpPr>
-        <p:spPr>
-          <a:xfrm>
-            <a:off x="9884185" y="2805672"/>
-            <a:ext cx="1260679" cy="523220"/>
-          </a:xfrm>
-          <a:prstGeom prst="rect">
-            <a:avLst/>
-          </a:prstGeom>
-          <a:noFill/>
-        </p:spPr>
-        <p:txBody>
-          <a:bodyPr wrap="square" rtlCol="0">
-            <a:spAutoFit/>
-          </a:bodyPr>
-          <a:lstStyle/>
-          <a:p>
-            <a:pPr marL="0" marR="0" lvl="0" indent="0" algn="l" defTabSz="914400" rtl="0" eaLnBrk="1" fontAlgn="auto" latinLnBrk="0" hangingPunct="1">
-              <a:lnSpc>
-                <a:spcPct val="100000"/>
-              </a:lnSpc>
-              <a:spcBef>
-                <a:spcPts val="0"/>
-              </a:spcBef>
-              <a:spcAft>
-                <a:spcPts val="0"/>
-              </a:spcAft>
-              <a:buClrTx/>
-              <a:buSzTx/>
-              <a:buFontTx/>
-              <a:buNone/>
-              <a:tabLst/>
-              <a:defRPr/>
-            </a:pPr>
-            <a:r>
-              <a:rPr kumimoji="0" lang="en-US" sz="2800" b="0" i="0" u="none" strike="noStrike" kern="1200" cap="none" spc="0" normalizeH="0" baseline="0" noProof="0" dirty="0">
-                <a:ln>
-                  <a:noFill/>
-                </a:ln>
-                <a:solidFill>
-                  <a:prstClr val="black"/>
-                </a:solidFill>
-                <a:effectLst/>
-                <a:uLnTx/>
-                <a:uFillTx/>
-                <a:latin typeface="Calibri" panose="020F0502020204030204"/>
-                <a:ea typeface="+mn-ea"/>
-                <a:cs typeface="+mn-cs"/>
-              </a:rPr>
-              <a:t>BLG</a:t>
-            </a:r>
-          </a:p>
-        </p:txBody>
-      </p:sp>
       <p:cxnSp>
         <p:nvCxnSpPr>
           <p:cNvPr id="20" name="Straight Connector 19">
@@ -12706,7 +12641,7 @@
                 <a:ea typeface="+mn-ea"/>
                 <a:cs typeface="+mn-cs"/>
               </a:rPr>
-              <a:t>G</a:t>
+              <a:t>B</a:t>
             </a:r>
           </a:p>
         </p:txBody>
@@ -14219,8 +14154,8 @@
           </a:fontRef>
         </p:style>
       </p:cxnSp>
-      <mc:AlternateContent xmlns:mc="http://schemas.openxmlformats.org/markup-compatibility/2006">
-        <mc:Choice xmlns:a14="http://schemas.microsoft.com/office/drawing/2010/main" Requires="a14">
+      <mc:AlternateContent xmlns:mc="http://schemas.openxmlformats.org/markup-compatibility/2006" xmlns:a14="http://schemas.microsoft.com/office/drawing/2010/main">
+        <mc:Choice Requires="a14">
           <p:sp>
             <p:nvSpPr>
               <p:cNvPr id="75" name="TextBox 74">
@@ -14491,7 +14426,7 @@
             </p:txBody>
           </p:sp>
         </mc:Choice>
-        <mc:Fallback>
+        <mc:Fallback xmlns="">
           <p:sp>
             <p:nvSpPr>
               <p:cNvPr id="75" name="TextBox 74">
@@ -14901,8 +14836,8 @@
           </p:sp>
         </mc:Fallback>
       </mc:AlternateContent>
-      <mc:AlternateContent xmlns:mc="http://schemas.openxmlformats.org/markup-compatibility/2006">
-        <mc:Choice xmlns:a14="http://schemas.microsoft.com/office/drawing/2010/main" Requires="a14">
+      <mc:AlternateContent xmlns:mc="http://schemas.openxmlformats.org/markup-compatibility/2006" xmlns:a14="http://schemas.microsoft.com/office/drawing/2010/main">
+        <mc:Choice Requires="a14">
           <p:sp>
             <p:nvSpPr>
               <p:cNvPr id="66" name="TextBox 65">
@@ -15009,7 +14944,7 @@
             </p:txBody>
           </p:sp>
         </mc:Choice>
-        <mc:Fallback>
+        <mc:Fallback xmlns="">
           <p:sp>
             <p:nvSpPr>
               <p:cNvPr id="66" name="TextBox 65">
@@ -15229,6 +15164,455 @@
           </a:p>
         </p:txBody>
       </p:sp>
+      <p:sp>
+        <p:nvSpPr>
+          <p:cNvPr id="61" name="TextBox 60">
+            <a:extLst>
+              <a:ext uri="{FF2B5EF4-FFF2-40B4-BE49-F238E27FC236}">
+                <a16:creationId xmlns:a16="http://schemas.microsoft.com/office/drawing/2014/main" id="{16A38549-9569-46AE-B504-1F205C73EFF6}"/>
+              </a:ext>
+            </a:extLst>
+          </p:cNvPr>
+          <p:cNvSpPr txBox="1"/>
+          <p:nvPr/>
+        </p:nvSpPr>
+        <p:spPr>
+          <a:xfrm>
+            <a:off x="10862477" y="2242703"/>
+            <a:ext cx="1079766" cy="523220"/>
+          </a:xfrm>
+          <a:prstGeom prst="rect">
+            <a:avLst/>
+          </a:prstGeom>
+          <a:noFill/>
+        </p:spPr>
+        <p:txBody>
+          <a:bodyPr wrap="square" rtlCol="0">
+            <a:spAutoFit/>
+          </a:bodyPr>
+          <a:lstStyle/>
+          <a:p>
+            <a:pPr marL="0" marR="0" lvl="0" indent="0" algn="l" defTabSz="914400" rtl="0" eaLnBrk="1" fontAlgn="auto" latinLnBrk="0" hangingPunct="1">
+              <a:lnSpc>
+                <a:spcPct val="100000"/>
+              </a:lnSpc>
+              <a:spcBef>
+                <a:spcPts val="0"/>
+              </a:spcBef>
+              <a:spcAft>
+                <a:spcPts val="0"/>
+              </a:spcAft>
+              <a:buClrTx/>
+              <a:buSzTx/>
+              <a:buFontTx/>
+              <a:buNone/>
+              <a:tabLst/>
+              <a:defRPr/>
+            </a:pPr>
+            <a:r>
+              <a:rPr kumimoji="0" lang="en-US" sz="2800" b="0" i="0" u="none" strike="noStrike" kern="1200" cap="none" spc="0" normalizeH="0" baseline="0" noProof="0" dirty="0">
+                <a:ln>
+                  <a:noFill/>
+                </a:ln>
+                <a:solidFill>
+                  <a:prstClr val="black"/>
+                </a:solidFill>
+                <a:effectLst/>
+                <a:uLnTx/>
+                <a:uFillTx/>
+                <a:latin typeface="Calibri" panose="020F0502020204030204"/>
+                <a:ea typeface="+mn-ea"/>
+                <a:cs typeface="+mn-cs"/>
+              </a:rPr>
+              <a:t>V</a:t>
+            </a:r>
+            <a:r>
+              <a:rPr lang="en-US" sz="2800" baseline="-25000" dirty="0">
+                <a:solidFill>
+                  <a:prstClr val="black"/>
+                </a:solidFill>
+                <a:latin typeface="Calibri" panose="020F0502020204030204"/>
+              </a:rPr>
+              <a:t>t</a:t>
+            </a:r>
+            <a:endParaRPr kumimoji="0" lang="en-US" sz="4000" b="0" i="0" u="none" strike="noStrike" kern="1200" cap="none" spc="0" normalizeH="0" baseline="0" noProof="0" dirty="0">
+              <a:ln>
+                <a:noFill/>
+              </a:ln>
+              <a:solidFill>
+                <a:prstClr val="black"/>
+              </a:solidFill>
+              <a:effectLst/>
+              <a:uLnTx/>
+              <a:uFillTx/>
+              <a:latin typeface="Calibri" panose="020F0502020204030204"/>
+              <a:ea typeface="+mn-ea"/>
+              <a:cs typeface="+mn-cs"/>
+            </a:endParaRPr>
+          </a:p>
+        </p:txBody>
+      </p:sp>
+      <p:sp>
+        <p:nvSpPr>
+          <p:cNvPr id="67" name="TextBox 66">
+            <a:extLst>
+              <a:ext uri="{FF2B5EF4-FFF2-40B4-BE49-F238E27FC236}">
+                <a16:creationId xmlns:a16="http://schemas.microsoft.com/office/drawing/2014/main" id="{C32E0237-4A21-4195-A1A5-8099445D1947}"/>
+              </a:ext>
+            </a:extLst>
+          </p:cNvPr>
+          <p:cNvSpPr txBox="1"/>
+          <p:nvPr/>
+        </p:nvSpPr>
+        <p:spPr>
+          <a:xfrm>
+            <a:off x="10848346" y="3175159"/>
+            <a:ext cx="1079766" cy="523220"/>
+          </a:xfrm>
+          <a:prstGeom prst="rect">
+            <a:avLst/>
+          </a:prstGeom>
+          <a:noFill/>
+        </p:spPr>
+        <p:txBody>
+          <a:bodyPr wrap="square" rtlCol="0">
+            <a:spAutoFit/>
+          </a:bodyPr>
+          <a:lstStyle/>
+          <a:p>
+            <a:pPr marL="0" marR="0" lvl="0" indent="0" algn="l" defTabSz="914400" rtl="0" eaLnBrk="1" fontAlgn="auto" latinLnBrk="0" hangingPunct="1">
+              <a:lnSpc>
+                <a:spcPct val="100000"/>
+              </a:lnSpc>
+              <a:spcBef>
+                <a:spcPts val="0"/>
+              </a:spcBef>
+              <a:spcAft>
+                <a:spcPts val="0"/>
+              </a:spcAft>
+              <a:buClrTx/>
+              <a:buSzTx/>
+              <a:buFontTx/>
+              <a:buNone/>
+              <a:tabLst/>
+              <a:defRPr/>
+            </a:pPr>
+            <a:r>
+              <a:rPr kumimoji="0" lang="en-US" sz="2800" b="0" i="0" u="none" strike="noStrike" kern="1200" cap="none" spc="0" normalizeH="0" baseline="0" noProof="0" dirty="0" err="1">
+                <a:ln>
+                  <a:noFill/>
+                </a:ln>
+                <a:solidFill>
+                  <a:prstClr val="black"/>
+                </a:solidFill>
+                <a:effectLst/>
+                <a:uLnTx/>
+                <a:uFillTx/>
+                <a:latin typeface="Calibri" panose="020F0502020204030204"/>
+                <a:ea typeface="+mn-ea"/>
+                <a:cs typeface="+mn-cs"/>
+              </a:rPr>
+              <a:t>V</a:t>
+            </a:r>
+            <a:r>
+              <a:rPr kumimoji="0" lang="en-US" sz="2800" b="0" i="0" u="none" strike="noStrike" kern="1200" cap="none" spc="0" normalizeH="0" baseline="-25000" noProof="0" dirty="0" err="1">
+                <a:ln>
+                  <a:noFill/>
+                </a:ln>
+                <a:solidFill>
+                  <a:prstClr val="black"/>
+                </a:solidFill>
+                <a:effectLst/>
+                <a:uLnTx/>
+                <a:uFillTx/>
+                <a:latin typeface="Calibri" panose="020F0502020204030204"/>
+                <a:ea typeface="+mn-ea"/>
+                <a:cs typeface="+mn-cs"/>
+              </a:rPr>
+              <a:t>b</a:t>
+            </a:r>
+            <a:endParaRPr kumimoji="0" lang="en-US" sz="4000" b="0" i="0" u="none" strike="noStrike" kern="1200" cap="none" spc="0" normalizeH="0" baseline="0" noProof="0" dirty="0">
+              <a:ln>
+                <a:noFill/>
+              </a:ln>
+              <a:solidFill>
+                <a:prstClr val="black"/>
+              </a:solidFill>
+              <a:effectLst/>
+              <a:uLnTx/>
+              <a:uFillTx/>
+              <a:latin typeface="Calibri" panose="020F0502020204030204"/>
+              <a:ea typeface="+mn-ea"/>
+              <a:cs typeface="+mn-cs"/>
+            </a:endParaRPr>
+          </a:p>
+        </p:txBody>
+      </p:sp>
+      <p:sp>
+        <p:nvSpPr>
+          <p:cNvPr id="68" name="TextBox 67">
+            <a:extLst>
+              <a:ext uri="{FF2B5EF4-FFF2-40B4-BE49-F238E27FC236}">
+                <a16:creationId xmlns:a16="http://schemas.microsoft.com/office/drawing/2014/main" id="{78F820FE-EAC2-480E-A7C6-3AB8C4BEDCE0}"/>
+              </a:ext>
+            </a:extLst>
+          </p:cNvPr>
+          <p:cNvSpPr txBox="1"/>
+          <p:nvPr/>
+        </p:nvSpPr>
+        <p:spPr>
+          <a:xfrm>
+            <a:off x="11215314" y="3155085"/>
+            <a:ext cx="1079766" cy="523220"/>
+          </a:xfrm>
+          <a:prstGeom prst="rect">
+            <a:avLst/>
+          </a:prstGeom>
+          <a:noFill/>
+        </p:spPr>
+        <p:txBody>
+          <a:bodyPr wrap="square" rtlCol="0">
+            <a:spAutoFit/>
+          </a:bodyPr>
+          <a:lstStyle/>
+          <a:p>
+            <a:pPr marL="0" marR="0" lvl="0" indent="0" algn="l" defTabSz="914400" rtl="0" eaLnBrk="1" fontAlgn="auto" latinLnBrk="0" hangingPunct="1">
+              <a:lnSpc>
+                <a:spcPct val="100000"/>
+              </a:lnSpc>
+              <a:spcBef>
+                <a:spcPts val="0"/>
+              </a:spcBef>
+              <a:spcAft>
+                <a:spcPts val="0"/>
+              </a:spcAft>
+              <a:buClrTx/>
+              <a:buSzTx/>
+              <a:buFontTx/>
+              <a:buNone/>
+              <a:tabLst/>
+              <a:defRPr/>
+            </a:pPr>
+            <a:r>
+              <a:rPr lang="en-US" sz="2800" dirty="0">
+                <a:solidFill>
+                  <a:prstClr val="black"/>
+                </a:solidFill>
+                <a:latin typeface="Calibri" panose="020F0502020204030204"/>
+              </a:rPr>
+              <a:t>,n</a:t>
+            </a:r>
+            <a:r>
+              <a:rPr kumimoji="0" lang="en-US" sz="2800" b="0" i="0" u="none" strike="noStrike" kern="1200" cap="none" spc="0" normalizeH="0" baseline="-25000" noProof="0" dirty="0">
+                <a:ln>
+                  <a:noFill/>
+                </a:ln>
+                <a:solidFill>
+                  <a:prstClr val="black"/>
+                </a:solidFill>
+                <a:effectLst/>
+                <a:uLnTx/>
+                <a:uFillTx/>
+                <a:latin typeface="Calibri" panose="020F0502020204030204"/>
+                <a:ea typeface="+mn-ea"/>
+                <a:cs typeface="+mn-cs"/>
+              </a:rPr>
+              <a:t>b</a:t>
+            </a:r>
+            <a:endParaRPr kumimoji="0" lang="en-US" sz="4000" b="0" i="0" u="none" strike="noStrike" kern="1200" cap="none" spc="0" normalizeH="0" baseline="0" noProof="0" dirty="0">
+              <a:ln>
+                <a:noFill/>
+              </a:ln>
+              <a:solidFill>
+                <a:prstClr val="black"/>
+              </a:solidFill>
+              <a:effectLst/>
+              <a:uLnTx/>
+              <a:uFillTx/>
+              <a:latin typeface="Calibri" panose="020F0502020204030204"/>
+              <a:ea typeface="+mn-ea"/>
+              <a:cs typeface="+mn-cs"/>
+            </a:endParaRPr>
+          </a:p>
+        </p:txBody>
+      </p:sp>
+      <p:sp>
+        <p:nvSpPr>
+          <p:cNvPr id="69" name="TextBox 68">
+            <a:extLst>
+              <a:ext uri="{FF2B5EF4-FFF2-40B4-BE49-F238E27FC236}">
+                <a16:creationId xmlns:a16="http://schemas.microsoft.com/office/drawing/2014/main" id="{1FB45B17-23AE-493C-8C53-3BFECD7087E2}"/>
+              </a:ext>
+            </a:extLst>
+          </p:cNvPr>
+          <p:cNvSpPr txBox="1"/>
+          <p:nvPr/>
+        </p:nvSpPr>
+        <p:spPr>
+          <a:xfrm>
+            <a:off x="11177784" y="2263512"/>
+            <a:ext cx="1079766" cy="523220"/>
+          </a:xfrm>
+          <a:prstGeom prst="rect">
+            <a:avLst/>
+          </a:prstGeom>
+          <a:noFill/>
+        </p:spPr>
+        <p:txBody>
+          <a:bodyPr wrap="square" rtlCol="0">
+            <a:spAutoFit/>
+          </a:bodyPr>
+          <a:lstStyle/>
+          <a:p>
+            <a:pPr marL="0" marR="0" lvl="0" indent="0" algn="l" defTabSz="914400" rtl="0" eaLnBrk="1" fontAlgn="auto" latinLnBrk="0" hangingPunct="1">
+              <a:lnSpc>
+                <a:spcPct val="100000"/>
+              </a:lnSpc>
+              <a:spcBef>
+                <a:spcPts val="0"/>
+              </a:spcBef>
+              <a:spcAft>
+                <a:spcPts val="0"/>
+              </a:spcAft>
+              <a:buClrTx/>
+              <a:buSzTx/>
+              <a:buFontTx/>
+              <a:buNone/>
+              <a:tabLst/>
+              <a:defRPr/>
+            </a:pPr>
+            <a:r>
+              <a:rPr lang="en-US" sz="2800" dirty="0">
+                <a:solidFill>
+                  <a:prstClr val="black"/>
+                </a:solidFill>
+                <a:latin typeface="Calibri" panose="020F0502020204030204"/>
+              </a:rPr>
+              <a:t>,</a:t>
+            </a:r>
+            <a:r>
+              <a:rPr lang="en-US" sz="2800" dirty="0" err="1">
+                <a:solidFill>
+                  <a:prstClr val="black"/>
+                </a:solidFill>
+                <a:latin typeface="Calibri" panose="020F0502020204030204"/>
+              </a:rPr>
+              <a:t>n</a:t>
+            </a:r>
+            <a:r>
+              <a:rPr lang="en-US" sz="2800" baseline="-25000" dirty="0" err="1">
+                <a:solidFill>
+                  <a:prstClr val="black"/>
+                </a:solidFill>
+                <a:latin typeface="Calibri" panose="020F0502020204030204"/>
+              </a:rPr>
+              <a:t>t</a:t>
+            </a:r>
+            <a:endParaRPr kumimoji="0" lang="en-US" sz="4000" b="0" i="0" u="none" strike="noStrike" kern="1200" cap="none" spc="0" normalizeH="0" baseline="0" noProof="0" dirty="0">
+              <a:ln>
+                <a:noFill/>
+              </a:ln>
+              <a:solidFill>
+                <a:prstClr val="black"/>
+              </a:solidFill>
+              <a:effectLst/>
+              <a:uLnTx/>
+              <a:uFillTx/>
+              <a:latin typeface="Calibri" panose="020F0502020204030204"/>
+              <a:ea typeface="+mn-ea"/>
+              <a:cs typeface="+mn-cs"/>
+            </a:endParaRPr>
+          </a:p>
+        </p:txBody>
+      </p:sp>
+      <p:cxnSp>
+        <p:nvCxnSpPr>
+          <p:cNvPr id="70" name="Straight Connector 69">
+            <a:extLst>
+              <a:ext uri="{FF2B5EF4-FFF2-40B4-BE49-F238E27FC236}">
+                <a16:creationId xmlns:a16="http://schemas.microsoft.com/office/drawing/2014/main" id="{D0D072E3-0108-4B0D-A0F1-CA29F3226D84}"/>
+              </a:ext>
+            </a:extLst>
+          </p:cNvPr>
+          <p:cNvCxnSpPr>
+            <a:cxnSpLocks/>
+            <a:endCxn id="61" idx="1"/>
+          </p:cNvCxnSpPr>
+          <p:nvPr/>
+        </p:nvCxnSpPr>
+        <p:spPr>
+          <a:xfrm flipV="1">
+            <a:off x="9001900" y="2504313"/>
+            <a:ext cx="1860577" cy="543007"/>
+          </a:xfrm>
+          <a:prstGeom prst="line">
+            <a:avLst/>
+          </a:prstGeom>
+          <a:ln w="15875">
+            <a:solidFill>
+              <a:schemeClr val="tx1"/>
+            </a:solidFill>
+          </a:ln>
+        </p:spPr>
+        <p:style>
+          <a:lnRef idx="1">
+            <a:schemeClr val="accent1"/>
+          </a:lnRef>
+          <a:fillRef idx="0">
+            <a:schemeClr val="accent1"/>
+          </a:fillRef>
+          <a:effectRef idx="0">
+            <a:schemeClr val="accent1"/>
+          </a:effectRef>
+          <a:fontRef idx="minor">
+            <a:schemeClr val="tx1"/>
+          </a:fontRef>
+        </p:style>
+      </p:cxnSp>
+      <p:cxnSp>
+        <p:nvCxnSpPr>
+          <p:cNvPr id="71" name="Straight Connector 70">
+            <a:extLst>
+              <a:ext uri="{FF2B5EF4-FFF2-40B4-BE49-F238E27FC236}">
+                <a16:creationId xmlns:a16="http://schemas.microsoft.com/office/drawing/2014/main" id="{7F8A111E-498C-496E-BEA0-0275B09942CA}"/>
+              </a:ext>
+            </a:extLst>
+          </p:cNvPr>
+          <p:cNvCxnSpPr>
+            <a:cxnSpLocks/>
+            <a:endCxn id="67" idx="1"/>
+          </p:cNvCxnSpPr>
+          <p:nvPr/>
+        </p:nvCxnSpPr>
+        <p:spPr>
+          <a:xfrm>
+            <a:off x="8926679" y="3122795"/>
+            <a:ext cx="1921667" cy="313974"/>
+          </a:xfrm>
+          <a:prstGeom prst="line">
+            <a:avLst/>
+          </a:prstGeom>
+          <a:ln w="15875">
+            <a:solidFill>
+              <a:schemeClr val="tx1"/>
+            </a:solidFill>
+          </a:ln>
+        </p:spPr>
+        <p:style>
+          <a:lnRef idx="1">
+            <a:schemeClr val="accent1"/>
+          </a:lnRef>
+          <a:fillRef idx="0">
+            <a:schemeClr val="accent1"/>
+          </a:fillRef>
+          <a:effectRef idx="0">
+            <a:schemeClr val="accent1"/>
+          </a:effectRef>
+          <a:fontRef idx="minor">
+            <a:schemeClr val="tx1"/>
+          </a:fontRef>
+        </p:style>
+      </p:cxnSp>
     </p:spTree>
     <p:extLst>
       <p:ext uri="{BB962C8B-B14F-4D97-AF65-F5344CB8AC3E}">
